--- a/SHA/SHA256/Presentation/SHA256.pptx
+++ b/SHA/SHA256/Presentation/SHA256.pptx
@@ -5,7 +5,7 @@
     <p:sldMasterId id="2147483648" r:id="rId1"/>
   </p:sldMasterIdLst>
   <p:notesMasterIdLst>
-    <p:notesMasterId r:id="rId12"/>
+    <p:notesMasterId r:id="rId22"/>
   </p:notesMasterIdLst>
   <p:sldIdLst>
     <p:sldId id="532" r:id="rId2"/>
@@ -17,7 +17,17 @@
     <p:sldId id="538" r:id="rId8"/>
     <p:sldId id="536" r:id="rId9"/>
     <p:sldId id="537" r:id="rId10"/>
-    <p:sldId id="527" r:id="rId11"/>
+    <p:sldId id="541" r:id="rId11"/>
+    <p:sldId id="539" r:id="rId12"/>
+    <p:sldId id="540" r:id="rId13"/>
+    <p:sldId id="542" r:id="rId14"/>
+    <p:sldId id="545" r:id="rId15"/>
+    <p:sldId id="546" r:id="rId16"/>
+    <p:sldId id="543" r:id="rId17"/>
+    <p:sldId id="544" r:id="rId18"/>
+    <p:sldId id="547" r:id="rId19"/>
+    <p:sldId id="548" r:id="rId20"/>
+    <p:sldId id="527" r:id="rId21"/>
   </p:sldIdLst>
   <p:sldSz cx="12192000" cy="6858000"/>
   <p:notesSz cx="6858000" cy="9144000"/>
@@ -209,7 +219,7 @@
           <a:p>
             <a:fld id="{68D7D084-C4C0-42B0-BD01-5F1E5FEB8D38}" type="datetimeFigureOut">
               <a:rPr lang="ko-KR" altLang="en-US" smtClean="0"/>
-              <a:t>2024-01-15</a:t>
+              <a:t>2024-01-17</a:t>
             </a:fld>
             <a:endParaRPr lang="ko-KR" altLang="en-US"/>
           </a:p>
@@ -3157,6 +3167,2386 @@
 </file>
 
 <file path=ppt/slides/slide10.xml><?xml version="1.0" encoding="utf-8"?>
+<p:sld xmlns:a="http://schemas.openxmlformats.org/drawingml/2006/main" xmlns:r="http://schemas.openxmlformats.org/officeDocument/2006/relationships" xmlns:p="http://schemas.openxmlformats.org/presentationml/2006/main">
+  <p:cSld>
+    <p:spTree>
+      <p:nvGrpSpPr>
+        <p:cNvPr id="1" name=""/>
+        <p:cNvGrpSpPr/>
+        <p:nvPr/>
+      </p:nvGrpSpPr>
+      <p:grpSpPr>
+        <a:xfrm>
+          <a:off x="0" y="0"/>
+          <a:ext cx="0" cy="0"/>
+          <a:chOff x="0" y="0"/>
+          <a:chExt cx="0" cy="0"/>
+        </a:xfrm>
+      </p:grpSpPr>
+      <p:sp>
+        <p:nvSpPr>
+          <p:cNvPr id="2" name="내용 개체 틀 1">
+            <a:extLst>
+              <a:ext uri="{FF2B5EF4-FFF2-40B4-BE49-F238E27FC236}">
+                <a16:creationId xmlns:a16="http://schemas.microsoft.com/office/drawing/2014/main" id="{CAC0CF16-D94C-9625-43D7-9C8B706EF647}"/>
+              </a:ext>
+            </a:extLst>
+          </p:cNvPr>
+          <p:cNvSpPr>
+            <a:spLocks noGrp="1"/>
+          </p:cNvSpPr>
+          <p:nvPr>
+            <p:ph idx="1"/>
+          </p:nvPr>
+        </p:nvSpPr>
+        <p:spPr/>
+        <p:txBody>
+          <a:bodyPr/>
+          <a:lstStyle/>
+          <a:p>
+            <a:r>
+              <a:rPr lang="en-US"/>
+              <a:t>KeySelect(Round)</a:t>
+            </a:r>
+          </a:p>
+          <a:p>
+            <a:pPr lvl="1"/>
+            <a:endParaRPr lang="en-US"/>
+          </a:p>
+        </p:txBody>
+      </p:sp>
+      <p:sp>
+        <p:nvSpPr>
+          <p:cNvPr id="3" name="슬라이드 번호 개체 틀 2">
+            <a:extLst>
+              <a:ext uri="{FF2B5EF4-FFF2-40B4-BE49-F238E27FC236}">
+                <a16:creationId xmlns:a16="http://schemas.microsoft.com/office/drawing/2014/main" id="{35884E8F-3313-9D02-A755-08F89735E160}"/>
+              </a:ext>
+            </a:extLst>
+          </p:cNvPr>
+          <p:cNvSpPr>
+            <a:spLocks noGrp="1"/>
+          </p:cNvSpPr>
+          <p:nvPr>
+            <p:ph type="sldNum" sz="quarter" idx="12"/>
+          </p:nvPr>
+        </p:nvSpPr>
+        <p:spPr/>
+        <p:txBody>
+          <a:bodyPr/>
+          <a:lstStyle/>
+          <a:p>
+            <a:fld id="{0D2C6ACC-C63B-484F-9F1A-C33FE2250CD5}" type="slidenum">
+              <a:rPr lang="ko-KR" altLang="en-US" smtClean="0"/>
+              <a:pPr/>
+              <a:t>10</a:t>
+            </a:fld>
+            <a:endParaRPr lang="ko-KR" altLang="en-US" dirty="0"/>
+          </a:p>
+        </p:txBody>
+      </p:sp>
+      <p:sp>
+        <p:nvSpPr>
+          <p:cNvPr id="4" name="제목 3">
+            <a:extLst>
+              <a:ext uri="{FF2B5EF4-FFF2-40B4-BE49-F238E27FC236}">
+                <a16:creationId xmlns:a16="http://schemas.microsoft.com/office/drawing/2014/main" id="{5315CCCA-319F-7324-DF21-1DF9014C12B0}"/>
+              </a:ext>
+            </a:extLst>
+          </p:cNvPr>
+          <p:cNvSpPr>
+            <a:spLocks noGrp="1"/>
+          </p:cNvSpPr>
+          <p:nvPr>
+            <p:ph type="title"/>
+          </p:nvPr>
+        </p:nvSpPr>
+        <p:spPr/>
+        <p:txBody>
+          <a:bodyPr/>
+          <a:lstStyle/>
+          <a:p>
+            <a:r>
+              <a:rPr lang="ko-KR" altLang="en-US"/>
+              <a:t>함수</a:t>
+            </a:r>
+            <a:endParaRPr lang="en-US"/>
+          </a:p>
+        </p:txBody>
+      </p:sp>
+      <p:pic>
+        <p:nvPicPr>
+          <p:cNvPr id="6" name="그림 5">
+            <a:extLst>
+              <a:ext uri="{FF2B5EF4-FFF2-40B4-BE49-F238E27FC236}">
+                <a16:creationId xmlns:a16="http://schemas.microsoft.com/office/drawing/2014/main" id="{6AF1B746-628C-8545-4E8B-0C1666B0658A}"/>
+              </a:ext>
+            </a:extLst>
+          </p:cNvPr>
+          <p:cNvPicPr>
+            <a:picLocks noChangeAspect="1"/>
+          </p:cNvPicPr>
+          <p:nvPr/>
+        </p:nvPicPr>
+        <p:blipFill>
+          <a:blip r:embed="rId2"/>
+          <a:stretch>
+            <a:fillRect/>
+          </a:stretch>
+        </p:blipFill>
+        <p:spPr>
+          <a:xfrm>
+            <a:off x="766142" y="1845142"/>
+            <a:ext cx="6425233" cy="4496975"/>
+          </a:xfrm>
+          <a:prstGeom prst="rect">
+            <a:avLst/>
+          </a:prstGeom>
+        </p:spPr>
+      </p:pic>
+    </p:spTree>
+    <p:extLst>
+      <p:ext uri="{BB962C8B-B14F-4D97-AF65-F5344CB8AC3E}">
+        <p14:creationId xmlns:p14="http://schemas.microsoft.com/office/powerpoint/2010/main" val="1027854177"/>
+      </p:ext>
+    </p:extLst>
+  </p:cSld>
+  <p:clrMapOvr>
+    <a:masterClrMapping/>
+  </p:clrMapOvr>
+</p:sld>
+</file>
+
+<file path=ppt/slides/slide11.xml><?xml version="1.0" encoding="utf-8"?>
+<p:sld xmlns:a="http://schemas.openxmlformats.org/drawingml/2006/main" xmlns:r="http://schemas.openxmlformats.org/officeDocument/2006/relationships" xmlns:p="http://schemas.openxmlformats.org/presentationml/2006/main">
+  <p:cSld>
+    <p:spTree>
+      <p:nvGrpSpPr>
+        <p:cNvPr id="1" name=""/>
+        <p:cNvGrpSpPr/>
+        <p:nvPr/>
+      </p:nvGrpSpPr>
+      <p:grpSpPr>
+        <a:xfrm>
+          <a:off x="0" y="0"/>
+          <a:ext cx="0" cy="0"/>
+          <a:chOff x="0" y="0"/>
+          <a:chExt cx="0" cy="0"/>
+        </a:xfrm>
+      </p:grpSpPr>
+      <p:sp>
+        <p:nvSpPr>
+          <p:cNvPr id="2" name="내용 개체 틀 1">
+            <a:extLst>
+              <a:ext uri="{FF2B5EF4-FFF2-40B4-BE49-F238E27FC236}">
+                <a16:creationId xmlns:a16="http://schemas.microsoft.com/office/drawing/2014/main" id="{5CAB945F-FC9F-BDA9-680D-DF23C3DD0659}"/>
+              </a:ext>
+            </a:extLst>
+          </p:cNvPr>
+          <p:cNvSpPr>
+            <a:spLocks noGrp="1"/>
+          </p:cNvSpPr>
+          <p:nvPr>
+            <p:ph idx="1"/>
+          </p:nvPr>
+        </p:nvSpPr>
+        <p:spPr/>
+        <p:txBody>
+          <a:bodyPr/>
+          <a:lstStyle/>
+          <a:p>
+            <a:r>
+              <a:rPr lang="en-US"/>
+              <a:t>1</a:t>
+            </a:r>
+            <a:r>
+              <a:rPr lang="ko-KR" altLang="en-US"/>
+              <a:t>번 </a:t>
+            </a:r>
+            <a:endParaRPr lang="en-US" altLang="ko-KR"/>
+          </a:p>
+          <a:p>
+            <a:pPr lvl="1"/>
+            <a:r>
+              <a:rPr lang="en-US"/>
+              <a:t>‘abc’</a:t>
+            </a:r>
+          </a:p>
+          <a:p>
+            <a:pPr lvl="2"/>
+            <a:r>
+              <a:rPr lang="en-US"/>
+              <a:t>‘abc’ =</a:t>
+            </a:r>
+            <a:r>
+              <a:rPr lang="ko-KR" altLang="en-US"/>
+              <a:t> </a:t>
+            </a:r>
+            <a:r>
+              <a:rPr lang="en-US" altLang="ko-KR"/>
+              <a:t>‘616263’</a:t>
+            </a:r>
+          </a:p>
+          <a:p>
+            <a:pPr lvl="2"/>
+            <a:r>
+              <a:rPr lang="ko-KR" altLang="en-US"/>
+              <a:t>한 문자당 </a:t>
+            </a:r>
+            <a:r>
+              <a:rPr lang="en-US" altLang="ko-KR"/>
+              <a:t>8 bit, </a:t>
+            </a:r>
+            <a:r>
+              <a:rPr lang="ko-KR" altLang="en-US"/>
+              <a:t>총 길이 </a:t>
+            </a:r>
+            <a:r>
+              <a:rPr lang="en-US" altLang="ko-KR"/>
+              <a:t>24 bit = 0x18 bit </a:t>
+            </a:r>
+            <a:endParaRPr lang="en-US"/>
+          </a:p>
+          <a:p>
+            <a:pPr lvl="2"/>
+            <a:r>
+              <a:rPr lang="en-US"/>
+              <a:t>512’h61626380_00000000_00000000_00000000_00000000_00000000_</a:t>
+            </a:r>
+            <a:br>
+              <a:rPr lang="en-US"/>
+            </a:br>
+            <a:r>
+              <a:rPr lang="en-US"/>
+              <a:t>         00000000_00000000_00000000_00000000_00000000_00000000_</a:t>
+            </a:r>
+            <a:br>
+              <a:rPr lang="en-US"/>
+            </a:br>
+            <a:r>
+              <a:rPr lang="en-US"/>
+              <a:t>         00000000_00000000_00000000_00000018</a:t>
+            </a:r>
+          </a:p>
+          <a:p>
+            <a:pPr lvl="1"/>
+            <a:endParaRPr lang="en-US"/>
+          </a:p>
+          <a:p>
+            <a:pPr lvl="1"/>
+            <a:r>
+              <a:rPr lang="ko-KR" altLang="en-US"/>
+              <a:t>예상 출력 값</a:t>
+            </a:r>
+            <a:endParaRPr lang="en-US" altLang="ko-KR"/>
+          </a:p>
+          <a:p>
+            <a:pPr lvl="2"/>
+            <a:r>
+              <a:rPr lang="en-US" altLang="ko-KR"/>
+              <a:t>ba7816bf_8f01cfea_414140de_5dae2223_b00361a3_96177a9c_b410ff61_f20015ad</a:t>
+            </a:r>
+          </a:p>
+          <a:p>
+            <a:pPr lvl="2"/>
+            <a:endParaRPr lang="en-US"/>
+          </a:p>
+        </p:txBody>
+      </p:sp>
+      <p:sp>
+        <p:nvSpPr>
+          <p:cNvPr id="3" name="슬라이드 번호 개체 틀 2">
+            <a:extLst>
+              <a:ext uri="{FF2B5EF4-FFF2-40B4-BE49-F238E27FC236}">
+                <a16:creationId xmlns:a16="http://schemas.microsoft.com/office/drawing/2014/main" id="{5060DD3B-5FC1-CE79-5157-FDC97EDCB1E7}"/>
+              </a:ext>
+            </a:extLst>
+          </p:cNvPr>
+          <p:cNvSpPr>
+            <a:spLocks noGrp="1"/>
+          </p:cNvSpPr>
+          <p:nvPr>
+            <p:ph type="sldNum" sz="quarter" idx="12"/>
+          </p:nvPr>
+        </p:nvSpPr>
+        <p:spPr/>
+        <p:txBody>
+          <a:bodyPr/>
+          <a:lstStyle/>
+          <a:p>
+            <a:fld id="{0D2C6ACC-C63B-484F-9F1A-C33FE2250CD5}" type="slidenum">
+              <a:rPr lang="ko-KR" altLang="en-US" smtClean="0"/>
+              <a:pPr/>
+              <a:t>11</a:t>
+            </a:fld>
+            <a:endParaRPr lang="ko-KR" altLang="en-US" dirty="0"/>
+          </a:p>
+        </p:txBody>
+      </p:sp>
+      <p:sp>
+        <p:nvSpPr>
+          <p:cNvPr id="4" name="제목 3">
+            <a:extLst>
+              <a:ext uri="{FF2B5EF4-FFF2-40B4-BE49-F238E27FC236}">
+                <a16:creationId xmlns:a16="http://schemas.microsoft.com/office/drawing/2014/main" id="{61C39967-F602-418D-3CCC-6ABAD45213D3}"/>
+              </a:ext>
+            </a:extLst>
+          </p:cNvPr>
+          <p:cNvSpPr>
+            <a:spLocks noGrp="1"/>
+          </p:cNvSpPr>
+          <p:nvPr>
+            <p:ph type="title"/>
+          </p:nvPr>
+        </p:nvSpPr>
+        <p:spPr/>
+        <p:txBody>
+          <a:bodyPr/>
+          <a:lstStyle/>
+          <a:p>
+            <a:r>
+              <a:rPr lang="en-US"/>
+              <a:t>Test</a:t>
+            </a:r>
+            <a:r>
+              <a:rPr lang="ko-KR" altLang="en-US"/>
+              <a:t> </a:t>
+            </a:r>
+            <a:r>
+              <a:rPr lang="en-US" altLang="ko-KR"/>
+              <a:t>Vector</a:t>
+            </a:r>
+            <a:endParaRPr lang="en-US"/>
+          </a:p>
+        </p:txBody>
+      </p:sp>
+    </p:spTree>
+    <p:extLst>
+      <p:ext uri="{BB962C8B-B14F-4D97-AF65-F5344CB8AC3E}">
+        <p14:creationId xmlns:p14="http://schemas.microsoft.com/office/powerpoint/2010/main" val="1217431584"/>
+      </p:ext>
+    </p:extLst>
+  </p:cSld>
+  <p:clrMapOvr>
+    <a:masterClrMapping/>
+  </p:clrMapOvr>
+</p:sld>
+</file>
+
+<file path=ppt/slides/slide12.xml><?xml version="1.0" encoding="utf-8"?>
+<p:sld xmlns:a="http://schemas.openxmlformats.org/drawingml/2006/main" xmlns:r="http://schemas.openxmlformats.org/officeDocument/2006/relationships" xmlns:p="http://schemas.openxmlformats.org/presentationml/2006/main">
+  <p:cSld>
+    <p:spTree>
+      <p:nvGrpSpPr>
+        <p:cNvPr id="1" name=""/>
+        <p:cNvGrpSpPr/>
+        <p:nvPr/>
+      </p:nvGrpSpPr>
+      <p:grpSpPr>
+        <a:xfrm>
+          <a:off x="0" y="0"/>
+          <a:ext cx="0" cy="0"/>
+          <a:chOff x="0" y="0"/>
+          <a:chExt cx="0" cy="0"/>
+        </a:xfrm>
+      </p:grpSpPr>
+      <p:sp>
+        <p:nvSpPr>
+          <p:cNvPr id="3" name="슬라이드 번호 개체 틀 2">
+            <a:extLst>
+              <a:ext uri="{FF2B5EF4-FFF2-40B4-BE49-F238E27FC236}">
+                <a16:creationId xmlns:a16="http://schemas.microsoft.com/office/drawing/2014/main" id="{F82A4B4B-8EFE-2DA7-C4DD-3D44001A588A}"/>
+              </a:ext>
+            </a:extLst>
+          </p:cNvPr>
+          <p:cNvSpPr>
+            <a:spLocks noGrp="1"/>
+          </p:cNvSpPr>
+          <p:nvPr>
+            <p:ph type="sldNum" sz="quarter" idx="12"/>
+          </p:nvPr>
+        </p:nvSpPr>
+        <p:spPr/>
+        <p:txBody>
+          <a:bodyPr/>
+          <a:lstStyle/>
+          <a:p>
+            <a:fld id="{0D2C6ACC-C63B-484F-9F1A-C33FE2250CD5}" type="slidenum">
+              <a:rPr lang="ko-KR" altLang="en-US" smtClean="0"/>
+              <a:pPr/>
+              <a:t>12</a:t>
+            </a:fld>
+            <a:endParaRPr lang="ko-KR" altLang="en-US" dirty="0"/>
+          </a:p>
+        </p:txBody>
+      </p:sp>
+      <p:sp>
+        <p:nvSpPr>
+          <p:cNvPr id="4" name="제목 3">
+            <a:extLst>
+              <a:ext uri="{FF2B5EF4-FFF2-40B4-BE49-F238E27FC236}">
+                <a16:creationId xmlns:a16="http://schemas.microsoft.com/office/drawing/2014/main" id="{C4FD4B29-7097-9353-DDE1-CBACAB06F4AC}"/>
+              </a:ext>
+            </a:extLst>
+          </p:cNvPr>
+          <p:cNvSpPr>
+            <a:spLocks noGrp="1"/>
+          </p:cNvSpPr>
+          <p:nvPr>
+            <p:ph type="title"/>
+          </p:nvPr>
+        </p:nvSpPr>
+        <p:spPr/>
+        <p:txBody>
+          <a:bodyPr/>
+          <a:lstStyle/>
+          <a:p>
+            <a:r>
+              <a:rPr lang="en-US"/>
+              <a:t>Simulation Result</a:t>
+            </a:r>
+          </a:p>
+        </p:txBody>
+      </p:sp>
+      <p:sp>
+        <p:nvSpPr>
+          <p:cNvPr id="7" name="내용 개체 틀 1">
+            <a:extLst>
+              <a:ext uri="{FF2B5EF4-FFF2-40B4-BE49-F238E27FC236}">
+                <a16:creationId xmlns:a16="http://schemas.microsoft.com/office/drawing/2014/main" id="{6D05F3C1-73A4-82B2-12BA-1058EB51636C}"/>
+              </a:ext>
+            </a:extLst>
+          </p:cNvPr>
+          <p:cNvSpPr>
+            <a:spLocks noGrp="1"/>
+          </p:cNvSpPr>
+          <p:nvPr>
+            <p:ph idx="1"/>
+          </p:nvPr>
+        </p:nvSpPr>
+        <p:spPr>
+          <a:xfrm>
+            <a:off x="234777" y="1062681"/>
+            <a:ext cx="11795297" cy="5114282"/>
+          </a:xfrm>
+        </p:spPr>
+        <p:txBody>
+          <a:bodyPr/>
+          <a:lstStyle/>
+          <a:p>
+            <a:r>
+              <a:rPr lang="en-US"/>
+              <a:t>1</a:t>
+            </a:r>
+            <a:r>
+              <a:rPr lang="ko-KR" altLang="en-US"/>
+              <a:t>번 </a:t>
+            </a:r>
+            <a:r>
+              <a:rPr lang="en-US" altLang="ko-KR"/>
+              <a:t>– </a:t>
+            </a:r>
+            <a:r>
+              <a:rPr lang="ko-KR" altLang="en-US"/>
+              <a:t>시뮬레이션 시작 부분</a:t>
+            </a:r>
+            <a:endParaRPr lang="en-US" altLang="ko-KR"/>
+          </a:p>
+          <a:p>
+            <a:endParaRPr lang="en-US" altLang="ko-KR"/>
+          </a:p>
+          <a:p>
+            <a:endParaRPr lang="en-US" altLang="ko-KR"/>
+          </a:p>
+          <a:p>
+            <a:endParaRPr lang="en-US" altLang="ko-KR"/>
+          </a:p>
+          <a:p>
+            <a:pPr marL="0" indent="0">
+              <a:buNone/>
+            </a:pPr>
+            <a:endParaRPr lang="en-US" altLang="ko-KR"/>
+          </a:p>
+          <a:p>
+            <a:pPr lvl="1"/>
+            <a:r>
+              <a:rPr lang="en-US" altLang="ko-KR"/>
+              <a:t>i_fStart</a:t>
+            </a:r>
+            <a:r>
+              <a:rPr lang="ko-KR" altLang="en-US"/>
+              <a:t> </a:t>
+            </a:r>
+            <a:r>
+              <a:rPr lang="en-US" altLang="ko-KR"/>
+              <a:t>&amp; i_fFirst </a:t>
+            </a:r>
+            <a:r>
+              <a:rPr lang="ko-KR" altLang="en-US"/>
+              <a:t>인 경우 </a:t>
+            </a:r>
+            <a:r>
+              <a:rPr lang="en-US" altLang="ko-KR"/>
+              <a:t>c_a ~ c_h </a:t>
+            </a:r>
+            <a:r>
+              <a:rPr lang="ko-KR" altLang="en-US"/>
+              <a:t>까지 </a:t>
+            </a:r>
+            <a:r>
+              <a:rPr lang="en-US" altLang="ko-KR"/>
+              <a:t>Initial Vector </a:t>
+            </a:r>
+            <a:r>
+              <a:rPr lang="ko-KR" altLang="en-US"/>
+              <a:t>값이 들어간다</a:t>
+            </a:r>
+            <a:endParaRPr lang="en-US" altLang="ko-KR"/>
+          </a:p>
+          <a:p>
+            <a:pPr lvl="1"/>
+            <a:endParaRPr lang="en-US" altLang="ko-KR"/>
+          </a:p>
+          <a:p>
+            <a:pPr lvl="1"/>
+            <a:endParaRPr lang="en-US"/>
+          </a:p>
+          <a:p>
+            <a:pPr marL="864000" lvl="2" indent="0">
+              <a:buNone/>
+            </a:pPr>
+            <a:endParaRPr lang="en-US"/>
+          </a:p>
+        </p:txBody>
+      </p:sp>
+      <p:pic>
+        <p:nvPicPr>
+          <p:cNvPr id="9" name="그림 8">
+            <a:extLst>
+              <a:ext uri="{FF2B5EF4-FFF2-40B4-BE49-F238E27FC236}">
+                <a16:creationId xmlns:a16="http://schemas.microsoft.com/office/drawing/2014/main" id="{506F2FD6-4F93-5F86-B8B6-A0206654B7EF}"/>
+              </a:ext>
+            </a:extLst>
+          </p:cNvPr>
+          <p:cNvPicPr>
+            <a:picLocks noChangeAspect="1"/>
+          </p:cNvPicPr>
+          <p:nvPr/>
+        </p:nvPicPr>
+        <p:blipFill>
+          <a:blip r:embed="rId2"/>
+          <a:stretch>
+            <a:fillRect/>
+          </a:stretch>
+        </p:blipFill>
+        <p:spPr>
+          <a:xfrm>
+            <a:off x="656790" y="1657204"/>
+            <a:ext cx="6230219" cy="2095792"/>
+          </a:xfrm>
+          <a:prstGeom prst="rect">
+            <a:avLst/>
+          </a:prstGeom>
+        </p:spPr>
+      </p:pic>
+    </p:spTree>
+    <p:extLst>
+      <p:ext uri="{BB962C8B-B14F-4D97-AF65-F5344CB8AC3E}">
+        <p14:creationId xmlns:p14="http://schemas.microsoft.com/office/powerpoint/2010/main" val="1745508069"/>
+      </p:ext>
+    </p:extLst>
+  </p:cSld>
+  <p:clrMapOvr>
+    <a:masterClrMapping/>
+  </p:clrMapOvr>
+</p:sld>
+</file>
+
+<file path=ppt/slides/slide13.xml><?xml version="1.0" encoding="utf-8"?>
+<p:sld xmlns:a="http://schemas.openxmlformats.org/drawingml/2006/main" xmlns:r="http://schemas.openxmlformats.org/officeDocument/2006/relationships" xmlns:p="http://schemas.openxmlformats.org/presentationml/2006/main">
+  <p:cSld>
+    <p:spTree>
+      <p:nvGrpSpPr>
+        <p:cNvPr id="1" name=""/>
+        <p:cNvGrpSpPr/>
+        <p:nvPr/>
+      </p:nvGrpSpPr>
+      <p:grpSpPr>
+        <a:xfrm>
+          <a:off x="0" y="0"/>
+          <a:ext cx="0" cy="0"/>
+          <a:chOff x="0" y="0"/>
+          <a:chExt cx="0" cy="0"/>
+        </a:xfrm>
+      </p:grpSpPr>
+      <p:sp>
+        <p:nvSpPr>
+          <p:cNvPr id="3" name="슬라이드 번호 개체 틀 2">
+            <a:extLst>
+              <a:ext uri="{FF2B5EF4-FFF2-40B4-BE49-F238E27FC236}">
+                <a16:creationId xmlns:a16="http://schemas.microsoft.com/office/drawing/2014/main" id="{F82A4B4B-8EFE-2DA7-C4DD-3D44001A588A}"/>
+              </a:ext>
+            </a:extLst>
+          </p:cNvPr>
+          <p:cNvSpPr>
+            <a:spLocks noGrp="1"/>
+          </p:cNvSpPr>
+          <p:nvPr>
+            <p:ph type="sldNum" sz="quarter" idx="12"/>
+          </p:nvPr>
+        </p:nvSpPr>
+        <p:spPr/>
+        <p:txBody>
+          <a:bodyPr/>
+          <a:lstStyle/>
+          <a:p>
+            <a:fld id="{0D2C6ACC-C63B-484F-9F1A-C33FE2250CD5}" type="slidenum">
+              <a:rPr lang="ko-KR" altLang="en-US" smtClean="0"/>
+              <a:pPr/>
+              <a:t>13</a:t>
+            </a:fld>
+            <a:endParaRPr lang="ko-KR" altLang="en-US" dirty="0"/>
+          </a:p>
+        </p:txBody>
+      </p:sp>
+      <p:sp>
+        <p:nvSpPr>
+          <p:cNvPr id="4" name="제목 3">
+            <a:extLst>
+              <a:ext uri="{FF2B5EF4-FFF2-40B4-BE49-F238E27FC236}">
+                <a16:creationId xmlns:a16="http://schemas.microsoft.com/office/drawing/2014/main" id="{C4FD4B29-7097-9353-DDE1-CBACAB06F4AC}"/>
+              </a:ext>
+            </a:extLst>
+          </p:cNvPr>
+          <p:cNvSpPr>
+            <a:spLocks noGrp="1"/>
+          </p:cNvSpPr>
+          <p:nvPr>
+            <p:ph type="title"/>
+          </p:nvPr>
+        </p:nvSpPr>
+        <p:spPr/>
+        <p:txBody>
+          <a:bodyPr/>
+          <a:lstStyle/>
+          <a:p>
+            <a:r>
+              <a:rPr lang="en-US"/>
+              <a:t>Simulation Result</a:t>
+            </a:r>
+          </a:p>
+        </p:txBody>
+      </p:sp>
+      <p:sp>
+        <p:nvSpPr>
+          <p:cNvPr id="7" name="내용 개체 틀 1">
+            <a:extLst>
+              <a:ext uri="{FF2B5EF4-FFF2-40B4-BE49-F238E27FC236}">
+                <a16:creationId xmlns:a16="http://schemas.microsoft.com/office/drawing/2014/main" id="{6D05F3C1-73A4-82B2-12BA-1058EB51636C}"/>
+              </a:ext>
+            </a:extLst>
+          </p:cNvPr>
+          <p:cNvSpPr>
+            <a:spLocks noGrp="1"/>
+          </p:cNvSpPr>
+          <p:nvPr>
+            <p:ph idx="1"/>
+          </p:nvPr>
+        </p:nvSpPr>
+        <p:spPr>
+          <a:xfrm>
+            <a:off x="234777" y="1062681"/>
+            <a:ext cx="11795297" cy="5114282"/>
+          </a:xfrm>
+        </p:spPr>
+        <p:txBody>
+          <a:bodyPr/>
+          <a:lstStyle/>
+          <a:p>
+            <a:r>
+              <a:rPr lang="en-US"/>
+              <a:t>1</a:t>
+            </a:r>
+            <a:r>
+              <a:rPr lang="ko-KR" altLang="en-US"/>
+              <a:t>번 </a:t>
+            </a:r>
+            <a:r>
+              <a:rPr lang="en-US" altLang="ko-KR"/>
+              <a:t>– </a:t>
+            </a:r>
+            <a:r>
+              <a:rPr lang="ko-KR" altLang="en-US"/>
+              <a:t>시뮬레이션 끝 부분</a:t>
+            </a:r>
+            <a:endParaRPr lang="en-US" altLang="ko-KR"/>
+          </a:p>
+          <a:p>
+            <a:endParaRPr lang="en-US" altLang="ko-KR"/>
+          </a:p>
+          <a:p>
+            <a:pPr marL="0" indent="0">
+              <a:buNone/>
+            </a:pPr>
+            <a:endParaRPr lang="en-US" altLang="ko-KR"/>
+          </a:p>
+          <a:p>
+            <a:pPr marL="0" indent="0">
+              <a:buNone/>
+            </a:pPr>
+            <a:endParaRPr lang="en-US" altLang="ko-KR"/>
+          </a:p>
+          <a:p>
+            <a:pPr lvl="1"/>
+            <a:r>
+              <a:rPr lang="en-US" altLang="ko-KR"/>
+              <a:t>c_Round </a:t>
+            </a:r>
+            <a:r>
+              <a:rPr lang="ko-KR" altLang="en-US"/>
+              <a:t>값이 </a:t>
+            </a:r>
+            <a:r>
+              <a:rPr lang="en-US" altLang="ko-KR"/>
+              <a:t>{11_1111} (0x3f)</a:t>
+            </a:r>
+            <a:r>
+              <a:rPr lang="ko-KR" altLang="en-US"/>
+              <a:t>이 된 이후 </a:t>
+            </a:r>
+            <a:r>
+              <a:rPr lang="en-US" altLang="ko-KR"/>
+              <a:t>c_State</a:t>
+            </a:r>
+            <a:r>
+              <a:rPr lang="ko-KR" altLang="en-US"/>
+              <a:t>가 </a:t>
+            </a:r>
+            <a:r>
+              <a:rPr lang="en-US" altLang="ko-KR"/>
+              <a:t>DONE(2) </a:t>
+            </a:r>
+            <a:r>
+              <a:rPr lang="ko-KR" altLang="en-US"/>
+              <a:t>로 전환</a:t>
+            </a:r>
+            <a:endParaRPr lang="en-US" altLang="ko-KR"/>
+          </a:p>
+          <a:p>
+            <a:pPr lvl="1"/>
+            <a:r>
+              <a:rPr lang="ko-KR" altLang="en-US"/>
+              <a:t>출력 값</a:t>
+            </a:r>
+            <a:endParaRPr lang="en-US" altLang="ko-KR"/>
+          </a:p>
+          <a:p>
+            <a:pPr lvl="2"/>
+            <a:r>
+              <a:rPr lang="en-US" altLang="ko-KR"/>
+              <a:t>ba7816bf_8f01cfea_414140de_5dae2223_b00361a3_96177a9c_b410ff61_f20015ad</a:t>
+            </a:r>
+          </a:p>
+          <a:p>
+            <a:pPr lvl="2"/>
+            <a:r>
+              <a:rPr lang="ko-KR" altLang="en-US"/>
+              <a:t>예상 출력 값과 동일하다</a:t>
+            </a:r>
+            <a:endParaRPr lang="en-US" altLang="ko-KR"/>
+          </a:p>
+          <a:p>
+            <a:pPr lvl="1"/>
+            <a:endParaRPr lang="en-US"/>
+          </a:p>
+          <a:p>
+            <a:pPr marL="864000" lvl="2" indent="0">
+              <a:buNone/>
+            </a:pPr>
+            <a:endParaRPr lang="en-US"/>
+          </a:p>
+        </p:txBody>
+      </p:sp>
+      <p:pic>
+        <p:nvPicPr>
+          <p:cNvPr id="5" name="그림 4">
+            <a:extLst>
+              <a:ext uri="{FF2B5EF4-FFF2-40B4-BE49-F238E27FC236}">
+                <a16:creationId xmlns:a16="http://schemas.microsoft.com/office/drawing/2014/main" id="{F19CE9E2-67A0-EACE-AB18-EE5D50FE0A11}"/>
+              </a:ext>
+            </a:extLst>
+          </p:cNvPr>
+          <p:cNvPicPr>
+            <a:picLocks noChangeAspect="1"/>
+          </p:cNvPicPr>
+          <p:nvPr/>
+        </p:nvPicPr>
+        <p:blipFill>
+          <a:blip r:embed="rId2"/>
+          <a:stretch>
+            <a:fillRect/>
+          </a:stretch>
+        </p:blipFill>
+        <p:spPr>
+          <a:xfrm>
+            <a:off x="709017" y="1933456"/>
+            <a:ext cx="8526065" cy="962159"/>
+          </a:xfrm>
+          <a:prstGeom prst="rect">
+            <a:avLst/>
+          </a:prstGeom>
+        </p:spPr>
+      </p:pic>
+    </p:spTree>
+    <p:extLst>
+      <p:ext uri="{BB962C8B-B14F-4D97-AF65-F5344CB8AC3E}">
+        <p14:creationId xmlns:p14="http://schemas.microsoft.com/office/powerpoint/2010/main" val="3305623350"/>
+      </p:ext>
+    </p:extLst>
+  </p:cSld>
+  <p:clrMapOvr>
+    <a:masterClrMapping/>
+  </p:clrMapOvr>
+</p:sld>
+</file>
+
+<file path=ppt/slides/slide14.xml><?xml version="1.0" encoding="utf-8"?>
+<p:sld xmlns:a="http://schemas.openxmlformats.org/drawingml/2006/main" xmlns:r="http://schemas.openxmlformats.org/officeDocument/2006/relationships" xmlns:p="http://schemas.openxmlformats.org/presentationml/2006/main">
+  <p:cSld>
+    <p:spTree>
+      <p:nvGrpSpPr>
+        <p:cNvPr id="1" name=""/>
+        <p:cNvGrpSpPr/>
+        <p:nvPr/>
+      </p:nvGrpSpPr>
+      <p:grpSpPr>
+        <a:xfrm>
+          <a:off x="0" y="0"/>
+          <a:ext cx="0" cy="0"/>
+          <a:chOff x="0" y="0"/>
+          <a:chExt cx="0" cy="0"/>
+        </a:xfrm>
+      </p:grpSpPr>
+      <p:sp>
+        <p:nvSpPr>
+          <p:cNvPr id="2" name="내용 개체 틀 1">
+            <a:extLst>
+              <a:ext uri="{FF2B5EF4-FFF2-40B4-BE49-F238E27FC236}">
+                <a16:creationId xmlns:a16="http://schemas.microsoft.com/office/drawing/2014/main" id="{F637E4FA-11CD-44E1-5FAB-4D6C996C6EEE}"/>
+              </a:ext>
+            </a:extLst>
+          </p:cNvPr>
+          <p:cNvSpPr>
+            <a:spLocks noGrp="1"/>
+          </p:cNvSpPr>
+          <p:nvPr>
+            <p:ph idx="1"/>
+          </p:nvPr>
+        </p:nvSpPr>
+        <p:spPr/>
+        <p:txBody>
+          <a:bodyPr/>
+          <a:lstStyle/>
+          <a:p>
+            <a:r>
+              <a:rPr lang="en-US"/>
+              <a:t>2</a:t>
+            </a:r>
+            <a:r>
+              <a:rPr lang="ko-KR" altLang="en-US"/>
+              <a:t>번</a:t>
+            </a:r>
+            <a:r>
+              <a:rPr lang="en-US" altLang="ko-KR"/>
+              <a:t> </a:t>
+            </a:r>
+          </a:p>
+          <a:p>
+            <a:pPr lvl="1"/>
+            <a:r>
+              <a:rPr lang="en-US" altLang="ko-KR"/>
+              <a:t>‘abcdbcdecdefdefgefghfghighijhijkijkljklmklmnlmnomnopnopq’</a:t>
+            </a:r>
+          </a:p>
+          <a:p>
+            <a:pPr lvl="2"/>
+            <a:r>
+              <a:rPr lang="ko-KR" altLang="en-US"/>
+              <a:t>텍스트 길이 </a:t>
+            </a:r>
+            <a:r>
+              <a:rPr lang="en-US" altLang="ko-KR"/>
+              <a:t>448 bit</a:t>
+            </a:r>
+            <a:r>
+              <a:rPr lang="ko-KR" altLang="en-US"/>
+              <a:t> </a:t>
+            </a:r>
+            <a:r>
+              <a:rPr lang="en-US" altLang="ko-KR"/>
+              <a:t>=</a:t>
+            </a:r>
+            <a:r>
+              <a:rPr lang="ko-KR" altLang="en-US"/>
+              <a:t> </a:t>
+            </a:r>
+            <a:r>
+              <a:rPr lang="en-US" altLang="ko-KR"/>
+              <a:t>0x1c0</a:t>
+            </a:r>
+            <a:r>
+              <a:rPr lang="ko-KR" altLang="en-US"/>
+              <a:t> </a:t>
+            </a:r>
+            <a:r>
+              <a:rPr lang="en-US" altLang="ko-KR"/>
+              <a:t>bit</a:t>
+            </a:r>
+          </a:p>
+          <a:p>
+            <a:pPr lvl="2"/>
+            <a:r>
+              <a:rPr lang="ko-KR" altLang="en-US"/>
+              <a:t>길이가 </a:t>
+            </a:r>
+            <a:r>
+              <a:rPr lang="en-US" altLang="ko-KR"/>
+              <a:t>448</a:t>
+            </a:r>
+            <a:r>
+              <a:rPr lang="ko-KR" altLang="en-US"/>
+              <a:t> </a:t>
+            </a:r>
+            <a:r>
+              <a:rPr lang="en-US" altLang="ko-KR"/>
+              <a:t>bit </a:t>
+            </a:r>
+            <a:r>
+              <a:rPr lang="ko-KR" altLang="en-US"/>
+              <a:t>이상이기 때문에 두 블록으로 나눠서 처리</a:t>
+            </a:r>
+            <a:endParaRPr lang="en-US" altLang="ko-KR"/>
+          </a:p>
+          <a:p>
+            <a:pPr lvl="2"/>
+            <a:r>
+              <a:rPr lang="ko-KR" altLang="en-US"/>
+              <a:t>첫 번째 블록</a:t>
+            </a:r>
+            <a:endParaRPr lang="en-US" altLang="ko-KR"/>
+          </a:p>
+          <a:p>
+            <a:pPr lvl="3"/>
+            <a:r>
+              <a:rPr lang="en-US"/>
+              <a:t>512’h61626364_62636465_63646566_64656667_65666768_66676869_6768696a_68696a6b_</a:t>
+            </a:r>
+            <a:br>
+              <a:rPr lang="en-US"/>
+            </a:br>
+            <a:r>
+              <a:rPr lang="en-US"/>
+              <a:t>         696a6b6c_6a6b6c6d_6b6c6d6e_6c6d6e6f_6d6e6f70_6d6e6f70_80000000_00000000</a:t>
+            </a:r>
+          </a:p>
+          <a:p>
+            <a:pPr lvl="2"/>
+            <a:r>
+              <a:rPr lang="ko-KR" altLang="en-US"/>
+              <a:t>두 번째 블록</a:t>
+            </a:r>
+            <a:endParaRPr lang="en-US"/>
+          </a:p>
+          <a:p>
+            <a:pPr lvl="3"/>
+            <a:r>
+              <a:rPr lang="en-US"/>
+              <a:t>512’h000000	00_00000000_00000000_00000000_00000000_00000000_00000000_00000000_</a:t>
+            </a:r>
+            <a:br>
+              <a:rPr lang="en-US"/>
+            </a:br>
+            <a:r>
+              <a:rPr lang="en-US"/>
+              <a:t>         00000000_00000000_00000000_00000000_00000000_00000000_00000000_000001c0</a:t>
+            </a:r>
+          </a:p>
+          <a:p>
+            <a:pPr lvl="2"/>
+            <a:endParaRPr lang="en-US"/>
+          </a:p>
+        </p:txBody>
+      </p:sp>
+      <p:sp>
+        <p:nvSpPr>
+          <p:cNvPr id="3" name="슬라이드 번호 개체 틀 2">
+            <a:extLst>
+              <a:ext uri="{FF2B5EF4-FFF2-40B4-BE49-F238E27FC236}">
+                <a16:creationId xmlns:a16="http://schemas.microsoft.com/office/drawing/2014/main" id="{718ECC8A-3C33-F64E-81FB-3F986751159B}"/>
+              </a:ext>
+            </a:extLst>
+          </p:cNvPr>
+          <p:cNvSpPr>
+            <a:spLocks noGrp="1"/>
+          </p:cNvSpPr>
+          <p:nvPr>
+            <p:ph type="sldNum" sz="quarter" idx="12"/>
+          </p:nvPr>
+        </p:nvSpPr>
+        <p:spPr/>
+        <p:txBody>
+          <a:bodyPr/>
+          <a:lstStyle/>
+          <a:p>
+            <a:fld id="{0D2C6ACC-C63B-484F-9F1A-C33FE2250CD5}" type="slidenum">
+              <a:rPr lang="ko-KR" altLang="en-US" smtClean="0"/>
+              <a:pPr/>
+              <a:t>14</a:t>
+            </a:fld>
+            <a:endParaRPr lang="ko-KR" altLang="en-US" dirty="0"/>
+          </a:p>
+        </p:txBody>
+      </p:sp>
+      <p:sp>
+        <p:nvSpPr>
+          <p:cNvPr id="4" name="제목 3">
+            <a:extLst>
+              <a:ext uri="{FF2B5EF4-FFF2-40B4-BE49-F238E27FC236}">
+                <a16:creationId xmlns:a16="http://schemas.microsoft.com/office/drawing/2014/main" id="{CC8C58D2-2044-02E2-0082-7D8A65C970D3}"/>
+              </a:ext>
+            </a:extLst>
+          </p:cNvPr>
+          <p:cNvSpPr>
+            <a:spLocks noGrp="1"/>
+          </p:cNvSpPr>
+          <p:nvPr>
+            <p:ph type="title"/>
+          </p:nvPr>
+        </p:nvSpPr>
+        <p:spPr/>
+        <p:txBody>
+          <a:bodyPr/>
+          <a:lstStyle/>
+          <a:p>
+            <a:r>
+              <a:rPr lang="en-US"/>
+              <a:t>Test Vector</a:t>
+            </a:r>
+          </a:p>
+        </p:txBody>
+      </p:sp>
+    </p:spTree>
+    <p:extLst>
+      <p:ext uri="{BB962C8B-B14F-4D97-AF65-F5344CB8AC3E}">
+        <p14:creationId xmlns:p14="http://schemas.microsoft.com/office/powerpoint/2010/main" val="3410665235"/>
+      </p:ext>
+    </p:extLst>
+  </p:cSld>
+  <p:clrMapOvr>
+    <a:masterClrMapping/>
+  </p:clrMapOvr>
+</p:sld>
+</file>
+
+<file path=ppt/slides/slide15.xml><?xml version="1.0" encoding="utf-8"?>
+<p:sld xmlns:a="http://schemas.openxmlformats.org/drawingml/2006/main" xmlns:r="http://schemas.openxmlformats.org/officeDocument/2006/relationships" xmlns:p="http://schemas.openxmlformats.org/presentationml/2006/main">
+  <p:cSld>
+    <p:spTree>
+      <p:nvGrpSpPr>
+        <p:cNvPr id="1" name=""/>
+        <p:cNvGrpSpPr/>
+        <p:nvPr/>
+      </p:nvGrpSpPr>
+      <p:grpSpPr>
+        <a:xfrm>
+          <a:off x="0" y="0"/>
+          <a:ext cx="0" cy="0"/>
+          <a:chOff x="0" y="0"/>
+          <a:chExt cx="0" cy="0"/>
+        </a:xfrm>
+      </p:grpSpPr>
+      <p:sp>
+        <p:nvSpPr>
+          <p:cNvPr id="2" name="내용 개체 틀 1">
+            <a:extLst>
+              <a:ext uri="{FF2B5EF4-FFF2-40B4-BE49-F238E27FC236}">
+                <a16:creationId xmlns:a16="http://schemas.microsoft.com/office/drawing/2014/main" id="{F637E4FA-11CD-44E1-5FAB-4D6C996C6EEE}"/>
+              </a:ext>
+            </a:extLst>
+          </p:cNvPr>
+          <p:cNvSpPr>
+            <a:spLocks noGrp="1"/>
+          </p:cNvSpPr>
+          <p:nvPr>
+            <p:ph idx="1"/>
+          </p:nvPr>
+        </p:nvSpPr>
+        <p:spPr/>
+        <p:txBody>
+          <a:bodyPr/>
+          <a:lstStyle/>
+          <a:p>
+            <a:r>
+              <a:rPr lang="en-US"/>
+              <a:t>2</a:t>
+            </a:r>
+            <a:r>
+              <a:rPr lang="ko-KR" altLang="en-US"/>
+              <a:t>번</a:t>
+            </a:r>
+            <a:r>
+              <a:rPr lang="en-US" altLang="ko-KR"/>
+              <a:t> </a:t>
+            </a:r>
+          </a:p>
+          <a:p>
+            <a:pPr lvl="1"/>
+            <a:r>
+              <a:rPr lang="ko-KR" altLang="en-US"/>
+              <a:t>예상 출력 값</a:t>
+            </a:r>
+            <a:endParaRPr lang="en-US" altLang="ko-KR"/>
+          </a:p>
+          <a:p>
+            <a:pPr lvl="2"/>
+            <a:r>
+              <a:rPr lang="ko-KR" altLang="en-US"/>
+              <a:t>첫 번째 블록</a:t>
+            </a:r>
+            <a:endParaRPr lang="en-US" altLang="ko-KR"/>
+          </a:p>
+          <a:p>
+            <a:pPr lvl="3"/>
+            <a:r>
+              <a:rPr lang="en-US"/>
+              <a:t>85e655d6_417a1795_3363376a_624cde5c_76e09589_cac5f811_cc4b32c1_f20e533a</a:t>
+            </a:r>
+          </a:p>
+          <a:p>
+            <a:pPr lvl="2"/>
+            <a:r>
+              <a:rPr lang="ko-KR" altLang="en-US"/>
+              <a:t>두 번째 블록</a:t>
+            </a:r>
+            <a:endParaRPr lang="en-US" altLang="ko-KR"/>
+          </a:p>
+          <a:p>
+            <a:pPr lvl="3"/>
+            <a:r>
+              <a:rPr lang="en-US"/>
+              <a:t>248d6a61_d20638b8_e5c02693_0c3e6039_a33ce459_64ff2167_f6ecedd4_19db06c1</a:t>
+            </a:r>
+          </a:p>
+          <a:p>
+            <a:pPr lvl="2"/>
+            <a:endParaRPr lang="en-US"/>
+          </a:p>
+        </p:txBody>
+      </p:sp>
+      <p:sp>
+        <p:nvSpPr>
+          <p:cNvPr id="3" name="슬라이드 번호 개체 틀 2">
+            <a:extLst>
+              <a:ext uri="{FF2B5EF4-FFF2-40B4-BE49-F238E27FC236}">
+                <a16:creationId xmlns:a16="http://schemas.microsoft.com/office/drawing/2014/main" id="{718ECC8A-3C33-F64E-81FB-3F986751159B}"/>
+              </a:ext>
+            </a:extLst>
+          </p:cNvPr>
+          <p:cNvSpPr>
+            <a:spLocks noGrp="1"/>
+          </p:cNvSpPr>
+          <p:nvPr>
+            <p:ph type="sldNum" sz="quarter" idx="12"/>
+          </p:nvPr>
+        </p:nvSpPr>
+        <p:spPr/>
+        <p:txBody>
+          <a:bodyPr/>
+          <a:lstStyle/>
+          <a:p>
+            <a:fld id="{0D2C6ACC-C63B-484F-9F1A-C33FE2250CD5}" type="slidenum">
+              <a:rPr lang="ko-KR" altLang="en-US" smtClean="0"/>
+              <a:pPr/>
+              <a:t>15</a:t>
+            </a:fld>
+            <a:endParaRPr lang="ko-KR" altLang="en-US" dirty="0"/>
+          </a:p>
+        </p:txBody>
+      </p:sp>
+      <p:sp>
+        <p:nvSpPr>
+          <p:cNvPr id="4" name="제목 3">
+            <a:extLst>
+              <a:ext uri="{FF2B5EF4-FFF2-40B4-BE49-F238E27FC236}">
+                <a16:creationId xmlns:a16="http://schemas.microsoft.com/office/drawing/2014/main" id="{CC8C58D2-2044-02E2-0082-7D8A65C970D3}"/>
+              </a:ext>
+            </a:extLst>
+          </p:cNvPr>
+          <p:cNvSpPr>
+            <a:spLocks noGrp="1"/>
+          </p:cNvSpPr>
+          <p:nvPr>
+            <p:ph type="title"/>
+          </p:nvPr>
+        </p:nvSpPr>
+        <p:spPr/>
+        <p:txBody>
+          <a:bodyPr/>
+          <a:lstStyle/>
+          <a:p>
+            <a:r>
+              <a:rPr lang="en-US"/>
+              <a:t>Test Vector</a:t>
+            </a:r>
+          </a:p>
+        </p:txBody>
+      </p:sp>
+    </p:spTree>
+    <p:extLst>
+      <p:ext uri="{BB962C8B-B14F-4D97-AF65-F5344CB8AC3E}">
+        <p14:creationId xmlns:p14="http://schemas.microsoft.com/office/powerpoint/2010/main" val="1343980413"/>
+      </p:ext>
+    </p:extLst>
+  </p:cSld>
+  <p:clrMapOvr>
+    <a:masterClrMapping/>
+  </p:clrMapOvr>
+</p:sld>
+</file>
+
+<file path=ppt/slides/slide16.xml><?xml version="1.0" encoding="utf-8"?>
+<p:sld xmlns:a="http://schemas.openxmlformats.org/drawingml/2006/main" xmlns:r="http://schemas.openxmlformats.org/officeDocument/2006/relationships" xmlns:p="http://schemas.openxmlformats.org/presentationml/2006/main">
+  <p:cSld>
+    <p:spTree>
+      <p:nvGrpSpPr>
+        <p:cNvPr id="1" name=""/>
+        <p:cNvGrpSpPr/>
+        <p:nvPr/>
+      </p:nvGrpSpPr>
+      <p:grpSpPr>
+        <a:xfrm>
+          <a:off x="0" y="0"/>
+          <a:ext cx="0" cy="0"/>
+          <a:chOff x="0" y="0"/>
+          <a:chExt cx="0" cy="0"/>
+        </a:xfrm>
+      </p:grpSpPr>
+      <p:sp>
+        <p:nvSpPr>
+          <p:cNvPr id="3" name="슬라이드 번호 개체 틀 2">
+            <a:extLst>
+              <a:ext uri="{FF2B5EF4-FFF2-40B4-BE49-F238E27FC236}">
+                <a16:creationId xmlns:a16="http://schemas.microsoft.com/office/drawing/2014/main" id="{F82A4B4B-8EFE-2DA7-C4DD-3D44001A588A}"/>
+              </a:ext>
+            </a:extLst>
+          </p:cNvPr>
+          <p:cNvSpPr>
+            <a:spLocks noGrp="1"/>
+          </p:cNvSpPr>
+          <p:nvPr>
+            <p:ph type="sldNum" sz="quarter" idx="12"/>
+          </p:nvPr>
+        </p:nvSpPr>
+        <p:spPr/>
+        <p:txBody>
+          <a:bodyPr/>
+          <a:lstStyle/>
+          <a:p>
+            <a:fld id="{0D2C6ACC-C63B-484F-9F1A-C33FE2250CD5}" type="slidenum">
+              <a:rPr lang="ko-KR" altLang="en-US" smtClean="0"/>
+              <a:pPr/>
+              <a:t>16</a:t>
+            </a:fld>
+            <a:endParaRPr lang="ko-KR" altLang="en-US" dirty="0"/>
+          </a:p>
+        </p:txBody>
+      </p:sp>
+      <p:sp>
+        <p:nvSpPr>
+          <p:cNvPr id="4" name="제목 3">
+            <a:extLst>
+              <a:ext uri="{FF2B5EF4-FFF2-40B4-BE49-F238E27FC236}">
+                <a16:creationId xmlns:a16="http://schemas.microsoft.com/office/drawing/2014/main" id="{C4FD4B29-7097-9353-DDE1-CBACAB06F4AC}"/>
+              </a:ext>
+            </a:extLst>
+          </p:cNvPr>
+          <p:cNvSpPr>
+            <a:spLocks noGrp="1"/>
+          </p:cNvSpPr>
+          <p:nvPr>
+            <p:ph type="title"/>
+          </p:nvPr>
+        </p:nvSpPr>
+        <p:spPr/>
+        <p:txBody>
+          <a:bodyPr/>
+          <a:lstStyle/>
+          <a:p>
+            <a:r>
+              <a:rPr lang="en-US"/>
+              <a:t>Simulation Result</a:t>
+            </a:r>
+          </a:p>
+        </p:txBody>
+      </p:sp>
+      <p:sp>
+        <p:nvSpPr>
+          <p:cNvPr id="7" name="내용 개체 틀 1">
+            <a:extLst>
+              <a:ext uri="{FF2B5EF4-FFF2-40B4-BE49-F238E27FC236}">
+                <a16:creationId xmlns:a16="http://schemas.microsoft.com/office/drawing/2014/main" id="{6D05F3C1-73A4-82B2-12BA-1058EB51636C}"/>
+              </a:ext>
+            </a:extLst>
+          </p:cNvPr>
+          <p:cNvSpPr>
+            <a:spLocks noGrp="1"/>
+          </p:cNvSpPr>
+          <p:nvPr>
+            <p:ph idx="1"/>
+          </p:nvPr>
+        </p:nvSpPr>
+        <p:spPr>
+          <a:xfrm>
+            <a:off x="234777" y="1062681"/>
+            <a:ext cx="11795297" cy="5114282"/>
+          </a:xfrm>
+        </p:spPr>
+        <p:txBody>
+          <a:bodyPr/>
+          <a:lstStyle/>
+          <a:p>
+            <a:r>
+              <a:rPr lang="en-US" altLang="ko-KR"/>
+              <a:t>2</a:t>
+            </a:r>
+            <a:r>
+              <a:rPr lang="ko-KR" altLang="en-US"/>
+              <a:t>번 </a:t>
+            </a:r>
+            <a:r>
+              <a:rPr lang="en-US" altLang="ko-KR"/>
+              <a:t>– </a:t>
+            </a:r>
+            <a:r>
+              <a:rPr lang="ko-KR" altLang="en-US"/>
+              <a:t>첫 번째 블록 처음</a:t>
+            </a:r>
+            <a:endParaRPr lang="en-US" altLang="ko-KR"/>
+          </a:p>
+          <a:p>
+            <a:endParaRPr lang="en-US" altLang="ko-KR"/>
+          </a:p>
+          <a:p>
+            <a:endParaRPr lang="en-US" altLang="ko-KR"/>
+          </a:p>
+          <a:p>
+            <a:pPr marL="0" indent="0">
+              <a:buNone/>
+            </a:pPr>
+            <a:endParaRPr lang="en-US" altLang="ko-KR"/>
+          </a:p>
+          <a:p>
+            <a:pPr lvl="1"/>
+            <a:endParaRPr lang="en-US" altLang="ko-KR"/>
+          </a:p>
+          <a:p>
+            <a:pPr lvl="1"/>
+            <a:endParaRPr lang="en-US" altLang="ko-KR"/>
+          </a:p>
+          <a:p>
+            <a:pPr lvl="1"/>
+            <a:r>
+              <a:rPr lang="en-US" altLang="ko-KR"/>
+              <a:t>i_fStart</a:t>
+            </a:r>
+            <a:r>
+              <a:rPr lang="ko-KR" altLang="en-US"/>
+              <a:t> </a:t>
+            </a:r>
+            <a:r>
+              <a:rPr lang="en-US" altLang="ko-KR"/>
+              <a:t>&amp; i_fFirst </a:t>
+            </a:r>
+            <a:r>
+              <a:rPr lang="ko-KR" altLang="en-US"/>
+              <a:t>인 경우 이전의 값과 상관 없이</a:t>
+            </a:r>
+            <a:r>
+              <a:rPr lang="en-US" altLang="ko-KR"/>
+              <a:t> c_a ~ c_h </a:t>
+            </a:r>
+            <a:r>
+              <a:rPr lang="ko-KR" altLang="en-US"/>
+              <a:t>까지 </a:t>
+            </a:r>
+            <a:br>
+              <a:rPr lang="en-US" altLang="ko-KR"/>
+            </a:br>
+            <a:r>
+              <a:rPr lang="en-US" altLang="ko-KR"/>
+              <a:t>Initial Vector </a:t>
+            </a:r>
+            <a:r>
+              <a:rPr lang="ko-KR" altLang="en-US"/>
+              <a:t>값이 들어간다</a:t>
+            </a:r>
+            <a:endParaRPr lang="en-US" altLang="ko-KR"/>
+          </a:p>
+          <a:p>
+            <a:pPr lvl="1"/>
+            <a:endParaRPr lang="en-US" altLang="ko-KR"/>
+          </a:p>
+          <a:p>
+            <a:pPr lvl="1"/>
+            <a:endParaRPr lang="en-US"/>
+          </a:p>
+          <a:p>
+            <a:pPr marL="864000" lvl="2" indent="0">
+              <a:buNone/>
+            </a:pPr>
+            <a:endParaRPr lang="en-US"/>
+          </a:p>
+        </p:txBody>
+      </p:sp>
+      <p:pic>
+        <p:nvPicPr>
+          <p:cNvPr id="5" name="그림 4">
+            <a:extLst>
+              <a:ext uri="{FF2B5EF4-FFF2-40B4-BE49-F238E27FC236}">
+                <a16:creationId xmlns:a16="http://schemas.microsoft.com/office/drawing/2014/main" id="{E9C8EDEA-1191-BECB-0950-FC20E5299F80}"/>
+              </a:ext>
+            </a:extLst>
+          </p:cNvPr>
+          <p:cNvPicPr>
+            <a:picLocks noChangeAspect="1"/>
+          </p:cNvPicPr>
+          <p:nvPr/>
+        </p:nvPicPr>
+        <p:blipFill>
+          <a:blip r:embed="rId2"/>
+          <a:stretch>
+            <a:fillRect/>
+          </a:stretch>
+        </p:blipFill>
+        <p:spPr>
+          <a:xfrm>
+            <a:off x="774176" y="1709985"/>
+            <a:ext cx="8345065" cy="2095792"/>
+          </a:xfrm>
+          <a:prstGeom prst="rect">
+            <a:avLst/>
+          </a:prstGeom>
+        </p:spPr>
+      </p:pic>
+    </p:spTree>
+    <p:extLst>
+      <p:ext uri="{BB962C8B-B14F-4D97-AF65-F5344CB8AC3E}">
+        <p14:creationId xmlns:p14="http://schemas.microsoft.com/office/powerpoint/2010/main" val="3543941259"/>
+      </p:ext>
+    </p:extLst>
+  </p:cSld>
+  <p:clrMapOvr>
+    <a:masterClrMapping/>
+  </p:clrMapOvr>
+</p:sld>
+</file>
+
+<file path=ppt/slides/slide17.xml><?xml version="1.0" encoding="utf-8"?>
+<p:sld xmlns:a="http://schemas.openxmlformats.org/drawingml/2006/main" xmlns:r="http://schemas.openxmlformats.org/officeDocument/2006/relationships" xmlns:p="http://schemas.openxmlformats.org/presentationml/2006/main">
+  <p:cSld>
+    <p:spTree>
+      <p:nvGrpSpPr>
+        <p:cNvPr id="1" name=""/>
+        <p:cNvGrpSpPr/>
+        <p:nvPr/>
+      </p:nvGrpSpPr>
+      <p:grpSpPr>
+        <a:xfrm>
+          <a:off x="0" y="0"/>
+          <a:ext cx="0" cy="0"/>
+          <a:chOff x="0" y="0"/>
+          <a:chExt cx="0" cy="0"/>
+        </a:xfrm>
+      </p:grpSpPr>
+      <p:sp>
+        <p:nvSpPr>
+          <p:cNvPr id="3" name="슬라이드 번호 개체 틀 2">
+            <a:extLst>
+              <a:ext uri="{FF2B5EF4-FFF2-40B4-BE49-F238E27FC236}">
+                <a16:creationId xmlns:a16="http://schemas.microsoft.com/office/drawing/2014/main" id="{F82A4B4B-8EFE-2DA7-C4DD-3D44001A588A}"/>
+              </a:ext>
+            </a:extLst>
+          </p:cNvPr>
+          <p:cNvSpPr>
+            <a:spLocks noGrp="1"/>
+          </p:cNvSpPr>
+          <p:nvPr>
+            <p:ph type="sldNum" sz="quarter" idx="12"/>
+          </p:nvPr>
+        </p:nvSpPr>
+        <p:spPr/>
+        <p:txBody>
+          <a:bodyPr/>
+          <a:lstStyle/>
+          <a:p>
+            <a:fld id="{0D2C6ACC-C63B-484F-9F1A-C33FE2250CD5}" type="slidenum">
+              <a:rPr lang="ko-KR" altLang="en-US" smtClean="0"/>
+              <a:pPr/>
+              <a:t>17</a:t>
+            </a:fld>
+            <a:endParaRPr lang="ko-KR" altLang="en-US" dirty="0"/>
+          </a:p>
+        </p:txBody>
+      </p:sp>
+      <p:sp>
+        <p:nvSpPr>
+          <p:cNvPr id="4" name="제목 3">
+            <a:extLst>
+              <a:ext uri="{FF2B5EF4-FFF2-40B4-BE49-F238E27FC236}">
+                <a16:creationId xmlns:a16="http://schemas.microsoft.com/office/drawing/2014/main" id="{C4FD4B29-7097-9353-DDE1-CBACAB06F4AC}"/>
+              </a:ext>
+            </a:extLst>
+          </p:cNvPr>
+          <p:cNvSpPr>
+            <a:spLocks noGrp="1"/>
+          </p:cNvSpPr>
+          <p:nvPr>
+            <p:ph type="title"/>
+          </p:nvPr>
+        </p:nvSpPr>
+        <p:spPr/>
+        <p:txBody>
+          <a:bodyPr/>
+          <a:lstStyle/>
+          <a:p>
+            <a:r>
+              <a:rPr lang="en-US"/>
+              <a:t>Simulation Result</a:t>
+            </a:r>
+          </a:p>
+        </p:txBody>
+      </p:sp>
+      <p:sp>
+        <p:nvSpPr>
+          <p:cNvPr id="7" name="내용 개체 틀 1">
+            <a:extLst>
+              <a:ext uri="{FF2B5EF4-FFF2-40B4-BE49-F238E27FC236}">
+                <a16:creationId xmlns:a16="http://schemas.microsoft.com/office/drawing/2014/main" id="{6D05F3C1-73A4-82B2-12BA-1058EB51636C}"/>
+              </a:ext>
+            </a:extLst>
+          </p:cNvPr>
+          <p:cNvSpPr>
+            <a:spLocks noGrp="1"/>
+          </p:cNvSpPr>
+          <p:nvPr>
+            <p:ph idx="1"/>
+          </p:nvPr>
+        </p:nvSpPr>
+        <p:spPr>
+          <a:xfrm>
+            <a:off x="234777" y="1062681"/>
+            <a:ext cx="11795297" cy="5114282"/>
+          </a:xfrm>
+        </p:spPr>
+        <p:txBody>
+          <a:bodyPr/>
+          <a:lstStyle/>
+          <a:p>
+            <a:r>
+              <a:rPr lang="en-US" altLang="ko-KR"/>
+              <a:t>2</a:t>
+            </a:r>
+            <a:r>
+              <a:rPr lang="ko-KR" altLang="en-US"/>
+              <a:t>번 </a:t>
+            </a:r>
+            <a:r>
+              <a:rPr lang="en-US" altLang="ko-KR"/>
+              <a:t>– </a:t>
+            </a:r>
+            <a:r>
+              <a:rPr lang="ko-KR" altLang="en-US"/>
+              <a:t>첫 번째 블록 끝</a:t>
+            </a:r>
+            <a:endParaRPr lang="en-US" altLang="ko-KR"/>
+          </a:p>
+          <a:p>
+            <a:pPr marL="0" indent="0">
+              <a:buNone/>
+            </a:pPr>
+            <a:endParaRPr lang="en-US" altLang="ko-KR"/>
+          </a:p>
+          <a:p>
+            <a:pPr marL="0" indent="0">
+              <a:buNone/>
+            </a:pPr>
+            <a:endParaRPr lang="en-US" altLang="ko-KR"/>
+          </a:p>
+          <a:p>
+            <a:pPr lvl="1"/>
+            <a:endParaRPr lang="en-US" altLang="ko-KR"/>
+          </a:p>
+          <a:p>
+            <a:pPr marL="504000" lvl="1" indent="0">
+              <a:buNone/>
+            </a:pPr>
+            <a:endParaRPr lang="en-US" altLang="ko-KR"/>
+          </a:p>
+          <a:p>
+            <a:pPr lvl="1"/>
+            <a:endParaRPr lang="en-US" altLang="ko-KR"/>
+          </a:p>
+          <a:p>
+            <a:pPr lvl="1"/>
+            <a:r>
+              <a:rPr lang="ko-KR" altLang="en-US"/>
+              <a:t>출력 값</a:t>
+            </a:r>
+            <a:endParaRPr lang="en-US" altLang="ko-KR"/>
+          </a:p>
+          <a:p>
+            <a:pPr lvl="2"/>
+            <a:r>
+              <a:rPr lang="en-US"/>
+              <a:t>85e655d6_417a1795_3363376a_624cde5c_76e09589_cac5f811_cc4b32c1_f20e533a</a:t>
+            </a:r>
+          </a:p>
+          <a:p>
+            <a:pPr lvl="2"/>
+            <a:r>
+              <a:rPr lang="ko-KR" altLang="en-US"/>
+              <a:t>예상 출력 값과 동일하다</a:t>
+            </a:r>
+            <a:endParaRPr lang="en-US" altLang="ko-KR"/>
+          </a:p>
+          <a:p>
+            <a:pPr lvl="1"/>
+            <a:r>
+              <a:rPr lang="en-US"/>
+              <a:t>o_fDone</a:t>
+            </a:r>
+            <a:r>
+              <a:rPr lang="ko-KR" altLang="en-US"/>
+              <a:t>가 </a:t>
+            </a:r>
+            <a:r>
+              <a:rPr lang="en-US" altLang="ko-KR"/>
+              <a:t>1</a:t>
+            </a:r>
+            <a:r>
+              <a:rPr lang="ko-KR" altLang="en-US"/>
+              <a:t>이 된 이후 </a:t>
+            </a:r>
+            <a:r>
+              <a:rPr lang="en-US"/>
+              <a:t>Digest </a:t>
+            </a:r>
+            <a:r>
+              <a:rPr lang="ko-KR" altLang="en-US"/>
+              <a:t>값을 저장한 뒤 유지</a:t>
+            </a:r>
+            <a:endParaRPr lang="en-US"/>
+          </a:p>
+          <a:p>
+            <a:pPr lvl="1"/>
+            <a:endParaRPr lang="en-US"/>
+          </a:p>
+          <a:p>
+            <a:pPr lvl="1"/>
+            <a:endParaRPr lang="en-US"/>
+          </a:p>
+          <a:p>
+            <a:pPr marL="864000" lvl="2" indent="0">
+              <a:buNone/>
+            </a:pPr>
+            <a:endParaRPr lang="en-US"/>
+          </a:p>
+        </p:txBody>
+      </p:sp>
+      <p:pic>
+        <p:nvPicPr>
+          <p:cNvPr id="9" name="그림 8">
+            <a:extLst>
+              <a:ext uri="{FF2B5EF4-FFF2-40B4-BE49-F238E27FC236}">
+                <a16:creationId xmlns:a16="http://schemas.microsoft.com/office/drawing/2014/main" id="{C2BB5632-08BC-70F5-BFB3-5524E032BCF4}"/>
+              </a:ext>
+            </a:extLst>
+          </p:cNvPr>
+          <p:cNvPicPr>
+            <a:picLocks noChangeAspect="1"/>
+          </p:cNvPicPr>
+          <p:nvPr/>
+        </p:nvPicPr>
+        <p:blipFill>
+          <a:blip r:embed="rId2"/>
+          <a:stretch>
+            <a:fillRect/>
+          </a:stretch>
+        </p:blipFill>
+        <p:spPr>
+          <a:xfrm>
+            <a:off x="723132" y="1789110"/>
+            <a:ext cx="8497486" cy="2105319"/>
+          </a:xfrm>
+          <a:prstGeom prst="rect">
+            <a:avLst/>
+          </a:prstGeom>
+        </p:spPr>
+      </p:pic>
+    </p:spTree>
+    <p:extLst>
+      <p:ext uri="{BB962C8B-B14F-4D97-AF65-F5344CB8AC3E}">
+        <p14:creationId xmlns:p14="http://schemas.microsoft.com/office/powerpoint/2010/main" val="4255969758"/>
+      </p:ext>
+    </p:extLst>
+  </p:cSld>
+  <p:clrMapOvr>
+    <a:masterClrMapping/>
+  </p:clrMapOvr>
+</p:sld>
+</file>
+
+<file path=ppt/slides/slide18.xml><?xml version="1.0" encoding="utf-8"?>
+<p:sld xmlns:a="http://schemas.openxmlformats.org/drawingml/2006/main" xmlns:r="http://schemas.openxmlformats.org/officeDocument/2006/relationships" xmlns:p="http://schemas.openxmlformats.org/presentationml/2006/main">
+  <p:cSld>
+    <p:spTree>
+      <p:nvGrpSpPr>
+        <p:cNvPr id="1" name=""/>
+        <p:cNvGrpSpPr/>
+        <p:nvPr/>
+      </p:nvGrpSpPr>
+      <p:grpSpPr>
+        <a:xfrm>
+          <a:off x="0" y="0"/>
+          <a:ext cx="0" cy="0"/>
+          <a:chOff x="0" y="0"/>
+          <a:chExt cx="0" cy="0"/>
+        </a:xfrm>
+      </p:grpSpPr>
+      <p:sp>
+        <p:nvSpPr>
+          <p:cNvPr id="3" name="슬라이드 번호 개체 틀 2">
+            <a:extLst>
+              <a:ext uri="{FF2B5EF4-FFF2-40B4-BE49-F238E27FC236}">
+                <a16:creationId xmlns:a16="http://schemas.microsoft.com/office/drawing/2014/main" id="{F82A4B4B-8EFE-2DA7-C4DD-3D44001A588A}"/>
+              </a:ext>
+            </a:extLst>
+          </p:cNvPr>
+          <p:cNvSpPr>
+            <a:spLocks noGrp="1"/>
+          </p:cNvSpPr>
+          <p:nvPr>
+            <p:ph type="sldNum" sz="quarter" idx="12"/>
+          </p:nvPr>
+        </p:nvSpPr>
+        <p:spPr/>
+        <p:txBody>
+          <a:bodyPr/>
+          <a:lstStyle/>
+          <a:p>
+            <a:fld id="{0D2C6ACC-C63B-484F-9F1A-C33FE2250CD5}" type="slidenum">
+              <a:rPr lang="ko-KR" altLang="en-US" smtClean="0"/>
+              <a:pPr/>
+              <a:t>18</a:t>
+            </a:fld>
+            <a:endParaRPr lang="ko-KR" altLang="en-US" dirty="0"/>
+          </a:p>
+        </p:txBody>
+      </p:sp>
+      <p:sp>
+        <p:nvSpPr>
+          <p:cNvPr id="4" name="제목 3">
+            <a:extLst>
+              <a:ext uri="{FF2B5EF4-FFF2-40B4-BE49-F238E27FC236}">
+                <a16:creationId xmlns:a16="http://schemas.microsoft.com/office/drawing/2014/main" id="{C4FD4B29-7097-9353-DDE1-CBACAB06F4AC}"/>
+              </a:ext>
+            </a:extLst>
+          </p:cNvPr>
+          <p:cNvSpPr>
+            <a:spLocks noGrp="1"/>
+          </p:cNvSpPr>
+          <p:nvPr>
+            <p:ph type="title"/>
+          </p:nvPr>
+        </p:nvSpPr>
+        <p:spPr/>
+        <p:txBody>
+          <a:bodyPr/>
+          <a:lstStyle/>
+          <a:p>
+            <a:r>
+              <a:rPr lang="en-US"/>
+              <a:t>Simulation Result</a:t>
+            </a:r>
+          </a:p>
+        </p:txBody>
+      </p:sp>
+      <p:sp>
+        <p:nvSpPr>
+          <p:cNvPr id="7" name="내용 개체 틀 1">
+            <a:extLst>
+              <a:ext uri="{FF2B5EF4-FFF2-40B4-BE49-F238E27FC236}">
+                <a16:creationId xmlns:a16="http://schemas.microsoft.com/office/drawing/2014/main" id="{6D05F3C1-73A4-82B2-12BA-1058EB51636C}"/>
+              </a:ext>
+            </a:extLst>
+          </p:cNvPr>
+          <p:cNvSpPr>
+            <a:spLocks noGrp="1"/>
+          </p:cNvSpPr>
+          <p:nvPr>
+            <p:ph idx="1"/>
+          </p:nvPr>
+        </p:nvSpPr>
+        <p:spPr>
+          <a:xfrm>
+            <a:off x="234777" y="1062681"/>
+            <a:ext cx="11795297" cy="5114282"/>
+          </a:xfrm>
+        </p:spPr>
+        <p:txBody>
+          <a:bodyPr/>
+          <a:lstStyle/>
+          <a:p>
+            <a:r>
+              <a:rPr lang="en-US" altLang="ko-KR"/>
+              <a:t>2</a:t>
+            </a:r>
+            <a:r>
+              <a:rPr lang="ko-KR" altLang="en-US"/>
+              <a:t>번 </a:t>
+            </a:r>
+            <a:r>
+              <a:rPr lang="en-US" altLang="ko-KR"/>
+              <a:t>– </a:t>
+            </a:r>
+            <a:r>
+              <a:rPr lang="ko-KR" altLang="en-US"/>
+              <a:t>두 번째 블록 처음</a:t>
+            </a:r>
+            <a:endParaRPr lang="en-US" altLang="ko-KR"/>
+          </a:p>
+          <a:p>
+            <a:pPr marL="0" indent="0">
+              <a:buNone/>
+            </a:pPr>
+            <a:endParaRPr lang="en-US" altLang="ko-KR"/>
+          </a:p>
+          <a:p>
+            <a:pPr marL="0" indent="0">
+              <a:buNone/>
+            </a:pPr>
+            <a:endParaRPr lang="en-US" altLang="ko-KR"/>
+          </a:p>
+          <a:p>
+            <a:pPr lvl="1"/>
+            <a:endParaRPr lang="en-US" altLang="ko-KR"/>
+          </a:p>
+          <a:p>
+            <a:pPr marL="504000" lvl="1" indent="0">
+              <a:buNone/>
+            </a:pPr>
+            <a:endParaRPr lang="en-US" altLang="ko-KR"/>
+          </a:p>
+          <a:p>
+            <a:pPr lvl="1"/>
+            <a:endParaRPr lang="en-US" altLang="ko-KR"/>
+          </a:p>
+          <a:p>
+            <a:pPr lvl="1"/>
+            <a:r>
+              <a:rPr lang="en-US"/>
+              <a:t>i_fStart</a:t>
+            </a:r>
+            <a:r>
+              <a:rPr lang="ko-KR" altLang="en-US"/>
+              <a:t>가 </a:t>
+            </a:r>
+            <a:r>
+              <a:rPr lang="en-US" altLang="ko-KR"/>
+              <a:t>1</a:t>
+            </a:r>
+            <a:r>
+              <a:rPr lang="ko-KR" altLang="en-US"/>
+              <a:t>이지만 </a:t>
+            </a:r>
+            <a:r>
+              <a:rPr lang="en-US" altLang="ko-KR"/>
+              <a:t>i_fFirst</a:t>
+            </a:r>
+            <a:r>
+              <a:rPr lang="ko-KR" altLang="en-US"/>
+              <a:t>는 </a:t>
+            </a:r>
+            <a:r>
+              <a:rPr lang="en-US" altLang="ko-KR"/>
+              <a:t>0</a:t>
+            </a:r>
+            <a:r>
+              <a:rPr lang="ko-KR" altLang="en-US"/>
+              <a:t>이라서 </a:t>
+            </a:r>
+            <a:r>
+              <a:rPr lang="en-US" altLang="ko-KR"/>
+              <a:t>Initial Vector</a:t>
+            </a:r>
+            <a:r>
+              <a:rPr lang="ko-KR" altLang="en-US"/>
+              <a:t>가 아닌 </a:t>
+            </a:r>
+            <a:r>
+              <a:rPr lang="en-US" altLang="ko-KR"/>
+              <a:t>c_Digest </a:t>
+            </a:r>
+            <a:br>
+              <a:rPr lang="en-US" altLang="ko-KR"/>
+            </a:br>
+            <a:r>
+              <a:rPr lang="ko-KR" altLang="en-US"/>
+              <a:t>값을 사용한다</a:t>
+            </a:r>
+            <a:r>
+              <a:rPr lang="en-US" altLang="ko-KR"/>
+              <a:t>.</a:t>
+            </a:r>
+            <a:endParaRPr lang="en-US"/>
+          </a:p>
+          <a:p>
+            <a:pPr lvl="1"/>
+            <a:endParaRPr lang="en-US"/>
+          </a:p>
+          <a:p>
+            <a:pPr marL="864000" lvl="2" indent="0">
+              <a:buNone/>
+            </a:pPr>
+            <a:endParaRPr lang="en-US"/>
+          </a:p>
+        </p:txBody>
+      </p:sp>
+      <p:pic>
+        <p:nvPicPr>
+          <p:cNvPr id="8" name="그림 7">
+            <a:extLst>
+              <a:ext uri="{FF2B5EF4-FFF2-40B4-BE49-F238E27FC236}">
+                <a16:creationId xmlns:a16="http://schemas.microsoft.com/office/drawing/2014/main" id="{4A4BEADA-2E6F-68A0-6BB2-564AFCAAFFA4}"/>
+              </a:ext>
+            </a:extLst>
+          </p:cNvPr>
+          <p:cNvPicPr>
+            <a:picLocks noChangeAspect="1"/>
+          </p:cNvPicPr>
+          <p:nvPr/>
+        </p:nvPicPr>
+        <p:blipFill>
+          <a:blip r:embed="rId2"/>
+          <a:stretch>
+            <a:fillRect/>
+          </a:stretch>
+        </p:blipFill>
+        <p:spPr>
+          <a:xfrm>
+            <a:off x="641995" y="1630361"/>
+            <a:ext cx="5992061" cy="2305372"/>
+          </a:xfrm>
+          <a:prstGeom prst="rect">
+            <a:avLst/>
+          </a:prstGeom>
+        </p:spPr>
+      </p:pic>
+    </p:spTree>
+    <p:extLst>
+      <p:ext uri="{BB962C8B-B14F-4D97-AF65-F5344CB8AC3E}">
+        <p14:creationId xmlns:p14="http://schemas.microsoft.com/office/powerpoint/2010/main" val="1125730116"/>
+      </p:ext>
+    </p:extLst>
+  </p:cSld>
+  <p:clrMapOvr>
+    <a:masterClrMapping/>
+  </p:clrMapOvr>
+</p:sld>
+</file>
+
+<file path=ppt/slides/slide19.xml><?xml version="1.0" encoding="utf-8"?>
+<p:sld xmlns:a="http://schemas.openxmlformats.org/drawingml/2006/main" xmlns:r="http://schemas.openxmlformats.org/officeDocument/2006/relationships" xmlns:p="http://schemas.openxmlformats.org/presentationml/2006/main">
+  <p:cSld>
+    <p:spTree>
+      <p:nvGrpSpPr>
+        <p:cNvPr id="1" name=""/>
+        <p:cNvGrpSpPr/>
+        <p:nvPr/>
+      </p:nvGrpSpPr>
+      <p:grpSpPr>
+        <a:xfrm>
+          <a:off x="0" y="0"/>
+          <a:ext cx="0" cy="0"/>
+          <a:chOff x="0" y="0"/>
+          <a:chExt cx="0" cy="0"/>
+        </a:xfrm>
+      </p:grpSpPr>
+      <p:sp>
+        <p:nvSpPr>
+          <p:cNvPr id="3" name="슬라이드 번호 개체 틀 2">
+            <a:extLst>
+              <a:ext uri="{FF2B5EF4-FFF2-40B4-BE49-F238E27FC236}">
+                <a16:creationId xmlns:a16="http://schemas.microsoft.com/office/drawing/2014/main" id="{F82A4B4B-8EFE-2DA7-C4DD-3D44001A588A}"/>
+              </a:ext>
+            </a:extLst>
+          </p:cNvPr>
+          <p:cNvSpPr>
+            <a:spLocks noGrp="1"/>
+          </p:cNvSpPr>
+          <p:nvPr>
+            <p:ph type="sldNum" sz="quarter" idx="12"/>
+          </p:nvPr>
+        </p:nvSpPr>
+        <p:spPr/>
+        <p:txBody>
+          <a:bodyPr/>
+          <a:lstStyle/>
+          <a:p>
+            <a:fld id="{0D2C6ACC-C63B-484F-9F1A-C33FE2250CD5}" type="slidenum">
+              <a:rPr lang="ko-KR" altLang="en-US" smtClean="0"/>
+              <a:pPr/>
+              <a:t>19</a:t>
+            </a:fld>
+            <a:endParaRPr lang="ko-KR" altLang="en-US" dirty="0"/>
+          </a:p>
+        </p:txBody>
+      </p:sp>
+      <p:sp>
+        <p:nvSpPr>
+          <p:cNvPr id="4" name="제목 3">
+            <a:extLst>
+              <a:ext uri="{FF2B5EF4-FFF2-40B4-BE49-F238E27FC236}">
+                <a16:creationId xmlns:a16="http://schemas.microsoft.com/office/drawing/2014/main" id="{C4FD4B29-7097-9353-DDE1-CBACAB06F4AC}"/>
+              </a:ext>
+            </a:extLst>
+          </p:cNvPr>
+          <p:cNvSpPr>
+            <a:spLocks noGrp="1"/>
+          </p:cNvSpPr>
+          <p:nvPr>
+            <p:ph type="title"/>
+          </p:nvPr>
+        </p:nvSpPr>
+        <p:spPr/>
+        <p:txBody>
+          <a:bodyPr/>
+          <a:lstStyle/>
+          <a:p>
+            <a:r>
+              <a:rPr lang="en-US"/>
+              <a:t>Simulation Result</a:t>
+            </a:r>
+          </a:p>
+        </p:txBody>
+      </p:sp>
+      <p:sp>
+        <p:nvSpPr>
+          <p:cNvPr id="7" name="내용 개체 틀 1">
+            <a:extLst>
+              <a:ext uri="{FF2B5EF4-FFF2-40B4-BE49-F238E27FC236}">
+                <a16:creationId xmlns:a16="http://schemas.microsoft.com/office/drawing/2014/main" id="{6D05F3C1-73A4-82B2-12BA-1058EB51636C}"/>
+              </a:ext>
+            </a:extLst>
+          </p:cNvPr>
+          <p:cNvSpPr>
+            <a:spLocks noGrp="1"/>
+          </p:cNvSpPr>
+          <p:nvPr>
+            <p:ph idx="1"/>
+          </p:nvPr>
+        </p:nvSpPr>
+        <p:spPr>
+          <a:xfrm>
+            <a:off x="234777" y="1062681"/>
+            <a:ext cx="11795297" cy="5114282"/>
+          </a:xfrm>
+        </p:spPr>
+        <p:txBody>
+          <a:bodyPr/>
+          <a:lstStyle/>
+          <a:p>
+            <a:r>
+              <a:rPr lang="en-US" altLang="ko-KR"/>
+              <a:t>2</a:t>
+            </a:r>
+            <a:r>
+              <a:rPr lang="ko-KR" altLang="en-US"/>
+              <a:t>번 </a:t>
+            </a:r>
+            <a:r>
+              <a:rPr lang="en-US" altLang="ko-KR"/>
+              <a:t>– </a:t>
+            </a:r>
+            <a:r>
+              <a:rPr lang="ko-KR" altLang="en-US"/>
+              <a:t>두 번째 블록 끝</a:t>
+            </a:r>
+            <a:endParaRPr lang="en-US" altLang="ko-KR"/>
+          </a:p>
+          <a:p>
+            <a:pPr marL="0" indent="0">
+              <a:buNone/>
+            </a:pPr>
+            <a:endParaRPr lang="en-US" altLang="ko-KR"/>
+          </a:p>
+          <a:p>
+            <a:pPr marL="0" indent="0">
+              <a:buNone/>
+            </a:pPr>
+            <a:endParaRPr lang="en-US" altLang="ko-KR"/>
+          </a:p>
+          <a:p>
+            <a:pPr lvl="1"/>
+            <a:endParaRPr lang="en-US" altLang="ko-KR"/>
+          </a:p>
+          <a:p>
+            <a:pPr marL="504000" lvl="1" indent="0">
+              <a:buNone/>
+            </a:pPr>
+            <a:endParaRPr lang="en-US" altLang="ko-KR"/>
+          </a:p>
+          <a:p>
+            <a:pPr lvl="1"/>
+            <a:endParaRPr lang="en-US" altLang="ko-KR"/>
+          </a:p>
+          <a:p>
+            <a:pPr lvl="1"/>
+            <a:r>
+              <a:rPr lang="ko-KR" altLang="en-US"/>
+              <a:t>출력 값</a:t>
+            </a:r>
+            <a:endParaRPr lang="en-US" altLang="ko-KR"/>
+          </a:p>
+          <a:p>
+            <a:pPr lvl="2"/>
+            <a:r>
+              <a:rPr lang="en-US"/>
+              <a:t>248d6a61_d20638b8_e5c02693_0c3e6039_a33ce459_64ff2167_f6ecedd4_19db06c1</a:t>
+            </a:r>
+          </a:p>
+          <a:p>
+            <a:pPr lvl="2"/>
+            <a:r>
+              <a:rPr lang="ko-KR" altLang="en-US"/>
+              <a:t>예상 출력 값과 동일하다</a:t>
+            </a:r>
+            <a:endParaRPr lang="en-US"/>
+          </a:p>
+          <a:p>
+            <a:pPr lvl="1"/>
+            <a:endParaRPr lang="en-US"/>
+          </a:p>
+          <a:p>
+            <a:pPr marL="864000" lvl="2" indent="0">
+              <a:buNone/>
+            </a:pPr>
+            <a:endParaRPr lang="en-US"/>
+          </a:p>
+        </p:txBody>
+      </p:sp>
+      <p:pic>
+        <p:nvPicPr>
+          <p:cNvPr id="5" name="그림 4">
+            <a:extLst>
+              <a:ext uri="{FF2B5EF4-FFF2-40B4-BE49-F238E27FC236}">
+                <a16:creationId xmlns:a16="http://schemas.microsoft.com/office/drawing/2014/main" id="{08645C6D-88C9-30A4-ED5B-DF19141E313A}"/>
+              </a:ext>
+            </a:extLst>
+          </p:cNvPr>
+          <p:cNvPicPr>
+            <a:picLocks noChangeAspect="1"/>
+          </p:cNvPicPr>
+          <p:nvPr/>
+        </p:nvPicPr>
+        <p:blipFill>
+          <a:blip r:embed="rId2"/>
+          <a:stretch>
+            <a:fillRect/>
+          </a:stretch>
+        </p:blipFill>
+        <p:spPr>
+          <a:xfrm>
+            <a:off x="663076" y="1681405"/>
+            <a:ext cx="10698068" cy="2152950"/>
+          </a:xfrm>
+          <a:prstGeom prst="rect">
+            <a:avLst/>
+          </a:prstGeom>
+        </p:spPr>
+      </p:pic>
+    </p:spTree>
+    <p:extLst>
+      <p:ext uri="{BB962C8B-B14F-4D97-AF65-F5344CB8AC3E}">
+        <p14:creationId xmlns:p14="http://schemas.microsoft.com/office/powerpoint/2010/main" val="3839223305"/>
+      </p:ext>
+    </p:extLst>
+  </p:cSld>
+  <p:clrMapOvr>
+    <a:masterClrMapping/>
+  </p:clrMapOvr>
+</p:sld>
+</file>
+
+<file path=ppt/slides/slide2.xml><?xml version="1.0" encoding="utf-8"?>
+<p:sld xmlns:a="http://schemas.openxmlformats.org/drawingml/2006/main" xmlns:r="http://schemas.openxmlformats.org/officeDocument/2006/relationships" xmlns:p="http://schemas.openxmlformats.org/presentationml/2006/main">
+  <p:cSld>
+    <p:spTree>
+      <p:nvGrpSpPr>
+        <p:cNvPr id="1" name=""/>
+        <p:cNvGrpSpPr/>
+        <p:nvPr/>
+      </p:nvGrpSpPr>
+      <p:grpSpPr>
+        <a:xfrm>
+          <a:off x="0" y="0"/>
+          <a:ext cx="0" cy="0"/>
+          <a:chOff x="0" y="0"/>
+          <a:chExt cx="0" cy="0"/>
+        </a:xfrm>
+      </p:grpSpPr>
+      <p:sp>
+        <p:nvSpPr>
+          <p:cNvPr id="2" name="내용 개체 틀 1">
+            <a:extLst>
+              <a:ext uri="{FF2B5EF4-FFF2-40B4-BE49-F238E27FC236}">
+                <a16:creationId xmlns:a16="http://schemas.microsoft.com/office/drawing/2014/main" id="{0502E39F-4D82-353E-BB44-C2B5DC404566}"/>
+              </a:ext>
+            </a:extLst>
+          </p:cNvPr>
+          <p:cNvSpPr>
+            <a:spLocks noGrp="1"/>
+          </p:cNvSpPr>
+          <p:nvPr>
+            <p:ph idx="1"/>
+          </p:nvPr>
+        </p:nvSpPr>
+        <p:spPr/>
+        <p:txBody>
+          <a:bodyPr/>
+          <a:lstStyle/>
+          <a:p>
+            <a:r>
+              <a:rPr lang="ko-KR" altLang="en-US" dirty="0"/>
+              <a:t>입출력</a:t>
+            </a:r>
+            <a:endParaRPr lang="en-US" altLang="ko-KR" dirty="0"/>
+          </a:p>
+          <a:p>
+            <a:endParaRPr lang="en-US" altLang="ko-KR" dirty="0"/>
+          </a:p>
+          <a:p>
+            <a:r>
+              <a:rPr lang="ko-KR" altLang="en-US" dirty="0"/>
+              <a:t>구조 설계</a:t>
+            </a:r>
+            <a:endParaRPr lang="en-US" altLang="ko-KR" dirty="0"/>
+          </a:p>
+          <a:p>
+            <a:endParaRPr lang="en-US" altLang="ko-KR" dirty="0"/>
+          </a:p>
+          <a:p>
+            <a:r>
+              <a:rPr lang="en-US" altLang="ko-KR" dirty="0"/>
+              <a:t>FSM</a:t>
+            </a:r>
+          </a:p>
+          <a:p>
+            <a:pPr marL="0" indent="0">
+              <a:buNone/>
+            </a:pPr>
+            <a:endParaRPr lang="en-US" altLang="ko-KR" dirty="0"/>
+          </a:p>
+          <a:p>
+            <a:r>
+              <a:rPr lang="ko-KR" altLang="en-US" dirty="0"/>
+              <a:t>레지스터</a:t>
+            </a:r>
+            <a:endParaRPr lang="en-US" altLang="ko-KR" dirty="0"/>
+          </a:p>
+          <a:p>
+            <a:endParaRPr lang="en-US" altLang="ko-KR" dirty="0"/>
+          </a:p>
+          <a:p>
+            <a:r>
+              <a:rPr lang="ko-KR" altLang="en-US" dirty="0"/>
+              <a:t>함수</a:t>
+            </a:r>
+          </a:p>
+        </p:txBody>
+      </p:sp>
+      <p:sp>
+        <p:nvSpPr>
+          <p:cNvPr id="3" name="슬라이드 번호 개체 틀 2">
+            <a:extLst>
+              <a:ext uri="{FF2B5EF4-FFF2-40B4-BE49-F238E27FC236}">
+                <a16:creationId xmlns:a16="http://schemas.microsoft.com/office/drawing/2014/main" id="{C84BB556-554C-9901-3F3E-31900B619069}"/>
+              </a:ext>
+            </a:extLst>
+          </p:cNvPr>
+          <p:cNvSpPr>
+            <a:spLocks noGrp="1"/>
+          </p:cNvSpPr>
+          <p:nvPr>
+            <p:ph type="sldNum" sz="quarter" idx="12"/>
+          </p:nvPr>
+        </p:nvSpPr>
+        <p:spPr/>
+        <p:txBody>
+          <a:bodyPr/>
+          <a:lstStyle/>
+          <a:p>
+            <a:fld id="{0D2C6ACC-C63B-484F-9F1A-C33FE2250CD5}" type="slidenum">
+              <a:rPr lang="ko-KR" altLang="en-US" smtClean="0"/>
+              <a:pPr/>
+              <a:t>2</a:t>
+            </a:fld>
+            <a:endParaRPr lang="ko-KR" altLang="en-US" dirty="0"/>
+          </a:p>
+        </p:txBody>
+      </p:sp>
+      <p:sp>
+        <p:nvSpPr>
+          <p:cNvPr id="4" name="제목 3">
+            <a:extLst>
+              <a:ext uri="{FF2B5EF4-FFF2-40B4-BE49-F238E27FC236}">
+                <a16:creationId xmlns:a16="http://schemas.microsoft.com/office/drawing/2014/main" id="{8E851A70-3644-DB83-AB01-18C18BA6B1DD}"/>
+              </a:ext>
+            </a:extLst>
+          </p:cNvPr>
+          <p:cNvSpPr>
+            <a:spLocks noGrp="1"/>
+          </p:cNvSpPr>
+          <p:nvPr>
+            <p:ph type="title"/>
+          </p:nvPr>
+        </p:nvSpPr>
+        <p:spPr/>
+        <p:txBody>
+          <a:bodyPr/>
+          <a:lstStyle/>
+          <a:p>
+            <a:r>
+              <a:rPr lang="ko-KR" altLang="en-US" dirty="0"/>
+              <a:t>목차</a:t>
+            </a:r>
+          </a:p>
+        </p:txBody>
+      </p:sp>
+    </p:spTree>
+    <p:extLst>
+      <p:ext uri="{BB962C8B-B14F-4D97-AF65-F5344CB8AC3E}">
+        <p14:creationId xmlns:p14="http://schemas.microsoft.com/office/powerpoint/2010/main" val="379727475"/>
+      </p:ext>
+    </p:extLst>
+  </p:cSld>
+  <p:clrMapOvr>
+    <a:masterClrMapping/>
+  </p:clrMapOvr>
+</p:sld>
+</file>
+
+<file path=ppt/slides/slide20.xml><?xml version="1.0" encoding="utf-8"?>
 <p:sld xmlns:a="http://schemas.openxmlformats.org/drawingml/2006/main" xmlns:r="http://schemas.openxmlformats.org/officeDocument/2006/relationships" xmlns:p="http://schemas.openxmlformats.org/presentationml/2006/main">
   <p:cSld>
     <p:spTree>
@@ -4000,164 +6390,6 @@
 </p:sld>
 </file>
 
-<file path=ppt/slides/slide2.xml><?xml version="1.0" encoding="utf-8"?>
-<p:sld xmlns:a="http://schemas.openxmlformats.org/drawingml/2006/main" xmlns:r="http://schemas.openxmlformats.org/officeDocument/2006/relationships" xmlns:p="http://schemas.openxmlformats.org/presentationml/2006/main">
-  <p:cSld>
-    <p:spTree>
-      <p:nvGrpSpPr>
-        <p:cNvPr id="1" name=""/>
-        <p:cNvGrpSpPr/>
-        <p:nvPr/>
-      </p:nvGrpSpPr>
-      <p:grpSpPr>
-        <a:xfrm>
-          <a:off x="0" y="0"/>
-          <a:ext cx="0" cy="0"/>
-          <a:chOff x="0" y="0"/>
-          <a:chExt cx="0" cy="0"/>
-        </a:xfrm>
-      </p:grpSpPr>
-      <p:sp>
-        <p:nvSpPr>
-          <p:cNvPr id="2" name="내용 개체 틀 1">
-            <a:extLst>
-              <a:ext uri="{FF2B5EF4-FFF2-40B4-BE49-F238E27FC236}">
-                <a16:creationId xmlns:a16="http://schemas.microsoft.com/office/drawing/2014/main" id="{0502E39F-4D82-353E-BB44-C2B5DC404566}"/>
-              </a:ext>
-            </a:extLst>
-          </p:cNvPr>
-          <p:cNvSpPr>
-            <a:spLocks noGrp="1"/>
-          </p:cNvSpPr>
-          <p:nvPr>
-            <p:ph idx="1"/>
-          </p:nvPr>
-        </p:nvSpPr>
-        <p:spPr/>
-        <p:txBody>
-          <a:bodyPr/>
-          <a:lstStyle/>
-          <a:p>
-            <a:r>
-              <a:rPr lang="ko-KR" altLang="en-US" dirty="0"/>
-              <a:t>입출력</a:t>
-            </a:r>
-            <a:endParaRPr lang="en-US" altLang="ko-KR" dirty="0"/>
-          </a:p>
-          <a:p>
-            <a:endParaRPr lang="en-US" altLang="ko-KR" dirty="0"/>
-          </a:p>
-          <a:p>
-            <a:r>
-              <a:rPr lang="ko-KR" altLang="en-US" dirty="0"/>
-              <a:t>구조 설계</a:t>
-            </a:r>
-            <a:endParaRPr lang="en-US" altLang="ko-KR" dirty="0"/>
-          </a:p>
-          <a:p>
-            <a:endParaRPr lang="en-US" altLang="ko-KR" dirty="0"/>
-          </a:p>
-          <a:p>
-            <a:r>
-              <a:rPr lang="en-US" altLang="ko-KR" dirty="0"/>
-              <a:t>FSM</a:t>
-            </a:r>
-          </a:p>
-          <a:p>
-            <a:pPr marL="0" indent="0">
-              <a:buNone/>
-            </a:pPr>
-            <a:endParaRPr lang="en-US" altLang="ko-KR" dirty="0"/>
-          </a:p>
-          <a:p>
-            <a:r>
-              <a:rPr lang="ko-KR" altLang="en-US" dirty="0"/>
-              <a:t>레지스터</a:t>
-            </a:r>
-            <a:endParaRPr lang="en-US" altLang="ko-KR" dirty="0"/>
-          </a:p>
-          <a:p>
-            <a:endParaRPr lang="en-US" altLang="ko-KR" dirty="0"/>
-          </a:p>
-          <a:p>
-            <a:r>
-              <a:rPr lang="ko-KR" altLang="en-US" dirty="0"/>
-              <a:t>함수</a:t>
-            </a:r>
-          </a:p>
-        </p:txBody>
-      </p:sp>
-      <p:sp>
-        <p:nvSpPr>
-          <p:cNvPr id="3" name="슬라이드 번호 개체 틀 2">
-            <a:extLst>
-              <a:ext uri="{FF2B5EF4-FFF2-40B4-BE49-F238E27FC236}">
-                <a16:creationId xmlns:a16="http://schemas.microsoft.com/office/drawing/2014/main" id="{C84BB556-554C-9901-3F3E-31900B619069}"/>
-              </a:ext>
-            </a:extLst>
-          </p:cNvPr>
-          <p:cNvSpPr>
-            <a:spLocks noGrp="1"/>
-          </p:cNvSpPr>
-          <p:nvPr>
-            <p:ph type="sldNum" sz="quarter" idx="12"/>
-          </p:nvPr>
-        </p:nvSpPr>
-        <p:spPr/>
-        <p:txBody>
-          <a:bodyPr/>
-          <a:lstStyle/>
-          <a:p>
-            <a:fld id="{0D2C6ACC-C63B-484F-9F1A-C33FE2250CD5}" type="slidenum">
-              <a:rPr lang="ko-KR" altLang="en-US" smtClean="0"/>
-              <a:pPr/>
-              <a:t>2</a:t>
-            </a:fld>
-            <a:endParaRPr lang="ko-KR" altLang="en-US" dirty="0"/>
-          </a:p>
-        </p:txBody>
-      </p:sp>
-      <p:sp>
-        <p:nvSpPr>
-          <p:cNvPr id="4" name="제목 3">
-            <a:extLst>
-              <a:ext uri="{FF2B5EF4-FFF2-40B4-BE49-F238E27FC236}">
-                <a16:creationId xmlns:a16="http://schemas.microsoft.com/office/drawing/2014/main" id="{8E851A70-3644-DB83-AB01-18C18BA6B1DD}"/>
-              </a:ext>
-            </a:extLst>
-          </p:cNvPr>
-          <p:cNvSpPr>
-            <a:spLocks noGrp="1"/>
-          </p:cNvSpPr>
-          <p:nvPr>
-            <p:ph type="title"/>
-          </p:nvPr>
-        </p:nvSpPr>
-        <p:spPr/>
-        <p:txBody>
-          <a:bodyPr/>
-          <a:lstStyle/>
-          <a:p>
-            <a:r>
-              <a:rPr lang="ko-KR" altLang="en-US" dirty="0"/>
-              <a:t>목차</a:t>
-            </a:r>
-          </a:p>
-        </p:txBody>
-      </p:sp>
-    </p:spTree>
-    <p:extLst>
-      <p:ext uri="{BB962C8B-B14F-4D97-AF65-F5344CB8AC3E}">
-        <p14:creationId xmlns:p14="http://schemas.microsoft.com/office/powerpoint/2010/main" val="379727475"/>
-      </p:ext>
-    </p:extLst>
-  </p:cSld>
-  <p:clrMapOvr>
-    <a:masterClrMapping/>
-  </p:clrMapOvr>
-</p:sld>
-</file>
-
 <file path=ppt/slides/slide3.xml><?xml version="1.0" encoding="utf-8"?>
 <p:sld xmlns:a="http://schemas.openxmlformats.org/drawingml/2006/main" xmlns:r="http://schemas.openxmlformats.org/officeDocument/2006/relationships" xmlns:p="http://schemas.openxmlformats.org/presentationml/2006/main">
   <p:cSld>
@@ -4301,48 +6533,6 @@
               </a:solidFill>
               <a:latin typeface="Times New Roman" panose="02020603050405020304" pitchFamily="18" charset="0"/>
               <a:cs typeface="Times New Roman" panose="02020603050405020304" pitchFamily="18" charset="0"/>
-            </a:endParaRPr>
-          </a:p>
-        </p:txBody>
-      </p:sp>
-      <p:sp>
-        <p:nvSpPr>
-          <p:cNvPr id="86" name="TextBox 85">
-            <a:extLst>
-              <a:ext uri="{FF2B5EF4-FFF2-40B4-BE49-F238E27FC236}">
-                <a16:creationId xmlns:a16="http://schemas.microsoft.com/office/drawing/2014/main" id="{1D91A7BC-564D-0BC3-CEC0-42C746A3FB44}"/>
-              </a:ext>
-            </a:extLst>
-          </p:cNvPr>
-          <p:cNvSpPr txBox="1"/>
-          <p:nvPr/>
-        </p:nvSpPr>
-        <p:spPr>
-          <a:xfrm>
-            <a:off x="1233941" y="1861809"/>
-            <a:ext cx="1261884" cy="523220"/>
-          </a:xfrm>
-          <a:prstGeom prst="rect">
-            <a:avLst/>
-          </a:prstGeom>
-          <a:noFill/>
-        </p:spPr>
-        <p:txBody>
-          <a:bodyPr wrap="none" rtlCol="0">
-            <a:spAutoFit/>
-          </a:bodyPr>
-          <a:lstStyle/>
-          <a:p>
-            <a:r>
-              <a:rPr lang="en-US" altLang="ko-KR" sz="2800" dirty="0" err="1">
-                <a:latin typeface="Times New Roman" panose="02020603050405020304" pitchFamily="18" charset="0"/>
-                <a:ea typeface="맑은 고딕" panose="020B0503020000020004" pitchFamily="50" charset="-127"/>
-              </a:rPr>
-              <a:t>i_fStart</a:t>
-            </a:r>
-            <a:endParaRPr lang="ko-KR" altLang="en-US" sz="2800" dirty="0">
-              <a:latin typeface="Times New Roman" panose="02020603050405020304" pitchFamily="18" charset="0"/>
-              <a:ea typeface="맑은 고딕" panose="020B0503020000020004" pitchFamily="50" charset="-127"/>
             </a:endParaRPr>
           </a:p>
         </p:txBody>
@@ -4447,8 +6637,8 @@
         </p:nvSpPr>
         <p:spPr>
           <a:xfrm>
-            <a:off x="1297479" y="2756140"/>
-            <a:ext cx="1095749" cy="523220"/>
+            <a:off x="1393539" y="2971318"/>
+            <a:ext cx="964688" cy="461665"/>
           </a:xfrm>
           <a:prstGeom prst="rect">
             <a:avLst/>
@@ -4462,13 +6652,13 @@
           <a:lstStyle/>
           <a:p>
             <a:r>
-              <a:rPr lang="en-US" altLang="ko-KR" sz="2800" dirty="0" err="1">
+              <a:rPr lang="en-US" altLang="ko-KR" sz="2400" dirty="0" err="1">
                 <a:latin typeface="Times New Roman" panose="02020603050405020304" pitchFamily="18" charset="0"/>
                 <a:ea typeface="맑은 고딕" panose="020B0503020000020004" pitchFamily="50" charset="-127"/>
               </a:rPr>
               <a:t>i_Text</a:t>
             </a:r>
-            <a:endParaRPr lang="ko-KR" altLang="en-US" sz="2800" dirty="0">
+            <a:endParaRPr lang="ko-KR" altLang="en-US" sz="2400" dirty="0">
               <a:latin typeface="Times New Roman" panose="02020603050405020304" pitchFamily="18" charset="0"/>
               <a:ea typeface="맑은 고딕" panose="020B0503020000020004" pitchFamily="50" charset="-127"/>
             </a:endParaRPr>
@@ -4490,14 +6680,14 @@
           <p:nvPr>
             <p:extLst>
               <p:ext uri="{D42A27DB-BD31-4B8C-83A1-F6EECF244321}">
-                <p14:modId xmlns:p14="http://schemas.microsoft.com/office/powerpoint/2010/main" val="2661350383"/>
+                <p14:modId xmlns:p14="http://schemas.microsoft.com/office/powerpoint/2010/main" val="1354835005"/>
               </p:ext>
             </p:extLst>
           </p:nvPr>
         </p:nvGraphicFramePr>
         <p:xfrm>
-          <a:off x="787352" y="4295205"/>
-          <a:ext cx="10617294" cy="2066554"/>
+          <a:off x="787352" y="3951023"/>
+          <a:ext cx="10617294" cy="2509387"/>
         </p:xfrm>
         <a:graphic>
           <a:graphicData uri="http://schemas.openxmlformats.org/drawingml/2006/table">
@@ -5032,7 +7222,7 @@
                     </a:solidFill>
                   </a:tcPr>
                 </a:tc>
-                <a:tc rowSpan="2">
+                <a:tc rowSpan="3">
                   <a:txBody>
                     <a:bodyPr/>
                     <a:lstStyle/>
@@ -5617,6 +7807,351 @@
                 <a:extLst>
                   <a:ext uri="{0D108BD9-81ED-4DB2-BD59-A6C34878D82A}">
                     <a16:rowId xmlns:a16="http://schemas.microsoft.com/office/drawing/2014/main" val="1201941680"/>
+                  </a:ext>
+                </a:extLst>
+              </a:tr>
+              <a:tr h="442833">
+                <a:tc>
+                  <a:txBody>
+                    <a:bodyPr/>
+                    <a:lstStyle/>
+                    <a:p>
+                      <a:pPr marL="0" marR="0" lvl="0" indent="0" algn="ctr" defTabSz="914400" rtl="0" eaLnBrk="0" fontAlgn="base" latinLnBrk="0" hangingPunct="0">
+                        <a:lnSpc>
+                          <a:spcPct val="100000"/>
+                        </a:lnSpc>
+                        <a:spcBef>
+                          <a:spcPts val="0"/>
+                        </a:spcBef>
+                        <a:spcAft>
+                          <a:spcPct val="0"/>
+                        </a:spcAft>
+                        <a:buClr>
+                          <a:srgbClr val="007AC2"/>
+                        </a:buClr>
+                        <a:buSzPct val="120000"/>
+                        <a:buFontTx/>
+                        <a:buNone/>
+                        <a:tabLst/>
+                        <a:defRPr/>
+                      </a:pPr>
+                      <a:r>
+                        <a:rPr lang="en-US" altLang="ko-KR" sz="1600" b="0"/>
+                        <a:t>i_fFirst</a:t>
+                      </a:r>
+                      <a:endParaRPr lang="ko-KR" altLang="en-US" sz="1600" b="0" dirty="0"/>
+                    </a:p>
+                  </a:txBody>
+                  <a:tcPr marL="0" marR="0" marT="0" marB="0" anchor="ctr" horzOverflow="overflow">
+                    <a:lnL w="28575" cap="flat" cmpd="sng" algn="ctr">
+                      <a:solidFill>
+                        <a:schemeClr val="tx1"/>
+                      </a:solidFill>
+                      <a:prstDash val="solid"/>
+                      <a:round/>
+                      <a:headEnd type="none" w="med" len="med"/>
+                      <a:tailEnd type="none" w="med" len="med"/>
+                    </a:lnL>
+                    <a:lnR w="3175" cap="flat" cmpd="sng" algn="ctr">
+                      <a:solidFill>
+                        <a:schemeClr val="tx1"/>
+                      </a:solidFill>
+                      <a:prstDash val="solid"/>
+                      <a:round/>
+                      <a:headEnd type="none" w="med" len="med"/>
+                      <a:tailEnd type="none" w="med" len="med"/>
+                    </a:lnR>
+                    <a:lnT w="3175" cap="flat" cmpd="sng" algn="ctr">
+                      <a:solidFill>
+                        <a:schemeClr val="tx1"/>
+                      </a:solidFill>
+                      <a:prstDash val="solid"/>
+                      <a:round/>
+                      <a:headEnd type="none" w="med" len="med"/>
+                      <a:tailEnd type="none" w="med" len="med"/>
+                    </a:lnT>
+                    <a:lnB w="3175" cap="flat" cmpd="sng" algn="ctr">
+                      <a:solidFill>
+                        <a:schemeClr val="tx1"/>
+                      </a:solidFill>
+                      <a:prstDash val="solid"/>
+                      <a:round/>
+                      <a:headEnd type="none" w="med" len="med"/>
+                      <a:tailEnd type="none" w="med" len="med"/>
+                    </a:lnB>
+                    <a:lnTlToBr>
+                      <a:noFill/>
+                    </a:lnTlToBr>
+                    <a:lnBlToTr>
+                      <a:noFill/>
+                    </a:lnBlToTr>
+                    <a:solidFill>
+                      <a:schemeClr val="bg1"/>
+                    </a:solidFill>
+                  </a:tcPr>
+                </a:tc>
+                <a:tc vMerge="1">
+                  <a:txBody>
+                    <a:bodyPr/>
+                    <a:lstStyle/>
+                    <a:p>
+                      <a:pPr marL="0" marR="0" lvl="0" indent="0" algn="ctr" defTabSz="914400" rtl="0" eaLnBrk="0" fontAlgn="base" latinLnBrk="0" hangingPunct="0">
+                        <a:lnSpc>
+                          <a:spcPct val="100000"/>
+                        </a:lnSpc>
+                        <a:spcBef>
+                          <a:spcPts val="0"/>
+                        </a:spcBef>
+                        <a:spcAft>
+                          <a:spcPct val="0"/>
+                        </a:spcAft>
+                        <a:buClr>
+                          <a:srgbClr val="007AC2"/>
+                        </a:buClr>
+                        <a:buSzPct val="120000"/>
+                        <a:buFontTx/>
+                        <a:buNone/>
+                        <a:tabLst/>
+                        <a:defRPr/>
+                      </a:pPr>
+                      <a:endParaRPr kumimoji="0" lang="en-US" altLang="ko-KR" sz="1600" b="0" i="0" u="none" strike="noStrike" kern="1200" cap="none" normalizeH="0" baseline="0" dirty="0">
+                        <a:ln>
+                          <a:noFill/>
+                        </a:ln>
+                        <a:solidFill>
+                          <a:schemeClr val="tx1"/>
+                        </a:solidFill>
+                        <a:effectLst/>
+                        <a:latin typeface="Times New Roman" panose="02020603050405020304" pitchFamily="18" charset="0"/>
+                        <a:ea typeface="+mn-ea"/>
+                        <a:cs typeface="+mn-cs"/>
+                      </a:endParaRPr>
+                    </a:p>
+                  </a:txBody>
+                  <a:tcPr marL="0" marR="0" marT="0" marB="0" anchor="ctr" horzOverflow="overflow">
+                    <a:lnL w="3175" cap="flat" cmpd="sng" algn="ctr">
+                      <a:solidFill>
+                        <a:schemeClr val="tx1"/>
+                      </a:solidFill>
+                      <a:prstDash val="solid"/>
+                      <a:round/>
+                      <a:headEnd type="none" w="med" len="med"/>
+                      <a:tailEnd type="none" w="med" len="med"/>
+                    </a:lnL>
+                    <a:lnR w="3175" cap="flat" cmpd="sng" algn="ctr">
+                      <a:solidFill>
+                        <a:schemeClr val="tx1"/>
+                      </a:solidFill>
+                      <a:prstDash val="solid"/>
+                      <a:round/>
+                      <a:headEnd type="none" w="med" len="med"/>
+                      <a:tailEnd type="none" w="med" len="med"/>
+                    </a:lnR>
+                    <a:lnT w="3175" cap="flat" cmpd="sng" algn="ctr">
+                      <a:solidFill>
+                        <a:schemeClr val="tx1"/>
+                      </a:solidFill>
+                      <a:prstDash val="solid"/>
+                      <a:round/>
+                      <a:headEnd type="none" w="med" len="med"/>
+                      <a:tailEnd type="none" w="med" len="med"/>
+                    </a:lnT>
+                    <a:lnB w="3175" cap="flat" cmpd="sng" algn="ctr">
+                      <a:solidFill>
+                        <a:schemeClr val="tx1"/>
+                      </a:solidFill>
+                      <a:prstDash val="solid"/>
+                      <a:round/>
+                      <a:headEnd type="none" w="med" len="med"/>
+                      <a:tailEnd type="none" w="med" len="med"/>
+                    </a:lnB>
+                    <a:lnTlToBr>
+                      <a:noFill/>
+                    </a:lnTlToBr>
+                    <a:lnBlToTr>
+                      <a:noFill/>
+                    </a:lnBlToTr>
+                    <a:solidFill>
+                      <a:schemeClr val="bg1"/>
+                    </a:solidFill>
+                  </a:tcPr>
+                </a:tc>
+                <a:tc>
+                  <a:txBody>
+                    <a:bodyPr/>
+                    <a:lstStyle/>
+                    <a:p>
+                      <a:pPr algn="ctr" fontAlgn="ctr"/>
+                      <a:r>
+                        <a:rPr kumimoji="0" lang="en-US" altLang="ko-KR" sz="1600" b="0" i="0" u="none" strike="noStrike" kern="1200" cap="none" normalizeH="0" baseline="0">
+                          <a:ln>
+                            <a:noFill/>
+                          </a:ln>
+                          <a:solidFill>
+                            <a:schemeClr val="tx1"/>
+                          </a:solidFill>
+                          <a:effectLst/>
+                          <a:latin typeface="Times New Roman" panose="02020603050405020304" pitchFamily="18" charset="0"/>
+                          <a:ea typeface="+mn-ea"/>
+                          <a:cs typeface="+mn-cs"/>
+                        </a:rPr>
+                        <a:t>1</a:t>
+                      </a:r>
+                      <a:endParaRPr kumimoji="0" lang="en-US" altLang="ko-KR" sz="1600" b="0" i="0" u="none" strike="noStrike" kern="1200" cap="none" normalizeH="0" baseline="0" dirty="0">
+                        <a:ln>
+                          <a:noFill/>
+                        </a:ln>
+                        <a:solidFill>
+                          <a:schemeClr val="tx1"/>
+                        </a:solidFill>
+                        <a:effectLst/>
+                        <a:latin typeface="Times New Roman" panose="02020603050405020304" pitchFamily="18" charset="0"/>
+                        <a:ea typeface="+mn-ea"/>
+                        <a:cs typeface="+mn-cs"/>
+                      </a:endParaRPr>
+                    </a:p>
+                  </a:txBody>
+                  <a:tcPr marL="9525" marR="9525" marT="9525" marB="0" anchor="ctr">
+                    <a:lnL w="3175" cap="flat" cmpd="sng" algn="ctr">
+                      <a:solidFill>
+                        <a:schemeClr val="tx1"/>
+                      </a:solidFill>
+                      <a:prstDash val="solid"/>
+                      <a:round/>
+                      <a:headEnd type="none" w="med" len="med"/>
+                      <a:tailEnd type="none" w="med" len="med"/>
+                    </a:lnL>
+                    <a:lnR w="3175" cap="flat" cmpd="sng" algn="ctr">
+                      <a:solidFill>
+                        <a:schemeClr val="tx1"/>
+                      </a:solidFill>
+                      <a:prstDash val="solid"/>
+                      <a:round/>
+                      <a:headEnd type="none" w="med" len="med"/>
+                      <a:tailEnd type="none" w="med" len="med"/>
+                    </a:lnR>
+                    <a:lnT w="3175" cap="flat" cmpd="sng" algn="ctr">
+                      <a:solidFill>
+                        <a:schemeClr val="tx1"/>
+                      </a:solidFill>
+                      <a:prstDash val="solid"/>
+                      <a:round/>
+                      <a:headEnd type="none" w="med" len="med"/>
+                      <a:tailEnd type="none" w="med" len="med"/>
+                    </a:lnT>
+                    <a:lnB w="3175" cap="flat" cmpd="sng" algn="ctr">
+                      <a:solidFill>
+                        <a:schemeClr val="tx1"/>
+                      </a:solidFill>
+                      <a:prstDash val="solid"/>
+                      <a:round/>
+                      <a:headEnd type="none" w="med" len="med"/>
+                      <a:tailEnd type="none" w="med" len="med"/>
+                    </a:lnB>
+                    <a:lnTlToBr>
+                      <a:noFill/>
+                    </a:lnTlToBr>
+                    <a:lnBlToTr>
+                      <a:noFill/>
+                    </a:lnBlToTr>
+                    <a:solidFill>
+                      <a:schemeClr val="bg1"/>
+                    </a:solidFill>
+                  </a:tcPr>
+                </a:tc>
+                <a:tc>
+                  <a:txBody>
+                    <a:bodyPr/>
+                    <a:lstStyle/>
+                    <a:p>
+                      <a:pPr marL="0" marR="0" lvl="0" indent="0" algn="l" defTabSz="914400" rtl="0" eaLnBrk="1" fontAlgn="ctr" latinLnBrk="1" hangingPunct="1">
+                        <a:lnSpc>
+                          <a:spcPct val="100000"/>
+                        </a:lnSpc>
+                        <a:spcBef>
+                          <a:spcPts val="0"/>
+                        </a:spcBef>
+                        <a:spcAft>
+                          <a:spcPts val="0"/>
+                        </a:spcAft>
+                        <a:buClrTx/>
+                        <a:buSzTx/>
+                        <a:buFontTx/>
+                        <a:buNone/>
+                        <a:tabLst/>
+                        <a:defRPr/>
+                      </a:pPr>
+                      <a:r>
+                        <a:rPr lang="en-US" altLang="ko-KR" sz="1600" b="0">
+                          <a:latin typeface="+mn-ea"/>
+                          <a:ea typeface="+mn-ea"/>
+                        </a:rPr>
+                        <a:t> </a:t>
+                      </a:r>
+                      <a:r>
+                        <a:rPr lang="ko-KR" altLang="en-US" sz="1600" b="0">
+                          <a:latin typeface="+mn-ea"/>
+                          <a:ea typeface="+mn-ea"/>
+                        </a:rPr>
+                        <a:t>첫 블록 여부</a:t>
+                      </a:r>
+                      <a:endParaRPr lang="ko-KR" altLang="en-US" sz="1600" b="0" dirty="0">
+                        <a:latin typeface="+mn-ea"/>
+                        <a:ea typeface="+mn-ea"/>
+                      </a:endParaRPr>
+                    </a:p>
+                  </a:txBody>
+                  <a:tcPr marL="9525" marR="9525" marT="9525" marB="0" anchor="ctr">
+                    <a:lnL w="3175" cap="flat" cmpd="sng" algn="ctr">
+                      <a:solidFill>
+                        <a:schemeClr val="tx1"/>
+                      </a:solidFill>
+                      <a:prstDash val="solid"/>
+                      <a:round/>
+                      <a:headEnd type="none" w="med" len="med"/>
+                      <a:tailEnd type="none" w="med" len="med"/>
+                    </a:lnL>
+                    <a:lnR w="28575" cap="flat" cmpd="sng" algn="ctr">
+                      <a:solidFill>
+                        <a:schemeClr val="tx1"/>
+                      </a:solidFill>
+                      <a:prstDash val="solid"/>
+                      <a:round/>
+                      <a:headEnd type="none" w="med" len="med"/>
+                      <a:tailEnd type="none" w="med" len="med"/>
+                    </a:lnR>
+                    <a:lnT w="3175" cap="flat" cmpd="sng" algn="ctr">
+                      <a:solidFill>
+                        <a:schemeClr val="tx1"/>
+                      </a:solidFill>
+                      <a:prstDash val="solid"/>
+                      <a:round/>
+                      <a:headEnd type="none" w="med" len="med"/>
+                      <a:tailEnd type="none" w="med" len="med"/>
+                    </a:lnT>
+                    <a:lnB w="3175" cap="flat" cmpd="sng" algn="ctr">
+                      <a:solidFill>
+                        <a:schemeClr val="tx1"/>
+                      </a:solidFill>
+                      <a:prstDash val="solid"/>
+                      <a:round/>
+                      <a:headEnd type="none" w="med" len="med"/>
+                      <a:tailEnd type="none" w="med" len="med"/>
+                    </a:lnB>
+                    <a:lnTlToBr>
+                      <a:noFill/>
+                    </a:lnTlToBr>
+                    <a:lnBlToTr>
+                      <a:noFill/>
+                    </a:lnBlToTr>
+                    <a:solidFill>
+                      <a:schemeClr val="bg1"/>
+                    </a:solidFill>
+                  </a:tcPr>
+                </a:tc>
+                <a:extLst>
+                  <a:ext uri="{0D108BD9-81ED-4DB2-BD59-A6C34878D82A}">
+                    <a16:rowId xmlns:a16="http://schemas.microsoft.com/office/drawing/2014/main" val="1106674187"/>
                   </a:ext>
                 </a:extLst>
               </a:tr>
@@ -6332,51 +8867,6 @@
       </p:graphicFrame>
       <p:cxnSp>
         <p:nvCxnSpPr>
-          <p:cNvPr id="2" name="직선 화살표 연결선 1">
-            <a:extLst>
-              <a:ext uri="{FF2B5EF4-FFF2-40B4-BE49-F238E27FC236}">
-                <a16:creationId xmlns:a16="http://schemas.microsoft.com/office/drawing/2014/main" id="{F7E0718D-663E-DF7E-07C5-9D8DD696AB69}"/>
-              </a:ext>
-            </a:extLst>
-          </p:cNvPr>
-          <p:cNvCxnSpPr>
-            <a:cxnSpLocks/>
-            <a:stCxn id="86" idx="3"/>
-          </p:cNvCxnSpPr>
-          <p:nvPr/>
-        </p:nvCxnSpPr>
-        <p:spPr>
-          <a:xfrm flipV="1">
-            <a:off x="2495825" y="2092642"/>
-            <a:ext cx="1192843" cy="30777"/>
-          </a:xfrm>
-          <a:prstGeom prst="straightConnector1">
-            <a:avLst/>
-          </a:prstGeom>
-          <a:ln w="38100">
-            <a:solidFill>
-              <a:schemeClr val="tx1"/>
-            </a:solidFill>
-            <a:tailEnd type="triangle"/>
-          </a:ln>
-        </p:spPr>
-        <p:style>
-          <a:lnRef idx="1">
-            <a:schemeClr val="accent1"/>
-          </a:lnRef>
-          <a:fillRef idx="0">
-            <a:schemeClr val="accent1"/>
-          </a:fillRef>
-          <a:effectRef idx="0">
-            <a:schemeClr val="accent1"/>
-          </a:effectRef>
-          <a:fontRef idx="minor">
-            <a:schemeClr val="tx1"/>
-          </a:fontRef>
-        </p:style>
-      </p:cxnSp>
-      <p:cxnSp>
-        <p:nvCxnSpPr>
           <p:cNvPr id="15" name="직선 화살표 연결선 14">
             <a:extLst>
               <a:ext uri="{FF2B5EF4-FFF2-40B4-BE49-F238E27FC236}">
@@ -6391,7 +8881,7 @@
         </p:nvCxnSpPr>
         <p:spPr>
           <a:xfrm>
-            <a:off x="2340334" y="3075638"/>
+            <a:off x="2340334" y="3202151"/>
             <a:ext cx="1348334" cy="0"/>
           </a:xfrm>
           <a:prstGeom prst="straightConnector1">
@@ -6505,6 +8995,192 @@
           </a:p>
         </p:txBody>
       </p:sp>
+      <p:sp>
+        <p:nvSpPr>
+          <p:cNvPr id="4" name="TextBox 3">
+            <a:extLst>
+              <a:ext uri="{FF2B5EF4-FFF2-40B4-BE49-F238E27FC236}">
+                <a16:creationId xmlns:a16="http://schemas.microsoft.com/office/drawing/2014/main" id="{4C6E3DC6-4BE2-4DD8-0832-220E40138938}"/>
+              </a:ext>
+            </a:extLst>
+          </p:cNvPr>
+          <p:cNvSpPr txBox="1"/>
+          <p:nvPr/>
+        </p:nvSpPr>
+        <p:spPr>
+          <a:xfrm>
+            <a:off x="1393539" y="2388348"/>
+            <a:ext cx="1090363" cy="461665"/>
+          </a:xfrm>
+          <a:prstGeom prst="rect">
+            <a:avLst/>
+          </a:prstGeom>
+          <a:noFill/>
+        </p:spPr>
+        <p:txBody>
+          <a:bodyPr wrap="none" rtlCol="0">
+            <a:spAutoFit/>
+          </a:bodyPr>
+          <a:lstStyle/>
+          <a:p>
+            <a:r>
+              <a:rPr lang="en-US" altLang="ko-KR" sz="2400" err="1">
+                <a:latin typeface="Times New Roman" panose="02020603050405020304" pitchFamily="18" charset="0"/>
+                <a:ea typeface="맑은 고딕" panose="020B0503020000020004" pitchFamily="50" charset="-127"/>
+              </a:rPr>
+              <a:t>i</a:t>
+            </a:r>
+            <a:r>
+              <a:rPr lang="en-US" altLang="ko-KR" sz="2400">
+                <a:latin typeface="Times New Roman" panose="02020603050405020304" pitchFamily="18" charset="0"/>
+                <a:ea typeface="맑은 고딕" panose="020B0503020000020004" pitchFamily="50" charset="-127"/>
+              </a:rPr>
+              <a:t>_fFirst</a:t>
+            </a:r>
+            <a:endParaRPr lang="ko-KR" altLang="en-US" sz="2400" dirty="0">
+              <a:latin typeface="Times New Roman" panose="02020603050405020304" pitchFamily="18" charset="0"/>
+              <a:ea typeface="맑은 고딕" panose="020B0503020000020004" pitchFamily="50" charset="-127"/>
+            </a:endParaRPr>
+          </a:p>
+        </p:txBody>
+      </p:sp>
+      <p:cxnSp>
+        <p:nvCxnSpPr>
+          <p:cNvPr id="5" name="직선 화살표 연결선 4">
+            <a:extLst>
+              <a:ext uri="{FF2B5EF4-FFF2-40B4-BE49-F238E27FC236}">
+                <a16:creationId xmlns:a16="http://schemas.microsoft.com/office/drawing/2014/main" id="{F773582B-A104-4324-BC6F-F1DEEFF17083}"/>
+              </a:ext>
+            </a:extLst>
+          </p:cNvPr>
+          <p:cNvCxnSpPr>
+            <a:cxnSpLocks/>
+          </p:cNvCxnSpPr>
+          <p:nvPr/>
+        </p:nvCxnSpPr>
+        <p:spPr>
+          <a:xfrm>
+            <a:off x="2559363" y="2619181"/>
+            <a:ext cx="1129305" cy="0"/>
+          </a:xfrm>
+          <a:prstGeom prst="straightConnector1">
+            <a:avLst/>
+          </a:prstGeom>
+          <a:ln w="38100">
+            <a:solidFill>
+              <a:schemeClr val="tx1"/>
+            </a:solidFill>
+            <a:tailEnd type="triangle"/>
+          </a:ln>
+        </p:spPr>
+        <p:style>
+          <a:lnRef idx="1">
+            <a:schemeClr val="accent1"/>
+          </a:lnRef>
+          <a:fillRef idx="0">
+            <a:schemeClr val="accent1"/>
+          </a:fillRef>
+          <a:effectRef idx="0">
+            <a:schemeClr val="accent1"/>
+          </a:effectRef>
+          <a:fontRef idx="minor">
+            <a:schemeClr val="tx1"/>
+          </a:fontRef>
+        </p:style>
+      </p:cxnSp>
+      <p:sp>
+        <p:nvSpPr>
+          <p:cNvPr id="7" name="TextBox 6">
+            <a:extLst>
+              <a:ext uri="{FF2B5EF4-FFF2-40B4-BE49-F238E27FC236}">
+                <a16:creationId xmlns:a16="http://schemas.microsoft.com/office/drawing/2014/main" id="{37E97C49-FA4A-4F3F-1F1B-D91014772803}"/>
+              </a:ext>
+            </a:extLst>
+          </p:cNvPr>
+          <p:cNvSpPr txBox="1"/>
+          <p:nvPr/>
+        </p:nvSpPr>
+        <p:spPr>
+          <a:xfrm>
+            <a:off x="1393539" y="1799465"/>
+            <a:ext cx="1106393" cy="461665"/>
+          </a:xfrm>
+          <a:prstGeom prst="rect">
+            <a:avLst/>
+          </a:prstGeom>
+          <a:noFill/>
+        </p:spPr>
+        <p:txBody>
+          <a:bodyPr wrap="none" rtlCol="0">
+            <a:spAutoFit/>
+          </a:bodyPr>
+          <a:lstStyle/>
+          <a:p>
+            <a:r>
+              <a:rPr lang="en-US" altLang="ko-KR" sz="2400" err="1">
+                <a:latin typeface="Times New Roman" panose="02020603050405020304" pitchFamily="18" charset="0"/>
+                <a:ea typeface="맑은 고딕" panose="020B0503020000020004" pitchFamily="50" charset="-127"/>
+              </a:rPr>
+              <a:t>i</a:t>
+            </a:r>
+            <a:r>
+              <a:rPr lang="en-US" altLang="ko-KR" sz="2400">
+                <a:latin typeface="Times New Roman" panose="02020603050405020304" pitchFamily="18" charset="0"/>
+                <a:ea typeface="맑은 고딕" panose="020B0503020000020004" pitchFamily="50" charset="-127"/>
+              </a:rPr>
+              <a:t>_fStart</a:t>
+            </a:r>
+            <a:endParaRPr lang="ko-KR" altLang="en-US" sz="2400" dirty="0">
+              <a:latin typeface="Times New Roman" panose="02020603050405020304" pitchFamily="18" charset="0"/>
+              <a:ea typeface="맑은 고딕" panose="020B0503020000020004" pitchFamily="50" charset="-127"/>
+            </a:endParaRPr>
+          </a:p>
+        </p:txBody>
+      </p:sp>
+      <p:cxnSp>
+        <p:nvCxnSpPr>
+          <p:cNvPr id="9" name="직선 화살표 연결선 8">
+            <a:extLst>
+              <a:ext uri="{FF2B5EF4-FFF2-40B4-BE49-F238E27FC236}">
+                <a16:creationId xmlns:a16="http://schemas.microsoft.com/office/drawing/2014/main" id="{9C4FCA6B-7650-C533-2BDE-5B88D167C6C4}"/>
+              </a:ext>
+            </a:extLst>
+          </p:cNvPr>
+          <p:cNvCxnSpPr>
+            <a:cxnSpLocks/>
+          </p:cNvCxnSpPr>
+          <p:nvPr/>
+        </p:nvCxnSpPr>
+        <p:spPr>
+          <a:xfrm>
+            <a:off x="2559363" y="2030298"/>
+            <a:ext cx="1129305" cy="0"/>
+          </a:xfrm>
+          <a:prstGeom prst="straightConnector1">
+            <a:avLst/>
+          </a:prstGeom>
+          <a:ln w="38100">
+            <a:solidFill>
+              <a:schemeClr val="tx1"/>
+            </a:solidFill>
+            <a:tailEnd type="triangle"/>
+          </a:ln>
+        </p:spPr>
+        <p:style>
+          <a:lnRef idx="1">
+            <a:schemeClr val="accent1"/>
+          </a:lnRef>
+          <a:fillRef idx="0">
+            <a:schemeClr val="accent1"/>
+          </a:fillRef>
+          <a:effectRef idx="0">
+            <a:schemeClr val="accent1"/>
+          </a:effectRef>
+          <a:fontRef idx="minor">
+            <a:schemeClr val="tx1"/>
+          </a:fontRef>
+        </p:style>
+      </p:cxnSp>
     </p:spTree>
     <p:extLst>
       <p:ext uri="{BB962C8B-B14F-4D97-AF65-F5344CB8AC3E}">
@@ -6606,7 +9282,7 @@
         </p:nvSpPr>
         <p:spPr>
           <a:xfrm>
-            <a:off x="3492500" y="1687467"/>
+            <a:off x="3383443" y="1687467"/>
             <a:ext cx="5207000" cy="4222761"/>
           </a:xfrm>
           <a:prstGeom prst="rect">
@@ -6673,7 +9349,7 @@
         </p:nvSpPr>
         <p:spPr>
           <a:xfrm>
-            <a:off x="2443730" y="2578132"/>
+            <a:off x="2334673" y="2578132"/>
             <a:ext cx="771301" cy="369332"/>
           </a:xfrm>
           <a:prstGeom prst="rect">
@@ -6715,7 +9391,7 @@
         </p:nvSpPr>
         <p:spPr>
           <a:xfrm>
-            <a:off x="9098643" y="3955055"/>
+            <a:off x="8825984" y="4042556"/>
             <a:ext cx="822597" cy="369332"/>
           </a:xfrm>
           <a:prstGeom prst="rect">
@@ -6757,7 +9433,7 @@
         </p:nvSpPr>
         <p:spPr bwMode="auto">
           <a:xfrm>
-            <a:off x="8045704" y="4066665"/>
+            <a:off x="7954307" y="4151221"/>
             <a:ext cx="165272" cy="165272"/>
           </a:xfrm>
           <a:prstGeom prst="ellipse">
@@ -6816,7 +9492,7 @@
         </p:nvGrpSpPr>
         <p:grpSpPr>
           <a:xfrm>
-            <a:off x="4349247" y="2503834"/>
+            <a:off x="4240190" y="2503834"/>
             <a:ext cx="982790" cy="348157"/>
             <a:chOff x="1578379" y="4195008"/>
             <a:chExt cx="1117960" cy="396042"/>
@@ -6948,7 +9624,7 @@
         </p:nvGrpSpPr>
         <p:grpSpPr>
           <a:xfrm>
-            <a:off x="6783101" y="3965643"/>
+            <a:off x="6674044" y="4059608"/>
             <a:ext cx="982790" cy="348157"/>
             <a:chOff x="1578379" y="4195008"/>
             <a:chExt cx="1117960" cy="396042"/>
@@ -7080,7 +9756,7 @@
         </p:nvGrpSpPr>
         <p:grpSpPr>
           <a:xfrm>
-            <a:off x="6754092" y="3995854"/>
+            <a:off x="6645035" y="4089819"/>
             <a:ext cx="982790" cy="348157"/>
             <a:chOff x="1578379" y="4195008"/>
             <a:chExt cx="1117960" cy="396042"/>
@@ -7212,7 +9888,7 @@
         </p:nvGrpSpPr>
         <p:grpSpPr>
           <a:xfrm>
-            <a:off x="6725083" y="4026065"/>
+            <a:off x="6616026" y="4120030"/>
             <a:ext cx="982790" cy="348157"/>
             <a:chOff x="1578379" y="4195008"/>
             <a:chExt cx="1117960" cy="396042"/>
@@ -7344,7 +10020,7 @@
         </p:nvGrpSpPr>
         <p:grpSpPr>
           <a:xfrm>
-            <a:off x="6696406" y="4056276"/>
+            <a:off x="6587349" y="4150241"/>
             <a:ext cx="982790" cy="348157"/>
             <a:chOff x="1578379" y="4195008"/>
             <a:chExt cx="1117960" cy="396042"/>
@@ -7476,7 +10152,7 @@
         </p:nvGrpSpPr>
         <p:grpSpPr>
           <a:xfrm>
-            <a:off x="6667729" y="4086487"/>
+            <a:off x="6558672" y="4180452"/>
             <a:ext cx="982790" cy="348157"/>
             <a:chOff x="1578379" y="4195008"/>
             <a:chExt cx="1117960" cy="396042"/>
@@ -7608,7 +10284,7 @@
         </p:nvGrpSpPr>
         <p:grpSpPr>
           <a:xfrm>
-            <a:off x="6639052" y="4124296"/>
+            <a:off x="6529995" y="4218261"/>
             <a:ext cx="982790" cy="348157"/>
             <a:chOff x="1578379" y="4195008"/>
             <a:chExt cx="1117960" cy="396042"/>
@@ -7740,7 +10416,7 @@
         </p:nvGrpSpPr>
         <p:grpSpPr>
           <a:xfrm>
-            <a:off x="6610375" y="4162105"/>
+            <a:off x="6501318" y="4256070"/>
             <a:ext cx="982790" cy="348157"/>
             <a:chOff x="1578379" y="4195008"/>
             <a:chExt cx="1117960" cy="396042"/>
@@ -7872,7 +10548,7 @@
         </p:nvGrpSpPr>
         <p:grpSpPr>
           <a:xfrm>
-            <a:off x="6581031" y="4192317"/>
+            <a:off x="6471974" y="4286282"/>
             <a:ext cx="982790" cy="348157"/>
             <a:chOff x="1578379" y="4195008"/>
             <a:chExt cx="1117960" cy="396042"/>
@@ -8002,12 +10678,828 @@
           </p:txBody>
         </p:sp>
       </p:grpSp>
+      <p:cxnSp>
+        <p:nvCxnSpPr>
+          <p:cNvPr id="86" name="직선 화살표 연결선 85">
+            <a:extLst>
+              <a:ext uri="{FF2B5EF4-FFF2-40B4-BE49-F238E27FC236}">
+                <a16:creationId xmlns:a16="http://schemas.microsoft.com/office/drawing/2014/main" id="{EB71C427-1EB4-3D1B-B696-9D52B88C4EEF}"/>
+              </a:ext>
+            </a:extLst>
+          </p:cNvPr>
+          <p:cNvCxnSpPr>
+            <a:cxnSpLocks/>
+            <a:stCxn id="69" idx="3"/>
+          </p:cNvCxnSpPr>
+          <p:nvPr/>
+        </p:nvCxnSpPr>
+        <p:spPr>
+          <a:xfrm>
+            <a:off x="3105974" y="2762798"/>
+            <a:ext cx="898970" cy="0"/>
+          </a:xfrm>
+          <a:prstGeom prst="straightConnector1">
+            <a:avLst/>
+          </a:prstGeom>
+          <a:ln w="28575">
+            <a:solidFill>
+              <a:schemeClr val="tx1"/>
+            </a:solidFill>
+            <a:tailEnd type="triangle"/>
+          </a:ln>
+        </p:spPr>
+        <p:style>
+          <a:lnRef idx="1">
+            <a:schemeClr val="accent1"/>
+          </a:lnRef>
+          <a:fillRef idx="0">
+            <a:schemeClr val="accent1"/>
+          </a:fillRef>
+          <a:effectRef idx="0">
+            <a:schemeClr val="accent1"/>
+          </a:effectRef>
+          <a:fontRef idx="minor">
+            <a:schemeClr val="tx1"/>
+          </a:fontRef>
+        </p:style>
+      </p:cxnSp>
+      <p:cxnSp>
+        <p:nvCxnSpPr>
+          <p:cNvPr id="99" name="직선 화살표 연결선 98">
+            <a:extLst>
+              <a:ext uri="{FF2B5EF4-FFF2-40B4-BE49-F238E27FC236}">
+                <a16:creationId xmlns:a16="http://schemas.microsoft.com/office/drawing/2014/main" id="{B4858544-B152-BB5E-9344-B4A1CB590665}"/>
+              </a:ext>
+            </a:extLst>
+          </p:cNvPr>
+          <p:cNvCxnSpPr>
+            <a:cxnSpLocks/>
+            <a:stCxn id="16" idx="3"/>
+          </p:cNvCxnSpPr>
+          <p:nvPr/>
+        </p:nvCxnSpPr>
+        <p:spPr>
+          <a:xfrm flipV="1">
+            <a:off x="5222980" y="2671746"/>
+            <a:ext cx="1223102" cy="6167"/>
+          </a:xfrm>
+          <a:prstGeom prst="straightConnector1">
+            <a:avLst/>
+          </a:prstGeom>
+          <a:ln w="28575">
+            <a:solidFill>
+              <a:schemeClr val="tx1"/>
+            </a:solidFill>
+            <a:tailEnd type="triangle"/>
+          </a:ln>
+        </p:spPr>
+        <p:style>
+          <a:lnRef idx="1">
+            <a:schemeClr val="accent1"/>
+          </a:lnRef>
+          <a:fillRef idx="0">
+            <a:schemeClr val="accent1"/>
+          </a:fillRef>
+          <a:effectRef idx="0">
+            <a:schemeClr val="accent1"/>
+          </a:effectRef>
+          <a:fontRef idx="minor">
+            <a:schemeClr val="tx1"/>
+          </a:fontRef>
+        </p:style>
+      </p:cxnSp>
+      <p:sp>
+        <p:nvSpPr>
+          <p:cNvPr id="110" name="타원 109">
+            <a:extLst>
+              <a:ext uri="{FF2B5EF4-FFF2-40B4-BE49-F238E27FC236}">
+                <a16:creationId xmlns:a16="http://schemas.microsoft.com/office/drawing/2014/main" id="{A1FC2DA4-A62D-C870-82B6-51A4FB33944A}"/>
+              </a:ext>
+            </a:extLst>
+          </p:cNvPr>
+          <p:cNvSpPr/>
+          <p:nvPr/>
+        </p:nvSpPr>
+        <p:spPr bwMode="auto">
+          <a:xfrm>
+            <a:off x="3853873" y="3988126"/>
+            <a:ext cx="1762365" cy="762057"/>
+          </a:xfrm>
+          <a:prstGeom prst="ellipse">
+            <a:avLst/>
+          </a:prstGeom>
+          <a:solidFill>
+            <a:srgbClr val="F2F2F2"/>
+          </a:solidFill>
+          <a:ln w="28575">
+            <a:solidFill>
+              <a:srgbClr val="595959"/>
+            </a:solidFill>
+          </a:ln>
+          <a:effectLst/>
+        </p:spPr>
+        <p:style>
+          <a:lnRef idx="2">
+            <a:schemeClr val="accent1">
+              <a:shade val="50000"/>
+            </a:schemeClr>
+          </a:lnRef>
+          <a:fillRef idx="1">
+            <a:schemeClr val="accent1"/>
+          </a:fillRef>
+          <a:effectRef idx="0">
+            <a:schemeClr val="accent1"/>
+          </a:effectRef>
+          <a:fontRef idx="minor">
+            <a:schemeClr val="lt1"/>
+          </a:fontRef>
+        </p:style>
+        <p:txBody>
+          <a:bodyPr lIns="144000" tIns="72000" rIns="144000" bIns="72000" rtlCol="0" anchor="ctr"/>
+          <a:lstStyle/>
+          <a:p>
+            <a:pPr algn="ctr"/>
+            <a:r>
+              <a:rPr lang="en-US" altLang="ko-KR" sz="1600" b="1" dirty="0">
+                <a:solidFill>
+                  <a:schemeClr val="tx1"/>
+                </a:solidFill>
+                <a:latin typeface="Times New Roman" panose="02020603050405020304" pitchFamily="18" charset="0"/>
+                <a:cs typeface="Times New Roman" panose="02020603050405020304" pitchFamily="18" charset="0"/>
+              </a:rPr>
+              <a:t>Hash</a:t>
+            </a:r>
+          </a:p>
+          <a:p>
+            <a:pPr algn="ctr"/>
+            <a:r>
+              <a:rPr lang="en-US" altLang="ko-KR" sz="1600" b="1" dirty="0">
+                <a:solidFill>
+                  <a:schemeClr val="tx1"/>
+                </a:solidFill>
+                <a:latin typeface="Times New Roman" panose="02020603050405020304" pitchFamily="18" charset="0"/>
+                <a:cs typeface="Times New Roman" panose="02020603050405020304" pitchFamily="18" charset="0"/>
+              </a:rPr>
+              <a:t>digest</a:t>
+            </a:r>
+            <a:endParaRPr lang="ko-KR" altLang="en-US" sz="1600" b="1" dirty="0">
+              <a:solidFill>
+                <a:schemeClr val="tx1"/>
+              </a:solidFill>
+              <a:latin typeface="Times New Roman" panose="02020603050405020304" pitchFamily="18" charset="0"/>
+              <a:cs typeface="Times New Roman" panose="02020603050405020304" pitchFamily="18" charset="0"/>
+            </a:endParaRPr>
+          </a:p>
+        </p:txBody>
+      </p:sp>
+      <p:cxnSp>
+        <p:nvCxnSpPr>
+          <p:cNvPr id="111" name="직선 화살표 연결선 110">
+            <a:extLst>
+              <a:ext uri="{FF2B5EF4-FFF2-40B4-BE49-F238E27FC236}">
+                <a16:creationId xmlns:a16="http://schemas.microsoft.com/office/drawing/2014/main" id="{B513D084-8822-855A-C6FF-A4B3E86C16F7}"/>
+              </a:ext>
+            </a:extLst>
+          </p:cNvPr>
+          <p:cNvCxnSpPr>
+            <a:cxnSpLocks/>
+            <a:stCxn id="35" idx="3"/>
+            <a:endCxn id="88" idx="1"/>
+          </p:cNvCxnSpPr>
+          <p:nvPr/>
+        </p:nvCxnSpPr>
+        <p:spPr>
+          <a:xfrm flipV="1">
+            <a:off x="7656834" y="4227222"/>
+            <a:ext cx="1169150" cy="6465"/>
+          </a:xfrm>
+          <a:prstGeom prst="straightConnector1">
+            <a:avLst/>
+          </a:prstGeom>
+          <a:ln w="28575">
+            <a:solidFill>
+              <a:schemeClr val="tx1"/>
+            </a:solidFill>
+            <a:tailEnd type="triangle"/>
+          </a:ln>
+        </p:spPr>
+        <p:style>
+          <a:lnRef idx="1">
+            <a:schemeClr val="accent1"/>
+          </a:lnRef>
+          <a:fillRef idx="0">
+            <a:schemeClr val="accent1"/>
+          </a:fillRef>
+          <a:effectRef idx="0">
+            <a:schemeClr val="accent1"/>
+          </a:effectRef>
+          <a:fontRef idx="minor">
+            <a:schemeClr val="tx1"/>
+          </a:fontRef>
+        </p:style>
+      </p:cxnSp>
+      <p:cxnSp>
+        <p:nvCxnSpPr>
+          <p:cNvPr id="120" name="직선 화살표 연결선 119">
+            <a:extLst>
+              <a:ext uri="{FF2B5EF4-FFF2-40B4-BE49-F238E27FC236}">
+                <a16:creationId xmlns:a16="http://schemas.microsoft.com/office/drawing/2014/main" id="{32A4A7EF-F472-A7EB-8D37-AF927E245067}"/>
+              </a:ext>
+            </a:extLst>
+          </p:cNvPr>
+          <p:cNvCxnSpPr>
+            <a:cxnSpLocks/>
+            <a:endCxn id="110" idx="4"/>
+          </p:cNvCxnSpPr>
+          <p:nvPr/>
+        </p:nvCxnSpPr>
+        <p:spPr>
+          <a:xfrm flipV="1">
+            <a:off x="4731917" y="4750183"/>
+            <a:ext cx="3139" cy="434381"/>
+          </a:xfrm>
+          <a:prstGeom prst="straightConnector1">
+            <a:avLst/>
+          </a:prstGeom>
+          <a:ln w="28575">
+            <a:solidFill>
+              <a:schemeClr val="tx1"/>
+            </a:solidFill>
+            <a:tailEnd type="triangle"/>
+          </a:ln>
+        </p:spPr>
+        <p:style>
+          <a:lnRef idx="1">
+            <a:schemeClr val="accent1"/>
+          </a:lnRef>
+          <a:fillRef idx="0">
+            <a:schemeClr val="accent1"/>
+          </a:fillRef>
+          <a:effectRef idx="0">
+            <a:schemeClr val="accent1"/>
+          </a:effectRef>
+          <a:fontRef idx="minor">
+            <a:schemeClr val="tx1"/>
+          </a:fontRef>
+        </p:style>
+      </p:cxnSp>
+      <p:cxnSp>
+        <p:nvCxnSpPr>
+          <p:cNvPr id="123" name="연결선: 꺾임 122">
+            <a:extLst>
+              <a:ext uri="{FF2B5EF4-FFF2-40B4-BE49-F238E27FC236}">
+                <a16:creationId xmlns:a16="http://schemas.microsoft.com/office/drawing/2014/main" id="{A7E52BCC-04A8-361D-A68A-5840E1CB8309}"/>
+              </a:ext>
+            </a:extLst>
+          </p:cNvPr>
+          <p:cNvCxnSpPr>
+            <a:cxnSpLocks/>
+            <a:stCxn id="39" idx="0"/>
+            <a:endCxn id="110" idx="0"/>
+          </p:cNvCxnSpPr>
+          <p:nvPr/>
+        </p:nvCxnSpPr>
+        <p:spPr>
+          <a:xfrm rot="16200000" flipV="1">
+            <a:off x="6304453" y="2418730"/>
+            <a:ext cx="163095" cy="3301887"/>
+          </a:xfrm>
+          <a:prstGeom prst="bentConnector3">
+            <a:avLst>
+              <a:gd name="adj1" fmla="val 240164"/>
+            </a:avLst>
+          </a:prstGeom>
+          <a:ln w="28575">
+            <a:solidFill>
+              <a:schemeClr val="tx1"/>
+            </a:solidFill>
+            <a:tailEnd type="triangle"/>
+          </a:ln>
+        </p:spPr>
+        <p:style>
+          <a:lnRef idx="1">
+            <a:schemeClr val="accent1"/>
+          </a:lnRef>
+          <a:fillRef idx="0">
+            <a:schemeClr val="accent1"/>
+          </a:fillRef>
+          <a:effectRef idx="0">
+            <a:schemeClr val="accent1"/>
+          </a:effectRef>
+          <a:fontRef idx="minor">
+            <a:schemeClr val="tx1"/>
+          </a:fontRef>
+        </p:style>
+      </p:cxnSp>
+      <p:cxnSp>
+        <p:nvCxnSpPr>
+          <p:cNvPr id="126" name="직선 화살표 연결선 125">
+            <a:extLst>
+              <a:ext uri="{FF2B5EF4-FFF2-40B4-BE49-F238E27FC236}">
+                <a16:creationId xmlns:a16="http://schemas.microsoft.com/office/drawing/2014/main" id="{60D9BE5B-94A9-36C2-3786-A8CA5EA3C1E2}"/>
+              </a:ext>
+            </a:extLst>
+          </p:cNvPr>
+          <p:cNvCxnSpPr>
+            <a:cxnSpLocks/>
+            <a:stCxn id="110" idx="6"/>
+          </p:cNvCxnSpPr>
+          <p:nvPr/>
+        </p:nvCxnSpPr>
+        <p:spPr>
+          <a:xfrm>
+            <a:off x="5616238" y="4369155"/>
+            <a:ext cx="541729" cy="0"/>
+          </a:xfrm>
+          <a:prstGeom prst="straightConnector1">
+            <a:avLst/>
+          </a:prstGeom>
+          <a:ln w="28575">
+            <a:solidFill>
+              <a:schemeClr val="tx1"/>
+            </a:solidFill>
+            <a:tailEnd type="triangle"/>
+          </a:ln>
+        </p:spPr>
+        <p:style>
+          <a:lnRef idx="1">
+            <a:schemeClr val="accent1"/>
+          </a:lnRef>
+          <a:fillRef idx="0">
+            <a:schemeClr val="accent1"/>
+          </a:fillRef>
+          <a:effectRef idx="0">
+            <a:schemeClr val="accent1"/>
+          </a:effectRef>
+          <a:fontRef idx="minor">
+            <a:schemeClr val="tx1"/>
+          </a:fontRef>
+        </p:style>
+      </p:cxnSp>
+      <p:sp>
+        <p:nvSpPr>
+          <p:cNvPr id="4" name="타원 3">
+            <a:extLst>
+              <a:ext uri="{FF2B5EF4-FFF2-40B4-BE49-F238E27FC236}">
+                <a16:creationId xmlns:a16="http://schemas.microsoft.com/office/drawing/2014/main" id="{3868984B-AE50-816A-27FA-9BA911E48672}"/>
+              </a:ext>
+            </a:extLst>
+          </p:cNvPr>
+          <p:cNvSpPr/>
+          <p:nvPr/>
+        </p:nvSpPr>
+        <p:spPr bwMode="auto">
+          <a:xfrm>
+            <a:off x="5642774" y="2589970"/>
+            <a:ext cx="165272" cy="165272"/>
+          </a:xfrm>
+          <a:prstGeom prst="ellipse">
+            <a:avLst/>
+          </a:prstGeom>
+          <a:solidFill>
+            <a:schemeClr val="tx1"/>
+          </a:solidFill>
+          <a:ln>
+            <a:noFill/>
+          </a:ln>
+          <a:effectLst/>
+        </p:spPr>
+        <p:style>
+          <a:lnRef idx="2">
+            <a:schemeClr val="accent1">
+              <a:shade val="50000"/>
+            </a:schemeClr>
+          </a:lnRef>
+          <a:fillRef idx="1">
+            <a:schemeClr val="accent1"/>
+          </a:fillRef>
+          <a:effectRef idx="0">
+            <a:schemeClr val="accent1"/>
+          </a:effectRef>
+          <a:fontRef idx="minor">
+            <a:schemeClr val="lt1"/>
+          </a:fontRef>
+        </p:style>
+        <p:txBody>
+          <a:bodyPr lIns="144000" tIns="72000" rIns="144000" bIns="72000" rtlCol="0" anchor="ctr"/>
+          <a:lstStyle/>
+          <a:p>
+            <a:pPr marL="0" algn="ctr"/>
+            <a:endParaRPr lang="en-US" sz="2000">
+              <a:solidFill>
+                <a:schemeClr val="tx1"/>
+              </a:solidFill>
+              <a:latin typeface="Times New Roman" panose="02020603050405020304" pitchFamily="18" charset="0"/>
+              <a:ea typeface="맑은 고딕" panose="020B0503020000020004" pitchFamily="50" charset="-127"/>
+            </a:endParaRPr>
+          </a:p>
+        </p:txBody>
+      </p:sp>
+      <p:cxnSp>
+        <p:nvCxnSpPr>
+          <p:cNvPr id="5" name="연결선: 꺾임 4">
+            <a:extLst>
+              <a:ext uri="{FF2B5EF4-FFF2-40B4-BE49-F238E27FC236}">
+                <a16:creationId xmlns:a16="http://schemas.microsoft.com/office/drawing/2014/main" id="{F481ED60-622D-98C5-4969-6B5C7B3BC8F9}"/>
+              </a:ext>
+            </a:extLst>
+          </p:cNvPr>
+          <p:cNvCxnSpPr>
+            <a:cxnSpLocks/>
+            <a:stCxn id="4" idx="4"/>
+            <a:endCxn id="110" idx="0"/>
+          </p:cNvCxnSpPr>
+          <p:nvPr/>
+        </p:nvCxnSpPr>
+        <p:spPr>
+          <a:xfrm rot="5400000">
+            <a:off x="4613791" y="2876507"/>
+            <a:ext cx="1232884" cy="990354"/>
+          </a:xfrm>
+          <a:prstGeom prst="bentConnector3">
+            <a:avLst>
+              <a:gd name="adj1" fmla="val 50000"/>
+            </a:avLst>
+          </a:prstGeom>
+          <a:ln w="28575">
+            <a:solidFill>
+              <a:schemeClr val="tx1"/>
+            </a:solidFill>
+            <a:tailEnd type="triangle"/>
+          </a:ln>
+        </p:spPr>
+        <p:style>
+          <a:lnRef idx="1">
+            <a:schemeClr val="accent1"/>
+          </a:lnRef>
+          <a:fillRef idx="0">
+            <a:schemeClr val="accent1"/>
+          </a:fillRef>
+          <a:effectRef idx="0">
+            <a:schemeClr val="accent1"/>
+          </a:effectRef>
+          <a:fontRef idx="minor">
+            <a:schemeClr val="tx1"/>
+          </a:fontRef>
+        </p:style>
+      </p:cxnSp>
+      <p:sp>
+        <p:nvSpPr>
+          <p:cNvPr id="27" name="직사각형 26">
+            <a:extLst>
+              <a:ext uri="{FF2B5EF4-FFF2-40B4-BE49-F238E27FC236}">
+                <a16:creationId xmlns:a16="http://schemas.microsoft.com/office/drawing/2014/main" id="{19AC4980-55E8-C34C-3A36-9948E494450F}"/>
+              </a:ext>
+            </a:extLst>
+          </p:cNvPr>
+          <p:cNvSpPr/>
+          <p:nvPr/>
+        </p:nvSpPr>
+        <p:spPr bwMode="auto">
+          <a:xfrm>
+            <a:off x="4004945" y="2467838"/>
+            <a:ext cx="92075" cy="422275"/>
+          </a:xfrm>
+          <a:prstGeom prst="rect">
+            <a:avLst/>
+          </a:prstGeom>
+          <a:solidFill>
+            <a:schemeClr val="tx1"/>
+          </a:solidFill>
+          <a:ln>
+            <a:noFill/>
+          </a:ln>
+          <a:effectLst/>
+        </p:spPr>
+        <p:style>
+          <a:lnRef idx="2">
+            <a:schemeClr val="accent1">
+              <a:shade val="50000"/>
+            </a:schemeClr>
+          </a:lnRef>
+          <a:fillRef idx="1">
+            <a:schemeClr val="accent1"/>
+          </a:fillRef>
+          <a:effectRef idx="0">
+            <a:schemeClr val="accent1"/>
+          </a:effectRef>
+          <a:fontRef idx="minor">
+            <a:schemeClr val="lt1"/>
+          </a:fontRef>
+        </p:style>
+        <p:txBody>
+          <a:bodyPr lIns="144000" tIns="72000" rIns="144000" bIns="72000" rtlCol="0" anchor="ctr"/>
+          <a:lstStyle/>
+          <a:p>
+            <a:pPr marL="0" algn="ctr"/>
+            <a:endParaRPr lang="en-US" sz="2000">
+              <a:solidFill>
+                <a:schemeClr val="tx1"/>
+              </a:solidFill>
+              <a:latin typeface="Times New Roman" panose="02020603050405020304" pitchFamily="18" charset="0"/>
+              <a:ea typeface="맑은 고딕" panose="020B0503020000020004" pitchFamily="50" charset="-127"/>
+            </a:endParaRPr>
+          </a:p>
+        </p:txBody>
+      </p:sp>
+      <p:cxnSp>
+        <p:nvCxnSpPr>
+          <p:cNvPr id="43" name="직선 화살표 연결선 42">
+            <a:extLst>
+              <a:ext uri="{FF2B5EF4-FFF2-40B4-BE49-F238E27FC236}">
+                <a16:creationId xmlns:a16="http://schemas.microsoft.com/office/drawing/2014/main" id="{AA4E9EDA-8F0D-9181-28E9-D5D7E7651534}"/>
+              </a:ext>
+            </a:extLst>
+          </p:cNvPr>
+          <p:cNvCxnSpPr>
+            <a:cxnSpLocks/>
+          </p:cNvCxnSpPr>
+          <p:nvPr/>
+        </p:nvCxnSpPr>
+        <p:spPr>
+          <a:xfrm>
+            <a:off x="3662843" y="2578132"/>
+            <a:ext cx="342101" cy="0"/>
+          </a:xfrm>
+          <a:prstGeom prst="straightConnector1">
+            <a:avLst/>
+          </a:prstGeom>
+          <a:ln w="28575">
+            <a:solidFill>
+              <a:schemeClr val="tx1"/>
+            </a:solidFill>
+            <a:tailEnd type="triangle"/>
+          </a:ln>
+        </p:spPr>
+        <p:style>
+          <a:lnRef idx="1">
+            <a:schemeClr val="accent1"/>
+          </a:lnRef>
+          <a:fillRef idx="0">
+            <a:schemeClr val="accent1"/>
+          </a:fillRef>
+          <a:effectRef idx="0">
+            <a:schemeClr val="accent1"/>
+          </a:effectRef>
+          <a:fontRef idx="minor">
+            <a:schemeClr val="tx1"/>
+          </a:fontRef>
+        </p:style>
+      </p:cxnSp>
+      <p:cxnSp>
+        <p:nvCxnSpPr>
+          <p:cNvPr id="48" name="연결선: 꺾임 47">
+            <a:extLst>
+              <a:ext uri="{FF2B5EF4-FFF2-40B4-BE49-F238E27FC236}">
+                <a16:creationId xmlns:a16="http://schemas.microsoft.com/office/drawing/2014/main" id="{006FF428-22BB-61DD-73D1-077C83FE1086}"/>
+              </a:ext>
+            </a:extLst>
+          </p:cNvPr>
+          <p:cNvCxnSpPr>
+            <a:cxnSpLocks/>
+            <a:stCxn id="3" idx="0"/>
+          </p:cNvCxnSpPr>
+          <p:nvPr/>
+        </p:nvCxnSpPr>
+        <p:spPr>
+          <a:xfrm rot="16200000" flipH="1" flipV="1">
+            <a:off x="5343757" y="598434"/>
+            <a:ext cx="301341" cy="3663169"/>
+          </a:xfrm>
+          <a:prstGeom prst="bentConnector4">
+            <a:avLst>
+              <a:gd name="adj1" fmla="val -75861"/>
+              <a:gd name="adj2" fmla="val 99716"/>
+            </a:avLst>
+          </a:prstGeom>
+          <a:ln w="28575">
+            <a:solidFill>
+              <a:schemeClr val="tx1"/>
+            </a:solidFill>
+          </a:ln>
+        </p:spPr>
+        <p:style>
+          <a:lnRef idx="1">
+            <a:schemeClr val="accent1"/>
+          </a:lnRef>
+          <a:fillRef idx="0">
+            <a:schemeClr val="accent1"/>
+          </a:fillRef>
+          <a:effectRef idx="0">
+            <a:schemeClr val="accent1"/>
+          </a:effectRef>
+          <a:fontRef idx="minor">
+            <a:schemeClr val="tx1"/>
+          </a:fontRef>
+        </p:style>
+      </p:cxnSp>
+      <p:cxnSp>
+        <p:nvCxnSpPr>
+          <p:cNvPr id="65" name="직선 화살표 연결선 64">
+            <a:extLst>
+              <a:ext uri="{FF2B5EF4-FFF2-40B4-BE49-F238E27FC236}">
+                <a16:creationId xmlns:a16="http://schemas.microsoft.com/office/drawing/2014/main" id="{61AF18B4-C8FB-9A99-6B93-B64290E85A2D}"/>
+              </a:ext>
+            </a:extLst>
+          </p:cNvPr>
+          <p:cNvCxnSpPr>
+            <a:cxnSpLocks/>
+            <a:stCxn id="27" idx="1"/>
+            <a:endCxn id="16" idx="1"/>
+          </p:cNvCxnSpPr>
+          <p:nvPr/>
+        </p:nvCxnSpPr>
+        <p:spPr>
+          <a:xfrm flipV="1">
+            <a:off x="4004945" y="2677913"/>
+            <a:ext cx="235577" cy="1063"/>
+          </a:xfrm>
+          <a:prstGeom prst="straightConnector1">
+            <a:avLst/>
+          </a:prstGeom>
+          <a:ln w="28575">
+            <a:solidFill>
+              <a:schemeClr val="tx1"/>
+            </a:solidFill>
+            <a:tailEnd type="triangle"/>
+          </a:ln>
+        </p:spPr>
+        <p:style>
+          <a:lnRef idx="1">
+            <a:schemeClr val="accent1"/>
+          </a:lnRef>
+          <a:fillRef idx="0">
+            <a:schemeClr val="accent1"/>
+          </a:fillRef>
+          <a:effectRef idx="0">
+            <a:schemeClr val="accent1"/>
+          </a:effectRef>
+          <a:fontRef idx="minor">
+            <a:schemeClr val="tx1"/>
+          </a:fontRef>
+        </p:style>
+      </p:cxnSp>
+      <p:sp>
+        <p:nvSpPr>
+          <p:cNvPr id="3" name="타원 2">
+            <a:extLst>
+              <a:ext uri="{FF2B5EF4-FFF2-40B4-BE49-F238E27FC236}">
+                <a16:creationId xmlns:a16="http://schemas.microsoft.com/office/drawing/2014/main" id="{EC3D3BEC-33D7-132B-0A55-B600565BF6F2}"/>
+              </a:ext>
+            </a:extLst>
+          </p:cNvPr>
+          <p:cNvSpPr/>
+          <p:nvPr/>
+        </p:nvSpPr>
+        <p:spPr bwMode="auto">
+          <a:xfrm>
+            <a:off x="6444829" y="2279349"/>
+            <a:ext cx="1762365" cy="762057"/>
+          </a:xfrm>
+          <a:prstGeom prst="ellipse">
+            <a:avLst/>
+          </a:prstGeom>
+          <a:solidFill>
+            <a:srgbClr val="F2F2F2"/>
+          </a:solidFill>
+          <a:ln w="28575">
+            <a:solidFill>
+              <a:srgbClr val="595959"/>
+            </a:solidFill>
+          </a:ln>
+          <a:effectLst/>
+        </p:spPr>
+        <p:style>
+          <a:lnRef idx="2">
+            <a:schemeClr val="accent1">
+              <a:shade val="50000"/>
+            </a:schemeClr>
+          </a:lnRef>
+          <a:fillRef idx="1">
+            <a:schemeClr val="accent1"/>
+          </a:fillRef>
+          <a:effectRef idx="0">
+            <a:schemeClr val="accent1"/>
+          </a:effectRef>
+          <a:fontRef idx="minor">
+            <a:schemeClr val="lt1"/>
+          </a:fontRef>
+        </p:style>
+        <p:txBody>
+          <a:bodyPr lIns="144000" tIns="72000" rIns="144000" bIns="72000" rtlCol="0" anchor="ctr"/>
+          <a:lstStyle/>
+          <a:p>
+            <a:pPr algn="ctr"/>
+            <a:r>
+              <a:rPr lang="en-US" altLang="ko-KR" sz="1600" b="1">
+                <a:solidFill>
+                  <a:schemeClr val="tx1"/>
+                </a:solidFill>
+                <a:latin typeface="Times New Roman" panose="02020603050405020304" pitchFamily="18" charset="0"/>
+                <a:cs typeface="Times New Roman" panose="02020603050405020304" pitchFamily="18" charset="0"/>
+              </a:rPr>
+              <a:t>Word</a:t>
+            </a:r>
+          </a:p>
+          <a:p>
+            <a:pPr algn="ctr"/>
+            <a:r>
+              <a:rPr lang="en-US" altLang="ko-KR" sz="1600" b="1">
+                <a:solidFill>
+                  <a:schemeClr val="tx1"/>
+                </a:solidFill>
+                <a:latin typeface="Times New Roman" panose="02020603050405020304" pitchFamily="18" charset="0"/>
+                <a:cs typeface="Times New Roman" panose="02020603050405020304" pitchFamily="18" charset="0"/>
+              </a:rPr>
+              <a:t>Generate</a:t>
+            </a:r>
+            <a:endParaRPr lang="ko-KR" altLang="en-US" sz="1600" b="1" dirty="0">
+              <a:solidFill>
+                <a:schemeClr val="tx1"/>
+              </a:solidFill>
+              <a:latin typeface="Times New Roman" panose="02020603050405020304" pitchFamily="18" charset="0"/>
+              <a:cs typeface="Times New Roman" panose="02020603050405020304" pitchFamily="18" charset="0"/>
+            </a:endParaRPr>
+          </a:p>
+        </p:txBody>
+      </p:sp>
+      <p:sp>
+        <p:nvSpPr>
+          <p:cNvPr id="9" name="타원 8">
+            <a:extLst>
+              <a:ext uri="{FF2B5EF4-FFF2-40B4-BE49-F238E27FC236}">
+                <a16:creationId xmlns:a16="http://schemas.microsoft.com/office/drawing/2014/main" id="{ADD03FF3-30FC-1838-9586-F8EE0C62D737}"/>
+              </a:ext>
+            </a:extLst>
+          </p:cNvPr>
+          <p:cNvSpPr/>
+          <p:nvPr/>
+        </p:nvSpPr>
+        <p:spPr bwMode="auto">
+          <a:xfrm>
+            <a:off x="4057514" y="5164678"/>
+            <a:ext cx="1348474" cy="382005"/>
+          </a:xfrm>
+          <a:prstGeom prst="ellipse">
+            <a:avLst/>
+          </a:prstGeom>
+          <a:solidFill>
+            <a:schemeClr val="bg1"/>
+          </a:solidFill>
+          <a:ln w="6350">
+            <a:solidFill>
+              <a:schemeClr val="tx1"/>
+            </a:solidFill>
+          </a:ln>
+          <a:effectLst/>
+        </p:spPr>
+        <p:style>
+          <a:lnRef idx="2">
+            <a:schemeClr val="accent1">
+              <a:shade val="50000"/>
+            </a:schemeClr>
+          </a:lnRef>
+          <a:fillRef idx="1">
+            <a:schemeClr val="accent1"/>
+          </a:fillRef>
+          <a:effectRef idx="0">
+            <a:schemeClr val="accent1"/>
+          </a:effectRef>
+          <a:fontRef idx="minor">
+            <a:schemeClr val="lt1"/>
+          </a:fontRef>
+        </p:style>
+        <p:txBody>
+          <a:bodyPr lIns="144000" tIns="72000" rIns="144000" bIns="72000" rtlCol="0" anchor="ctr"/>
+          <a:lstStyle/>
+          <a:p>
+            <a:pPr marL="0" algn="ctr"/>
+            <a:r>
+              <a:rPr lang="en-US" altLang="ko-KR" sz="1200" b="1">
+                <a:solidFill>
+                  <a:schemeClr val="tx1"/>
+                </a:solidFill>
+                <a:latin typeface="Times New Roman" panose="02020603050405020304" pitchFamily="18" charset="0"/>
+                <a:cs typeface="Times New Roman" panose="02020603050405020304" pitchFamily="18" charset="0"/>
+              </a:rPr>
+              <a:t>KeyTable</a:t>
+            </a:r>
+            <a:endParaRPr lang="en-US" sz="1200">
+              <a:solidFill>
+                <a:schemeClr val="tx1"/>
+              </a:solidFill>
+              <a:latin typeface="Times New Roman" panose="02020603050405020304" pitchFamily="18" charset="0"/>
+              <a:ea typeface="맑은 고딕" panose="020B0503020000020004" pitchFamily="50" charset="-127"/>
+            </a:endParaRPr>
+          </a:p>
+        </p:txBody>
+      </p:sp>
       <p:grpSp>
         <p:nvGrpSpPr>
-          <p:cNvPr id="66" name="그룹 65">
+          <p:cNvPr id="7" name="그룹 6">
             <a:extLst>
               <a:ext uri="{FF2B5EF4-FFF2-40B4-BE49-F238E27FC236}">
-                <a16:creationId xmlns:a16="http://schemas.microsoft.com/office/drawing/2014/main" id="{E33EA61C-FF2A-6E0D-C634-F555D777B7F9}"/>
+                <a16:creationId xmlns:a16="http://schemas.microsoft.com/office/drawing/2014/main" id="{05C6D4EE-2F35-87FC-5072-55C158F9E739}"/>
               </a:ext>
             </a:extLst>
           </p:cNvPr>
@@ -8016,7 +11508,7 @@
         </p:nvGrpSpPr>
         <p:grpSpPr>
           <a:xfrm>
-            <a:off x="4349413" y="5184564"/>
+            <a:off x="6471974" y="4960548"/>
             <a:ext cx="982790" cy="348157"/>
             <a:chOff x="1578379" y="4195008"/>
             <a:chExt cx="1117960" cy="396042"/>
@@ -8024,10 +11516,10 @@
         </p:grpSpPr>
         <p:sp>
           <p:nvSpPr>
-            <p:cNvPr id="67" name="직사각형 66">
+            <p:cNvPr id="8" name="직사각형 7">
               <a:extLst>
                 <a:ext uri="{FF2B5EF4-FFF2-40B4-BE49-F238E27FC236}">
-                  <a16:creationId xmlns:a16="http://schemas.microsoft.com/office/drawing/2014/main" id="{C9DE380E-033E-776B-0A38-29B42435C096}"/>
+                  <a16:creationId xmlns:a16="http://schemas.microsoft.com/office/drawing/2014/main" id="{D444D1EE-03C2-53D5-97D5-57BE7AE55C4C}"/>
                 </a:ext>
               </a:extLst>
             </p:cNvPr>
@@ -8070,10 +11562,16 @@
                 <a:t> </a:t>
               </a:r>
               <a:r>
-                <a:rPr lang="en-US" altLang="ko-KR" sz="1200" b="1" dirty="0" err="1">
+                <a:rPr lang="en-US" altLang="ko-KR" sz="1200" b="1" err="1">
                   <a:cs typeface="Times New Roman" panose="02020603050405020304" pitchFamily="18" charset="0"/>
                 </a:rPr>
-                <a:t>c_Key</a:t>
+                <a:t>c</a:t>
+              </a:r>
+              <a:r>
+                <a:rPr lang="en-US" altLang="ko-KR" sz="1200" b="1">
+                  <a:cs typeface="Times New Roman" panose="02020603050405020304" pitchFamily="18" charset="0"/>
+                </a:rPr>
+                <a:t>_Digest</a:t>
               </a:r>
               <a:endParaRPr lang="en-US" altLang="ko-KR" sz="1200" b="1" dirty="0">
                 <a:latin typeface="Times New Roman" panose="02020603050405020304" pitchFamily="18" charset="0"/>
@@ -8084,10 +11582,10 @@
         </p:sp>
         <p:sp>
           <p:nvSpPr>
-            <p:cNvPr id="68" name="이등변 삼각형 67">
+            <p:cNvPr id="10" name="이등변 삼각형 9">
               <a:extLst>
                 <a:ext uri="{FF2B5EF4-FFF2-40B4-BE49-F238E27FC236}">
-                  <a16:creationId xmlns:a16="http://schemas.microsoft.com/office/drawing/2014/main" id="{C946E689-16C2-6F63-F609-0E0DE5F2E218}"/>
+                  <a16:creationId xmlns:a16="http://schemas.microsoft.com/office/drawing/2014/main" id="{118EC228-1358-7DA1-E6D3-D8A89CD4215E}"/>
                 </a:ext>
               </a:extLst>
             </p:cNvPr>
@@ -8136,70 +11634,26 @@
       </p:grpSp>
       <p:cxnSp>
         <p:nvCxnSpPr>
-          <p:cNvPr id="86" name="직선 화살표 연결선 85">
+          <p:cNvPr id="11" name="연결선: 꺾임 10">
             <a:extLst>
               <a:ext uri="{FF2B5EF4-FFF2-40B4-BE49-F238E27FC236}">
-                <a16:creationId xmlns:a16="http://schemas.microsoft.com/office/drawing/2014/main" id="{EB71C427-1EB4-3D1B-B696-9D52B88C4EEF}"/>
+                <a16:creationId xmlns:a16="http://schemas.microsoft.com/office/drawing/2014/main" id="{6347770E-110A-BF33-2219-262F0475E578}"/>
               </a:ext>
             </a:extLst>
           </p:cNvPr>
           <p:cNvCxnSpPr>
             <a:cxnSpLocks/>
-            <a:stCxn id="69" idx="3"/>
+            <a:stCxn id="39" idx="4"/>
+            <a:endCxn id="8" idx="3"/>
           </p:cNvCxnSpPr>
           <p:nvPr/>
         </p:nvCxnSpPr>
         <p:spPr>
-          <a:xfrm>
-            <a:off x="3215031" y="2762798"/>
-            <a:ext cx="898970" cy="0"/>
+          <a:xfrm rot="5400000">
+            <a:off x="7336787" y="4434471"/>
+            <a:ext cx="818134" cy="582179"/>
           </a:xfrm>
-          <a:prstGeom prst="straightConnector1">
-            <a:avLst/>
-          </a:prstGeom>
-          <a:ln w="28575">
-            <a:solidFill>
-              <a:schemeClr val="tx1"/>
-            </a:solidFill>
-            <a:tailEnd type="triangle"/>
-          </a:ln>
-        </p:spPr>
-        <p:style>
-          <a:lnRef idx="1">
-            <a:schemeClr val="accent1"/>
-          </a:lnRef>
-          <a:fillRef idx="0">
-            <a:schemeClr val="accent1"/>
-          </a:fillRef>
-          <a:effectRef idx="0">
-            <a:schemeClr val="accent1"/>
-          </a:effectRef>
-          <a:fontRef idx="minor">
-            <a:schemeClr val="tx1"/>
-          </a:fontRef>
-        </p:style>
-      </p:cxnSp>
-      <p:cxnSp>
-        <p:nvCxnSpPr>
-          <p:cNvPr id="99" name="직선 화살표 연결선 98">
-            <a:extLst>
-              <a:ext uri="{FF2B5EF4-FFF2-40B4-BE49-F238E27FC236}">
-                <a16:creationId xmlns:a16="http://schemas.microsoft.com/office/drawing/2014/main" id="{B4858544-B152-BB5E-9344-B4A1CB590665}"/>
-              </a:ext>
-            </a:extLst>
-          </p:cNvPr>
-          <p:cNvCxnSpPr>
-            <a:cxnSpLocks/>
-            <a:stCxn id="16" idx="3"/>
-          </p:cNvCxnSpPr>
-          <p:nvPr/>
-        </p:nvCxnSpPr>
-        <p:spPr>
-          <a:xfrm flipV="1">
-            <a:off x="5332037" y="2671746"/>
-            <a:ext cx="1223102" cy="6167"/>
-          </a:xfrm>
-          <a:prstGeom prst="straightConnector1">
+          <a:prstGeom prst="bentConnector2">
             <a:avLst/>
           </a:prstGeom>
           <a:ln w="28575">
@@ -8226,10 +11680,10 @@
       </p:cxnSp>
       <p:sp>
         <p:nvSpPr>
-          <p:cNvPr id="110" name="타원 109">
+          <p:cNvPr id="14" name="직사각형 13">
             <a:extLst>
               <a:ext uri="{FF2B5EF4-FFF2-40B4-BE49-F238E27FC236}">
-                <a16:creationId xmlns:a16="http://schemas.microsoft.com/office/drawing/2014/main" id="{A1FC2DA4-A62D-C870-82B6-51A4FB33944A}"/>
+                <a16:creationId xmlns:a16="http://schemas.microsoft.com/office/drawing/2014/main" id="{3F64116D-1B60-2833-3057-AFD0F7F94DAD}"/>
               </a:ext>
             </a:extLst>
           </p:cNvPr>
@@ -8238,384 +11692,7 @@
         </p:nvSpPr>
         <p:spPr bwMode="auto">
           <a:xfrm>
-            <a:off x="3962930" y="3988126"/>
-            <a:ext cx="1762365" cy="762057"/>
-          </a:xfrm>
-          <a:prstGeom prst="ellipse">
-            <a:avLst/>
-          </a:prstGeom>
-          <a:solidFill>
-            <a:srgbClr val="F2F2F2"/>
-          </a:solidFill>
-          <a:ln w="28575">
-            <a:solidFill>
-              <a:srgbClr val="595959"/>
-            </a:solidFill>
-          </a:ln>
-          <a:effectLst/>
-        </p:spPr>
-        <p:style>
-          <a:lnRef idx="2">
-            <a:schemeClr val="accent1">
-              <a:shade val="50000"/>
-            </a:schemeClr>
-          </a:lnRef>
-          <a:fillRef idx="1">
-            <a:schemeClr val="accent1"/>
-          </a:fillRef>
-          <a:effectRef idx="0">
-            <a:schemeClr val="accent1"/>
-          </a:effectRef>
-          <a:fontRef idx="minor">
-            <a:schemeClr val="lt1"/>
-          </a:fontRef>
-        </p:style>
-        <p:txBody>
-          <a:bodyPr lIns="144000" tIns="72000" rIns="144000" bIns="72000" rtlCol="0" anchor="ctr"/>
-          <a:lstStyle/>
-          <a:p>
-            <a:pPr algn="ctr"/>
-            <a:r>
-              <a:rPr lang="en-US" altLang="ko-KR" sz="1600" b="1" dirty="0">
-                <a:solidFill>
-                  <a:schemeClr val="tx1"/>
-                </a:solidFill>
-                <a:latin typeface="Times New Roman" panose="02020603050405020304" pitchFamily="18" charset="0"/>
-                <a:cs typeface="Times New Roman" panose="02020603050405020304" pitchFamily="18" charset="0"/>
-              </a:rPr>
-              <a:t>Hash</a:t>
-            </a:r>
-          </a:p>
-          <a:p>
-            <a:pPr algn="ctr"/>
-            <a:r>
-              <a:rPr lang="en-US" altLang="ko-KR" sz="1600" b="1" dirty="0">
-                <a:solidFill>
-                  <a:schemeClr val="tx1"/>
-                </a:solidFill>
-                <a:latin typeface="Times New Roman" panose="02020603050405020304" pitchFamily="18" charset="0"/>
-                <a:cs typeface="Times New Roman" panose="02020603050405020304" pitchFamily="18" charset="0"/>
-              </a:rPr>
-              <a:t>digest</a:t>
-            </a:r>
-            <a:endParaRPr lang="ko-KR" altLang="en-US" sz="1600" b="1" dirty="0">
-              <a:solidFill>
-                <a:schemeClr val="tx1"/>
-              </a:solidFill>
-              <a:latin typeface="Times New Roman" panose="02020603050405020304" pitchFamily="18" charset="0"/>
-              <a:cs typeface="Times New Roman" panose="02020603050405020304" pitchFamily="18" charset="0"/>
-            </a:endParaRPr>
-          </a:p>
-        </p:txBody>
-      </p:sp>
-      <p:cxnSp>
-        <p:nvCxnSpPr>
-          <p:cNvPr id="111" name="직선 화살표 연결선 110">
-            <a:extLst>
-              <a:ext uri="{FF2B5EF4-FFF2-40B4-BE49-F238E27FC236}">
-                <a16:creationId xmlns:a16="http://schemas.microsoft.com/office/drawing/2014/main" id="{B513D084-8822-855A-C6FF-A4B3E86C16F7}"/>
-              </a:ext>
-            </a:extLst>
-          </p:cNvPr>
-          <p:cNvCxnSpPr>
-            <a:cxnSpLocks/>
-            <a:stCxn id="35" idx="3"/>
-            <a:endCxn id="88" idx="1"/>
-          </p:cNvCxnSpPr>
-          <p:nvPr/>
-        </p:nvCxnSpPr>
-        <p:spPr>
-          <a:xfrm flipV="1">
-            <a:off x="7765891" y="4139721"/>
-            <a:ext cx="1332752" cy="1"/>
-          </a:xfrm>
-          <a:prstGeom prst="straightConnector1">
-            <a:avLst/>
-          </a:prstGeom>
-          <a:ln w="28575">
-            <a:solidFill>
-              <a:schemeClr val="tx1"/>
-            </a:solidFill>
-            <a:tailEnd type="triangle"/>
-          </a:ln>
-        </p:spPr>
-        <p:style>
-          <a:lnRef idx="1">
-            <a:schemeClr val="accent1"/>
-          </a:lnRef>
-          <a:fillRef idx="0">
-            <a:schemeClr val="accent1"/>
-          </a:fillRef>
-          <a:effectRef idx="0">
-            <a:schemeClr val="accent1"/>
-          </a:effectRef>
-          <a:fontRef idx="minor">
-            <a:schemeClr val="tx1"/>
-          </a:fontRef>
-        </p:style>
-      </p:cxnSp>
-      <p:cxnSp>
-        <p:nvCxnSpPr>
-          <p:cNvPr id="120" name="직선 화살표 연결선 119">
-            <a:extLst>
-              <a:ext uri="{FF2B5EF4-FFF2-40B4-BE49-F238E27FC236}">
-                <a16:creationId xmlns:a16="http://schemas.microsoft.com/office/drawing/2014/main" id="{32A4A7EF-F472-A7EB-8D37-AF927E245067}"/>
-              </a:ext>
-            </a:extLst>
-          </p:cNvPr>
-          <p:cNvCxnSpPr>
-            <a:cxnSpLocks/>
-            <a:stCxn id="67" idx="0"/>
-            <a:endCxn id="110" idx="4"/>
-          </p:cNvCxnSpPr>
-          <p:nvPr/>
-        </p:nvCxnSpPr>
-        <p:spPr>
-          <a:xfrm flipV="1">
-            <a:off x="4840974" y="4750183"/>
-            <a:ext cx="3139" cy="434381"/>
-          </a:xfrm>
-          <a:prstGeom prst="straightConnector1">
-            <a:avLst/>
-          </a:prstGeom>
-          <a:ln w="28575">
-            <a:solidFill>
-              <a:schemeClr val="tx1"/>
-            </a:solidFill>
-            <a:tailEnd type="triangle"/>
-          </a:ln>
-        </p:spPr>
-        <p:style>
-          <a:lnRef idx="1">
-            <a:schemeClr val="accent1"/>
-          </a:lnRef>
-          <a:fillRef idx="0">
-            <a:schemeClr val="accent1"/>
-          </a:fillRef>
-          <a:effectRef idx="0">
-            <a:schemeClr val="accent1"/>
-          </a:effectRef>
-          <a:fontRef idx="minor">
-            <a:schemeClr val="tx1"/>
-          </a:fontRef>
-        </p:style>
-      </p:cxnSp>
-      <p:cxnSp>
-        <p:nvCxnSpPr>
-          <p:cNvPr id="123" name="연결선: 꺾임 122">
-            <a:extLst>
-              <a:ext uri="{FF2B5EF4-FFF2-40B4-BE49-F238E27FC236}">
-                <a16:creationId xmlns:a16="http://schemas.microsoft.com/office/drawing/2014/main" id="{A7E52BCC-04A8-361D-A68A-5840E1CB8309}"/>
-              </a:ext>
-            </a:extLst>
-          </p:cNvPr>
-          <p:cNvCxnSpPr>
-            <a:cxnSpLocks/>
-            <a:stCxn id="39" idx="0"/>
-            <a:endCxn id="110" idx="0"/>
-          </p:cNvCxnSpPr>
-          <p:nvPr/>
-        </p:nvCxnSpPr>
-        <p:spPr>
-          <a:xfrm rot="16200000" flipV="1">
-            <a:off x="6446958" y="2385282"/>
-            <a:ext cx="78539" cy="3284227"/>
-          </a:xfrm>
-          <a:prstGeom prst="bentConnector3">
-            <a:avLst>
-              <a:gd name="adj1" fmla="val 391066"/>
-            </a:avLst>
-          </a:prstGeom>
-          <a:ln w="28575">
-            <a:solidFill>
-              <a:schemeClr val="tx1"/>
-            </a:solidFill>
-            <a:tailEnd type="triangle"/>
-          </a:ln>
-        </p:spPr>
-        <p:style>
-          <a:lnRef idx="1">
-            <a:schemeClr val="accent1"/>
-          </a:lnRef>
-          <a:fillRef idx="0">
-            <a:schemeClr val="accent1"/>
-          </a:fillRef>
-          <a:effectRef idx="0">
-            <a:schemeClr val="accent1"/>
-          </a:effectRef>
-          <a:fontRef idx="minor">
-            <a:schemeClr val="tx1"/>
-          </a:fontRef>
-        </p:style>
-      </p:cxnSp>
-      <p:cxnSp>
-        <p:nvCxnSpPr>
-          <p:cNvPr id="126" name="직선 화살표 연결선 125">
-            <a:extLst>
-              <a:ext uri="{FF2B5EF4-FFF2-40B4-BE49-F238E27FC236}">
-                <a16:creationId xmlns:a16="http://schemas.microsoft.com/office/drawing/2014/main" id="{60D9BE5B-94A9-36C2-3786-A8CA5EA3C1E2}"/>
-              </a:ext>
-            </a:extLst>
-          </p:cNvPr>
-          <p:cNvCxnSpPr>
-            <a:cxnSpLocks/>
-            <a:stCxn id="110" idx="6"/>
-            <a:endCxn id="63" idx="1"/>
-          </p:cNvCxnSpPr>
-          <p:nvPr/>
-        </p:nvCxnSpPr>
-        <p:spPr>
-          <a:xfrm flipV="1">
-            <a:off x="5725295" y="4366396"/>
-            <a:ext cx="856068" cy="2759"/>
-          </a:xfrm>
-          <a:prstGeom prst="straightConnector1">
-            <a:avLst/>
-          </a:prstGeom>
-          <a:ln w="28575">
-            <a:solidFill>
-              <a:schemeClr val="tx1"/>
-            </a:solidFill>
-            <a:tailEnd type="triangle"/>
-          </a:ln>
-        </p:spPr>
-        <p:style>
-          <a:lnRef idx="1">
-            <a:schemeClr val="accent1"/>
-          </a:lnRef>
-          <a:fillRef idx="0">
-            <a:schemeClr val="accent1"/>
-          </a:fillRef>
-          <a:effectRef idx="0">
-            <a:schemeClr val="accent1"/>
-          </a:effectRef>
-          <a:fontRef idx="minor">
-            <a:schemeClr val="tx1"/>
-          </a:fontRef>
-        </p:style>
-      </p:cxnSp>
-      <p:sp>
-        <p:nvSpPr>
-          <p:cNvPr id="4" name="타원 3">
-            <a:extLst>
-              <a:ext uri="{FF2B5EF4-FFF2-40B4-BE49-F238E27FC236}">
-                <a16:creationId xmlns:a16="http://schemas.microsoft.com/office/drawing/2014/main" id="{3868984B-AE50-816A-27FA-9BA911E48672}"/>
-              </a:ext>
-            </a:extLst>
-          </p:cNvPr>
-          <p:cNvSpPr/>
-          <p:nvPr/>
-        </p:nvSpPr>
-        <p:spPr bwMode="auto">
-          <a:xfrm>
-            <a:off x="5751831" y="2589970"/>
-            <a:ext cx="165272" cy="165272"/>
-          </a:xfrm>
-          <a:prstGeom prst="ellipse">
-            <a:avLst/>
-          </a:prstGeom>
-          <a:solidFill>
-            <a:schemeClr val="tx1"/>
-          </a:solidFill>
-          <a:ln>
-            <a:noFill/>
-          </a:ln>
-          <a:effectLst/>
-        </p:spPr>
-        <p:style>
-          <a:lnRef idx="2">
-            <a:schemeClr val="accent1">
-              <a:shade val="50000"/>
-            </a:schemeClr>
-          </a:lnRef>
-          <a:fillRef idx="1">
-            <a:schemeClr val="accent1"/>
-          </a:fillRef>
-          <a:effectRef idx="0">
-            <a:schemeClr val="accent1"/>
-          </a:effectRef>
-          <a:fontRef idx="minor">
-            <a:schemeClr val="lt1"/>
-          </a:fontRef>
-        </p:style>
-        <p:txBody>
-          <a:bodyPr lIns="144000" tIns="72000" rIns="144000" bIns="72000" rtlCol="0" anchor="ctr"/>
-          <a:lstStyle/>
-          <a:p>
-            <a:pPr marL="0" algn="ctr"/>
-            <a:endParaRPr lang="en-US" sz="2000">
-              <a:solidFill>
-                <a:schemeClr val="tx1"/>
-              </a:solidFill>
-              <a:latin typeface="Times New Roman" panose="02020603050405020304" pitchFamily="18" charset="0"/>
-              <a:ea typeface="맑은 고딕" panose="020B0503020000020004" pitchFamily="50" charset="-127"/>
-            </a:endParaRPr>
-          </a:p>
-        </p:txBody>
-      </p:sp>
-      <p:cxnSp>
-        <p:nvCxnSpPr>
-          <p:cNvPr id="5" name="연결선: 꺾임 4">
-            <a:extLst>
-              <a:ext uri="{FF2B5EF4-FFF2-40B4-BE49-F238E27FC236}">
-                <a16:creationId xmlns:a16="http://schemas.microsoft.com/office/drawing/2014/main" id="{F481ED60-622D-98C5-4969-6B5C7B3BC8F9}"/>
-              </a:ext>
-            </a:extLst>
-          </p:cNvPr>
-          <p:cNvCxnSpPr>
-            <a:cxnSpLocks/>
-            <a:stCxn id="4" idx="4"/>
-            <a:endCxn id="110" idx="0"/>
-          </p:cNvCxnSpPr>
-          <p:nvPr/>
-        </p:nvCxnSpPr>
-        <p:spPr>
-          <a:xfrm rot="5400000">
-            <a:off x="4722848" y="2876507"/>
-            <a:ext cx="1232884" cy="990354"/>
-          </a:xfrm>
-          <a:prstGeom prst="bentConnector3">
-            <a:avLst>
-              <a:gd name="adj1" fmla="val 50000"/>
-            </a:avLst>
-          </a:prstGeom>
-          <a:ln w="28575">
-            <a:solidFill>
-              <a:schemeClr val="tx1"/>
-            </a:solidFill>
-            <a:tailEnd type="triangle"/>
-          </a:ln>
-        </p:spPr>
-        <p:style>
-          <a:lnRef idx="1">
-            <a:schemeClr val="accent1"/>
-          </a:lnRef>
-          <a:fillRef idx="0">
-            <a:schemeClr val="accent1"/>
-          </a:fillRef>
-          <a:effectRef idx="0">
-            <a:schemeClr val="accent1"/>
-          </a:effectRef>
-          <a:fontRef idx="minor">
-            <a:schemeClr val="tx1"/>
-          </a:fontRef>
-        </p:style>
-      </p:cxnSp>
-      <p:sp>
-        <p:nvSpPr>
-          <p:cNvPr id="27" name="직사각형 26">
-            <a:extLst>
-              <a:ext uri="{FF2B5EF4-FFF2-40B4-BE49-F238E27FC236}">
-                <a16:creationId xmlns:a16="http://schemas.microsoft.com/office/drawing/2014/main" id="{19AC4980-55E8-C34C-3A36-9948E494450F}"/>
-              </a:ext>
-            </a:extLst>
-          </p:cNvPr>
-          <p:cNvSpPr/>
-          <p:nvPr/>
-        </p:nvSpPr>
-        <p:spPr bwMode="auto">
-          <a:xfrm>
-            <a:off x="4114002" y="2467838"/>
+            <a:off x="6162600" y="4250575"/>
             <a:ext cx="92075" cy="422275"/>
           </a:xfrm>
           <a:prstGeom prst="rect">
@@ -8662,10 +11739,56 @@
       </p:sp>
       <p:cxnSp>
         <p:nvCxnSpPr>
-          <p:cNvPr id="43" name="직선 화살표 연결선 42">
+          <p:cNvPr id="30" name="연결선: 꺾임 29">
             <a:extLst>
               <a:ext uri="{FF2B5EF4-FFF2-40B4-BE49-F238E27FC236}">
-                <a16:creationId xmlns:a16="http://schemas.microsoft.com/office/drawing/2014/main" id="{AA4E9EDA-8F0D-9181-28E9-D5D7E7651534}"/>
+                <a16:creationId xmlns:a16="http://schemas.microsoft.com/office/drawing/2014/main" id="{54368932-EFF0-F792-681D-04655009C0C5}"/>
+              </a:ext>
+            </a:extLst>
+          </p:cNvPr>
+          <p:cNvCxnSpPr>
+            <a:cxnSpLocks/>
+            <a:stCxn id="8" idx="1"/>
+          </p:cNvCxnSpPr>
+          <p:nvPr/>
+        </p:nvCxnSpPr>
+        <p:spPr>
+          <a:xfrm rot="10800000">
+            <a:off x="5863840" y="4597401"/>
+            <a:ext cx="608467" cy="537227"/>
+          </a:xfrm>
+          <a:prstGeom prst="bentConnector3">
+            <a:avLst>
+              <a:gd name="adj1" fmla="val 97745"/>
+            </a:avLst>
+          </a:prstGeom>
+          <a:ln w="28575">
+            <a:solidFill>
+              <a:schemeClr val="tx1"/>
+            </a:solidFill>
+          </a:ln>
+        </p:spPr>
+        <p:style>
+          <a:lnRef idx="1">
+            <a:schemeClr val="accent1"/>
+          </a:lnRef>
+          <a:fillRef idx="0">
+            <a:schemeClr val="accent1"/>
+          </a:fillRef>
+          <a:effectRef idx="0">
+            <a:schemeClr val="accent1"/>
+          </a:effectRef>
+          <a:fontRef idx="minor">
+            <a:schemeClr val="tx1"/>
+          </a:fontRef>
+        </p:style>
+      </p:cxnSp>
+      <p:cxnSp>
+        <p:nvCxnSpPr>
+          <p:cNvPr id="46" name="직선 화살표 연결선 45">
+            <a:extLst>
+              <a:ext uri="{FF2B5EF4-FFF2-40B4-BE49-F238E27FC236}">
+                <a16:creationId xmlns:a16="http://schemas.microsoft.com/office/drawing/2014/main" id="{043A5DDB-6E35-7FB3-2944-11BF118D5147}"/>
               </a:ext>
             </a:extLst>
           </p:cNvPr>
@@ -8676,8 +11799,8 @@
         </p:nvCxnSpPr>
         <p:spPr>
           <a:xfrm>
-            <a:off x="3771900" y="2578132"/>
-            <a:ext cx="342101" cy="0"/>
+            <a:off x="5887102" y="4597400"/>
+            <a:ext cx="270865" cy="0"/>
           </a:xfrm>
           <a:prstGeom prst="straightConnector1">
             <a:avLst/>
@@ -8706,71 +11829,24 @@
       </p:cxnSp>
       <p:cxnSp>
         <p:nvCxnSpPr>
-          <p:cNvPr id="48" name="연결선: 꺾임 47">
+          <p:cNvPr id="60" name="직선 화살표 연결선 59">
             <a:extLst>
               <a:ext uri="{FF2B5EF4-FFF2-40B4-BE49-F238E27FC236}">
-                <a16:creationId xmlns:a16="http://schemas.microsoft.com/office/drawing/2014/main" id="{006FF428-22BB-61DD-73D1-077C83FE1086}"/>
+                <a16:creationId xmlns:a16="http://schemas.microsoft.com/office/drawing/2014/main" id="{23374171-3905-F085-6527-29D75E44F43C}"/>
               </a:ext>
             </a:extLst>
           </p:cNvPr>
           <p:cNvCxnSpPr>
             <a:cxnSpLocks/>
-            <a:stCxn id="3" idx="0"/>
-          </p:cNvCxnSpPr>
-          <p:nvPr/>
-        </p:nvCxnSpPr>
-        <p:spPr>
-          <a:xfrm rot="16200000" flipH="1" flipV="1">
-            <a:off x="5452814" y="598434"/>
-            <a:ext cx="301341" cy="3663169"/>
-          </a:xfrm>
-          <a:prstGeom prst="bentConnector4">
-            <a:avLst>
-              <a:gd name="adj1" fmla="val -75861"/>
-              <a:gd name="adj2" fmla="val 99716"/>
-            </a:avLst>
-          </a:prstGeom>
-          <a:ln w="28575">
-            <a:solidFill>
-              <a:schemeClr val="tx1"/>
-            </a:solidFill>
-          </a:ln>
-        </p:spPr>
-        <p:style>
-          <a:lnRef idx="1">
-            <a:schemeClr val="accent1"/>
-          </a:lnRef>
-          <a:fillRef idx="0">
-            <a:schemeClr val="accent1"/>
-          </a:fillRef>
-          <a:effectRef idx="0">
-            <a:schemeClr val="accent1"/>
-          </a:effectRef>
-          <a:fontRef idx="minor">
-            <a:schemeClr val="tx1"/>
-          </a:fontRef>
-        </p:style>
-      </p:cxnSp>
-      <p:cxnSp>
-        <p:nvCxnSpPr>
-          <p:cNvPr id="65" name="직선 화살표 연결선 64">
-            <a:extLst>
-              <a:ext uri="{FF2B5EF4-FFF2-40B4-BE49-F238E27FC236}">
-                <a16:creationId xmlns:a16="http://schemas.microsoft.com/office/drawing/2014/main" id="{61AF18B4-C8FB-9A99-6B93-B64290E85A2D}"/>
-              </a:ext>
-            </a:extLst>
-          </p:cNvPr>
-          <p:cNvCxnSpPr>
-            <a:cxnSpLocks/>
-            <a:stCxn id="27" idx="1"/>
-            <a:endCxn id="16" idx="1"/>
+            <a:stCxn id="14" idx="3"/>
+            <a:endCxn id="63" idx="1"/>
           </p:cNvCxnSpPr>
           <p:nvPr/>
         </p:nvCxnSpPr>
         <p:spPr>
           <a:xfrm flipV="1">
-            <a:off x="4114002" y="2677913"/>
-            <a:ext cx="235577" cy="1063"/>
+            <a:off x="6254675" y="4460361"/>
+            <a:ext cx="217631" cy="1352"/>
           </a:xfrm>
           <a:prstGeom prst="straightConnector1">
             <a:avLst/>
@@ -8797,90 +11873,6 @@
           </a:fontRef>
         </p:style>
       </p:cxnSp>
-      <p:sp>
-        <p:nvSpPr>
-          <p:cNvPr id="3" name="타원 2">
-            <a:extLst>
-              <a:ext uri="{FF2B5EF4-FFF2-40B4-BE49-F238E27FC236}">
-                <a16:creationId xmlns:a16="http://schemas.microsoft.com/office/drawing/2014/main" id="{EC3D3BEC-33D7-132B-0A55-B600565BF6F2}"/>
-              </a:ext>
-            </a:extLst>
-          </p:cNvPr>
-          <p:cNvSpPr/>
-          <p:nvPr/>
-        </p:nvSpPr>
-        <p:spPr bwMode="auto">
-          <a:xfrm>
-            <a:off x="6553886" y="2279349"/>
-            <a:ext cx="1762365" cy="762057"/>
-          </a:xfrm>
-          <a:prstGeom prst="ellipse">
-            <a:avLst/>
-          </a:prstGeom>
-          <a:solidFill>
-            <a:srgbClr val="F2F2F2"/>
-          </a:solidFill>
-          <a:ln w="28575">
-            <a:solidFill>
-              <a:srgbClr val="595959"/>
-            </a:solidFill>
-          </a:ln>
-          <a:effectLst/>
-        </p:spPr>
-        <p:style>
-          <a:lnRef idx="2">
-            <a:schemeClr val="accent1">
-              <a:shade val="50000"/>
-            </a:schemeClr>
-          </a:lnRef>
-          <a:fillRef idx="1">
-            <a:schemeClr val="accent1"/>
-          </a:fillRef>
-          <a:effectRef idx="0">
-            <a:schemeClr val="accent1"/>
-          </a:effectRef>
-          <a:fontRef idx="minor">
-            <a:schemeClr val="lt1"/>
-          </a:fontRef>
-        </p:style>
-        <p:txBody>
-          <a:bodyPr lIns="144000" tIns="72000" rIns="144000" bIns="72000" rtlCol="0" anchor="ctr"/>
-          <a:lstStyle/>
-          <a:p>
-            <a:pPr algn="ctr"/>
-            <a:r>
-              <a:rPr lang="en-US" altLang="ko-KR" sz="1600" b="1">
-                <a:solidFill>
-                  <a:schemeClr val="tx1"/>
-                </a:solidFill>
-                <a:latin typeface="Times New Roman" panose="02020603050405020304" pitchFamily="18" charset="0"/>
-                <a:cs typeface="Times New Roman" panose="02020603050405020304" pitchFamily="18" charset="0"/>
-              </a:rPr>
-              <a:t>Word</a:t>
-            </a:r>
-          </a:p>
-          <a:p>
-            <a:pPr algn="ctr"/>
-            <a:r>
-              <a:rPr lang="en-US" altLang="ko-KR" sz="1600" b="1">
-                <a:solidFill>
-                  <a:schemeClr val="tx1"/>
-                </a:solidFill>
-                <a:latin typeface="Times New Roman" panose="02020603050405020304" pitchFamily="18" charset="0"/>
-                <a:cs typeface="Times New Roman" panose="02020603050405020304" pitchFamily="18" charset="0"/>
-              </a:rPr>
-              <a:t>Generate</a:t>
-            </a:r>
-            <a:endParaRPr lang="ko-KR" altLang="en-US" sz="1600" b="1" dirty="0">
-              <a:solidFill>
-                <a:schemeClr val="tx1"/>
-              </a:solidFill>
-              <a:latin typeface="Times New Roman" panose="02020603050405020304" pitchFamily="18" charset="0"/>
-              <a:cs typeface="Times New Roman" panose="02020603050405020304" pitchFamily="18" charset="0"/>
-            </a:endParaRPr>
-          </a:p>
-        </p:txBody>
-      </p:sp>
     </p:spTree>
     <p:extLst>
       <p:ext uri="{BB962C8B-B14F-4D97-AF65-F5344CB8AC3E}">
@@ -8981,7 +11973,7 @@
         </p:nvSpPr>
         <p:spPr>
           <a:xfrm>
-            <a:off x="2172487" y="3447383"/>
+            <a:off x="902487" y="3676133"/>
             <a:ext cx="2068666" cy="761266"/>
           </a:xfrm>
           <a:prstGeom prst="rect">
@@ -9056,7 +12048,7 @@
         </p:nvSpPr>
         <p:spPr>
           <a:xfrm>
-            <a:off x="5168468" y="2279365"/>
+            <a:off x="3392399" y="4192523"/>
             <a:ext cx="1149674" cy="477054"/>
           </a:xfrm>
           <a:prstGeom prst="rect">
@@ -9098,7 +12090,7 @@
         </p:nvSpPr>
         <p:spPr>
           <a:xfrm>
-            <a:off x="7197247" y="3447383"/>
+            <a:off x="4963319" y="3676133"/>
             <a:ext cx="2068666" cy="761266"/>
           </a:xfrm>
           <a:prstGeom prst="rect">
@@ -9170,19 +12162,19 @@
           </p:cNvPr>
           <p:cNvCxnSpPr>
             <a:cxnSpLocks/>
-            <a:stCxn id="3" idx="0"/>
-            <a:endCxn id="2" idx="0"/>
+            <a:stCxn id="16" idx="0"/>
+            <a:endCxn id="3" idx="0"/>
           </p:cNvCxnSpPr>
           <p:nvPr/>
         </p:nvCxnSpPr>
         <p:spPr>
-          <a:xfrm rot="5400000" flipH="1" flipV="1">
-            <a:off x="5719200" y="935003"/>
-            <a:ext cx="12700" cy="5024760"/>
+          <a:xfrm rot="16200000" flipV="1">
+            <a:off x="5997653" y="-384700"/>
+            <a:ext cx="12700" cy="8121665"/>
           </a:xfrm>
           <a:prstGeom prst="bentConnector3">
             <a:avLst>
-              <a:gd name="adj1" fmla="val 3966992"/>
+              <a:gd name="adj1" fmla="val 5899984"/>
             </a:avLst>
           </a:prstGeom>
           <a:ln w="57150">
@@ -9221,7 +12213,7 @@
         </p:nvSpPr>
         <p:spPr>
           <a:xfrm>
-            <a:off x="4964887" y="4871115"/>
+            <a:off x="7249650" y="4192523"/>
             <a:ext cx="1556836" cy="477054"/>
           </a:xfrm>
           <a:prstGeom prst="rect">
@@ -9249,54 +12241,6 @@
           </a:p>
         </p:txBody>
       </p:sp>
-      <p:cxnSp>
-        <p:nvCxnSpPr>
-          <p:cNvPr id="15" name="연결선: 꺾임 14">
-            <a:extLst>
-              <a:ext uri="{FF2B5EF4-FFF2-40B4-BE49-F238E27FC236}">
-                <a16:creationId xmlns:a16="http://schemas.microsoft.com/office/drawing/2014/main" id="{FF7F4183-FF2A-CC38-F3B6-53C39BA33B01}"/>
-              </a:ext>
-            </a:extLst>
-          </p:cNvPr>
-          <p:cNvCxnSpPr>
-            <a:cxnSpLocks/>
-            <a:stCxn id="2" idx="2"/>
-            <a:endCxn id="3" idx="2"/>
-          </p:cNvCxnSpPr>
-          <p:nvPr/>
-        </p:nvCxnSpPr>
-        <p:spPr>
-          <a:xfrm rot="5400000">
-            <a:off x="5719200" y="1696269"/>
-            <a:ext cx="12700" cy="5024760"/>
-          </a:xfrm>
-          <a:prstGeom prst="bentConnector3">
-            <a:avLst>
-              <a:gd name="adj1" fmla="val 4246598"/>
-            </a:avLst>
-          </a:prstGeom>
-          <a:ln w="57150">
-            <a:solidFill>
-              <a:schemeClr val="tx1"/>
-            </a:solidFill>
-            <a:tailEnd type="triangle"/>
-          </a:ln>
-        </p:spPr>
-        <p:style>
-          <a:lnRef idx="1">
-            <a:schemeClr val="accent1"/>
-          </a:lnRef>
-          <a:fillRef idx="0">
-            <a:schemeClr val="accent1"/>
-          </a:fillRef>
-          <a:effectRef idx="0">
-            <a:schemeClr val="accent1"/>
-          </a:effectRef>
-          <a:fontRef idx="minor">
-            <a:schemeClr val="tx1"/>
-          </a:fontRef>
-        </p:style>
-      </p:cxnSp>
       <p:sp>
         <p:nvSpPr>
           <p:cNvPr id="25" name="직사각형 24">
@@ -9311,7 +12255,7 @@
         </p:nvSpPr>
         <p:spPr bwMode="auto">
           <a:xfrm>
-            <a:off x="7572653" y="1218825"/>
+            <a:off x="8189820" y="1218825"/>
             <a:ext cx="2902998" cy="761267"/>
           </a:xfrm>
           <a:prstGeom prst="rect">
@@ -9370,7 +12314,7 @@
         </p:nvSpPr>
         <p:spPr>
           <a:xfrm>
-            <a:off x="7768973" y="1405065"/>
+            <a:off x="8386140" y="1405065"/>
             <a:ext cx="2430474" cy="369332"/>
           </a:xfrm>
           <a:prstGeom prst="rect">
@@ -9412,6 +12356,172 @@
           </a:p>
         </p:txBody>
       </p:sp>
+      <p:sp>
+        <p:nvSpPr>
+          <p:cNvPr id="16" name="직사각형 15">
+            <a:extLst>
+              <a:ext uri="{FF2B5EF4-FFF2-40B4-BE49-F238E27FC236}">
+                <a16:creationId xmlns:a16="http://schemas.microsoft.com/office/drawing/2014/main" id="{25724A0E-1E61-95A5-A131-490DE32AAD37}"/>
+              </a:ext>
+            </a:extLst>
+          </p:cNvPr>
+          <p:cNvSpPr/>
+          <p:nvPr/>
+        </p:nvSpPr>
+        <p:spPr>
+          <a:xfrm>
+            <a:off x="9024152" y="3676133"/>
+            <a:ext cx="2068666" cy="761266"/>
+          </a:xfrm>
+          <a:prstGeom prst="rect">
+            <a:avLst/>
+          </a:prstGeom>
+          <a:solidFill>
+            <a:schemeClr val="bg1">
+              <a:lumMod val="95000"/>
+            </a:schemeClr>
+          </a:solidFill>
+          <a:ln w="28575">
+            <a:solidFill>
+              <a:schemeClr val="tx1">
+                <a:lumMod val="65000"/>
+                <a:lumOff val="35000"/>
+              </a:schemeClr>
+            </a:solidFill>
+          </a:ln>
+        </p:spPr>
+        <p:style>
+          <a:lnRef idx="2">
+            <a:schemeClr val="accent1">
+              <a:shade val="50000"/>
+            </a:schemeClr>
+          </a:lnRef>
+          <a:fillRef idx="1">
+            <a:schemeClr val="accent1"/>
+          </a:fillRef>
+          <a:effectRef idx="0">
+            <a:schemeClr val="accent1"/>
+          </a:effectRef>
+          <a:fontRef idx="minor">
+            <a:schemeClr val="lt1"/>
+          </a:fontRef>
+        </p:style>
+        <p:txBody>
+          <a:bodyPr rtlCol="0" anchor="ctr"/>
+          <a:lstStyle/>
+          <a:p>
+            <a:pPr algn="ctr"/>
+            <a:r>
+              <a:rPr lang="en-US" altLang="ko-KR" sz="2300" b="1">
+                <a:solidFill>
+                  <a:schemeClr val="tx1"/>
+                </a:solidFill>
+                <a:latin typeface="Times New Roman" panose="02020603050405020304" pitchFamily="18" charset="0"/>
+                <a:cs typeface="Times New Roman" panose="02020603050405020304" pitchFamily="18" charset="0"/>
+              </a:rPr>
+              <a:t>DONE</a:t>
+            </a:r>
+            <a:endParaRPr lang="ko-KR" altLang="en-US" sz="2300" b="1" dirty="0">
+              <a:solidFill>
+                <a:schemeClr val="tx1"/>
+              </a:solidFill>
+              <a:latin typeface="Times New Roman" panose="02020603050405020304" pitchFamily="18" charset="0"/>
+              <a:cs typeface="Times New Roman" panose="02020603050405020304" pitchFamily="18" charset="0"/>
+            </a:endParaRPr>
+          </a:p>
+        </p:txBody>
+      </p:sp>
+      <p:cxnSp>
+        <p:nvCxnSpPr>
+          <p:cNvPr id="27" name="직선 화살표 연결선 26">
+            <a:extLst>
+              <a:ext uri="{FF2B5EF4-FFF2-40B4-BE49-F238E27FC236}">
+                <a16:creationId xmlns:a16="http://schemas.microsoft.com/office/drawing/2014/main" id="{D391F459-B37B-BF05-9EF6-C9A6A7EDA10D}"/>
+              </a:ext>
+            </a:extLst>
+          </p:cNvPr>
+          <p:cNvCxnSpPr>
+            <a:stCxn id="3" idx="3"/>
+            <a:endCxn id="2" idx="1"/>
+          </p:cNvCxnSpPr>
+          <p:nvPr/>
+        </p:nvCxnSpPr>
+        <p:spPr>
+          <a:xfrm>
+            <a:off x="2971153" y="4056766"/>
+            <a:ext cx="1992166" cy="0"/>
+          </a:xfrm>
+          <a:prstGeom prst="straightConnector1">
+            <a:avLst/>
+          </a:prstGeom>
+          <a:ln w="57150">
+            <a:solidFill>
+              <a:schemeClr val="tx1"/>
+            </a:solidFill>
+            <a:tailEnd type="triangle"/>
+          </a:ln>
+        </p:spPr>
+        <p:style>
+          <a:lnRef idx="1">
+            <a:schemeClr val="accent1"/>
+          </a:lnRef>
+          <a:fillRef idx="0">
+            <a:schemeClr val="accent1"/>
+          </a:fillRef>
+          <a:effectRef idx="0">
+            <a:schemeClr val="accent1"/>
+          </a:effectRef>
+          <a:fontRef idx="minor">
+            <a:schemeClr val="tx1"/>
+          </a:fontRef>
+        </p:style>
+      </p:cxnSp>
+      <p:cxnSp>
+        <p:nvCxnSpPr>
+          <p:cNvPr id="28" name="직선 화살표 연결선 27">
+            <a:extLst>
+              <a:ext uri="{FF2B5EF4-FFF2-40B4-BE49-F238E27FC236}">
+                <a16:creationId xmlns:a16="http://schemas.microsoft.com/office/drawing/2014/main" id="{12A9918D-7DFC-1252-A2D6-D455E7ACDB97}"/>
+              </a:ext>
+            </a:extLst>
+          </p:cNvPr>
+          <p:cNvCxnSpPr>
+            <a:cxnSpLocks/>
+            <a:stCxn id="2" idx="3"/>
+            <a:endCxn id="16" idx="1"/>
+          </p:cNvCxnSpPr>
+          <p:nvPr/>
+        </p:nvCxnSpPr>
+        <p:spPr>
+          <a:xfrm>
+            <a:off x="7031985" y="4056766"/>
+            <a:ext cx="1992167" cy="0"/>
+          </a:xfrm>
+          <a:prstGeom prst="straightConnector1">
+            <a:avLst/>
+          </a:prstGeom>
+          <a:ln w="57150">
+            <a:solidFill>
+              <a:schemeClr val="tx1"/>
+            </a:solidFill>
+            <a:tailEnd type="triangle"/>
+          </a:ln>
+        </p:spPr>
+        <p:style>
+          <a:lnRef idx="1">
+            <a:schemeClr val="accent1"/>
+          </a:lnRef>
+          <a:fillRef idx="0">
+            <a:schemeClr val="accent1"/>
+          </a:fillRef>
+          <a:effectRef idx="0">
+            <a:schemeClr val="accent1"/>
+          </a:effectRef>
+          <a:fontRef idx="minor">
+            <a:schemeClr val="tx1"/>
+          </a:fontRef>
+        </p:style>
+      </p:cxnSp>
     </p:spTree>
     <p:extLst>
       <p:ext uri="{BB962C8B-B14F-4D97-AF65-F5344CB8AC3E}">
@@ -9512,42 +12622,49 @@
           <p:nvPr>
             <p:extLst>
               <p:ext uri="{D42A27DB-BD31-4B8C-83A1-F6EECF244321}">
-                <p14:modId xmlns:p14="http://schemas.microsoft.com/office/powerpoint/2010/main" val="923261466"/>
+                <p14:modId xmlns:p14="http://schemas.microsoft.com/office/powerpoint/2010/main" val="3861335938"/>
               </p:ext>
             </p:extLst>
           </p:nvPr>
         </p:nvGraphicFramePr>
         <p:xfrm>
-          <a:off x="1735243" y="888271"/>
-          <a:ext cx="9165759" cy="4305169"/>
+          <a:off x="2089551" y="954316"/>
+          <a:ext cx="8012898" cy="4305169"/>
         </p:xfrm>
         <a:graphic>
           <a:graphicData uri="http://schemas.openxmlformats.org/drawingml/2006/table">
             <a:tbl>
               <a:tblPr/>
               <a:tblGrid>
-                <a:gridCol w="1780314">
+                <a:gridCol w="1152525">
                   <a:extLst>
                     <a:ext uri="{9D8B030D-6E8A-4147-A177-3AD203B41FA5}">
                       <a16:colId xmlns:a16="http://schemas.microsoft.com/office/drawing/2014/main" val="965550313"/>
                     </a:ext>
                   </a:extLst>
                 </a:gridCol>
-                <a:gridCol w="932156">
+                <a:gridCol w="533400">
                   <a:extLst>
                     <a:ext uri="{9D8B030D-6E8A-4147-A177-3AD203B41FA5}">
                       <a16:colId xmlns:a16="http://schemas.microsoft.com/office/drawing/2014/main" val="3798485637"/>
                     </a:ext>
                   </a:extLst>
                 </a:gridCol>
-                <a:gridCol w="1988598">
+                <a:gridCol w="2225040">
                   <a:extLst>
                     <a:ext uri="{9D8B030D-6E8A-4147-A177-3AD203B41FA5}">
                       <a16:colId xmlns:a16="http://schemas.microsoft.com/office/drawing/2014/main" val="3973650895"/>
                     </a:ext>
                   </a:extLst>
                 </a:gridCol>
-                <a:gridCol w="4464691">
+                <a:gridCol w="2689860">
+                  <a:extLst>
+                    <a:ext uri="{9D8B030D-6E8A-4147-A177-3AD203B41FA5}">
+                      <a16:colId xmlns:a16="http://schemas.microsoft.com/office/drawing/2014/main" val="4258838087"/>
+                    </a:ext>
+                  </a:extLst>
+                </a:gridCol>
+                <a:gridCol w="1412073">
                   <a:extLst>
                     <a:ext uri="{9D8B030D-6E8A-4147-A177-3AD203B41FA5}">
                       <a16:colId xmlns:a16="http://schemas.microsoft.com/office/drawing/2014/main" val="241033273"/>
@@ -9839,7 +12956,7 @@
                     <a:p>
                       <a:pPr algn="ctr" fontAlgn="ctr"/>
                       <a:r>
-                        <a:rPr kumimoji="0" lang="en-US" sz="1600" b="1" i="0" u="none" strike="noStrike" kern="1200" cap="none" normalizeH="0" baseline="0" dirty="0">
+                        <a:rPr kumimoji="0" lang="en-US" sz="1600" b="1" i="0" u="none" strike="noStrike" kern="1200" cap="none" normalizeH="0" baseline="0">
                           <a:ln>
                             <a:noFill/>
                           </a:ln>
@@ -9853,6 +12970,113 @@
                         </a:rPr>
                         <a:t>ROUNDING</a:t>
                       </a:r>
+                      <a:endParaRPr kumimoji="0" lang="en-US" sz="1600" b="1" i="0" u="none" strike="noStrike" kern="1200" cap="none" normalizeH="0" baseline="0" dirty="0">
+                        <a:ln>
+                          <a:noFill/>
+                        </a:ln>
+                        <a:solidFill>
+                          <a:schemeClr val="tx1"/>
+                        </a:solidFill>
+                        <a:effectLst/>
+                        <a:latin typeface="Times New Roman" panose="02020603050405020304" pitchFamily="18" charset="0"/>
+                        <a:ea typeface="+mn-ea"/>
+                        <a:cs typeface="+mn-cs"/>
+                      </a:endParaRPr>
+                    </a:p>
+                  </a:txBody>
+                  <a:tcPr marL="9525" marR="9525" marT="9525" marB="0" anchor="ctr">
+                    <a:lnL w="3175" cap="flat" cmpd="sng" algn="ctr">
+                      <a:solidFill>
+                        <a:schemeClr val="tx1"/>
+                      </a:solidFill>
+                      <a:prstDash val="solid"/>
+                      <a:round/>
+                      <a:headEnd type="none" w="med" len="med"/>
+                      <a:tailEnd type="none" w="med" len="med"/>
+                    </a:lnL>
+                    <a:lnR w="3175" cap="flat" cmpd="sng" algn="ctr">
+                      <a:solidFill>
+                        <a:schemeClr val="tx1"/>
+                      </a:solidFill>
+                      <a:prstDash val="solid"/>
+                      <a:round/>
+                      <a:headEnd type="none" w="med" len="med"/>
+                      <a:tailEnd type="none" w="med" len="med"/>
+                    </a:lnR>
+                    <a:lnT w="19050" cap="flat" cmpd="sng" algn="ctr">
+                      <a:solidFill>
+                        <a:schemeClr val="tx1"/>
+                      </a:solidFill>
+                      <a:prstDash val="solid"/>
+                      <a:round/>
+                      <a:headEnd type="none" w="med" len="med"/>
+                      <a:tailEnd type="none" w="med" len="med"/>
+                    </a:lnT>
+                    <a:lnB w="3175" cap="flat" cmpd="sng" algn="ctr">
+                      <a:solidFill>
+                        <a:schemeClr val="tx1"/>
+                      </a:solidFill>
+                      <a:prstDash val="solid"/>
+                      <a:round/>
+                      <a:headEnd type="none" w="med" len="med"/>
+                      <a:tailEnd type="none" w="med" len="med"/>
+                    </a:lnB>
+                    <a:lnTlToBr>
+                      <a:noFill/>
+                    </a:lnTlToBr>
+                    <a:lnBlToTr>
+                      <a:noFill/>
+                    </a:lnBlToTr>
+                    <a:gradFill rotWithShape="1">
+                      <a:gsLst>
+                        <a:gs pos="0">
+                          <a:srgbClr val="DDDDDD"/>
+                        </a:gs>
+                        <a:gs pos="100000">
+                          <a:srgbClr val="DDDDDD">
+                            <a:gamma/>
+                            <a:shade val="89020"/>
+                            <a:invGamma/>
+                          </a:srgbClr>
+                        </a:gs>
+                      </a:gsLst>
+                      <a:lin ang="5400000" scaled="1"/>
+                    </a:gradFill>
+                  </a:tcPr>
+                </a:tc>
+                <a:tc>
+                  <a:txBody>
+                    <a:bodyPr/>
+                    <a:lstStyle/>
+                    <a:p>
+                      <a:pPr algn="ctr" fontAlgn="ctr"/>
+                      <a:r>
+                        <a:rPr kumimoji="0" lang="en-US" sz="1600" b="1" i="0" u="none" strike="noStrike" kern="1200" cap="none" normalizeH="0" baseline="0">
+                          <a:ln>
+                            <a:noFill/>
+                          </a:ln>
+                          <a:solidFill>
+                            <a:schemeClr val="tx1"/>
+                          </a:solidFill>
+                          <a:effectLst/>
+                          <a:latin typeface="Times New Roman" panose="02020603050405020304" pitchFamily="18" charset="0"/>
+                          <a:ea typeface="+mn-ea"/>
+                          <a:cs typeface="+mn-cs"/>
+                        </a:rPr>
+                        <a:t>DONE</a:t>
+                      </a:r>
+                      <a:endParaRPr kumimoji="0" lang="en-US" sz="1600" b="1" i="0" u="none" strike="noStrike" kern="1200" cap="none" normalizeH="0" baseline="0" dirty="0">
+                        <a:ln>
+                          <a:noFill/>
+                        </a:ln>
+                        <a:solidFill>
+                          <a:schemeClr val="tx1"/>
+                        </a:solidFill>
+                        <a:effectLst/>
+                        <a:latin typeface="Times New Roman" panose="02020603050405020304" pitchFamily="18" charset="0"/>
+                        <a:ea typeface="+mn-ea"/>
+                        <a:cs typeface="+mn-cs"/>
+                      </a:endParaRPr>
                     </a:p>
                   </a:txBody>
                   <a:tcPr marL="9525" marR="9525" marT="9525" marB="0" anchor="ctr">
@@ -10161,6 +13385,89 @@
                         </a:rPr>
                         <a:t> + 1</a:t>
                       </a:r>
+                    </a:p>
+                  </a:txBody>
+                  <a:tcPr marL="9525" marR="9525" marT="9525" marB="0" anchor="ctr">
+                    <a:lnL w="3175" cap="flat" cmpd="sng" algn="ctr">
+                      <a:solidFill>
+                        <a:schemeClr val="tx1"/>
+                      </a:solidFill>
+                      <a:prstDash val="solid"/>
+                      <a:round/>
+                      <a:headEnd type="none" w="med" len="med"/>
+                      <a:tailEnd type="none" w="med" len="med"/>
+                    </a:lnL>
+                    <a:lnR w="3175" cap="flat" cmpd="sng" algn="ctr">
+                      <a:solidFill>
+                        <a:schemeClr val="tx1"/>
+                      </a:solidFill>
+                      <a:prstDash val="solid"/>
+                      <a:round/>
+                      <a:headEnd type="none" w="med" len="med"/>
+                      <a:tailEnd type="none" w="med" len="med"/>
+                    </a:lnR>
+                    <a:lnT w="3175" cap="flat" cmpd="sng" algn="ctr">
+                      <a:solidFill>
+                        <a:schemeClr val="tx1"/>
+                      </a:solidFill>
+                      <a:prstDash val="solid"/>
+                      <a:round/>
+                      <a:headEnd type="none" w="med" len="med"/>
+                      <a:tailEnd type="none" w="med" len="med"/>
+                    </a:lnT>
+                    <a:lnB w="3175" cap="flat" cmpd="sng" algn="ctr">
+                      <a:solidFill>
+                        <a:schemeClr val="tx1"/>
+                      </a:solidFill>
+                      <a:prstDash val="solid"/>
+                      <a:round/>
+                      <a:headEnd type="none" w="med" len="med"/>
+                      <a:tailEnd type="none" w="med" len="med"/>
+                    </a:lnB>
+                    <a:lnTlToBr>
+                      <a:noFill/>
+                    </a:lnTlToBr>
+                    <a:lnBlToTr>
+                      <a:noFill/>
+                    </a:lnBlToTr>
+                    <a:solidFill>
+                      <a:schemeClr val="bg1"/>
+                    </a:solidFill>
+                  </a:tcPr>
+                </a:tc>
+                <a:tc>
+                  <a:txBody>
+                    <a:bodyPr/>
+                    <a:lstStyle/>
+                    <a:p>
+                      <a:pPr algn="ctr" fontAlgn="ctr"/>
+                      <a:r>
+                        <a:rPr kumimoji="0" lang="en-US" altLang="ko-KR" sz="1600" b="0" i="0" u="none" strike="noStrike" kern="1200" cap="none" normalizeH="0" baseline="0">
+                          <a:ln>
+                            <a:noFill/>
+                          </a:ln>
+                          <a:solidFill>
+                            <a:schemeClr val="tx1"/>
+                          </a:solidFill>
+                          <a:effectLst/>
+                          <a:latin typeface="Times New Roman" panose="02020603050405020304" pitchFamily="18" charset="0"/>
+                          <a:ea typeface="+mn-ea"/>
+                          <a:cs typeface="+mn-cs"/>
+                        </a:rPr>
+                        <a:t>0</a:t>
+                      </a:r>
+                      <a:endParaRPr kumimoji="0" lang="en-US" altLang="ko-KR" sz="1600" b="0" i="0" u="none" strike="noStrike" kern="1200" cap="none" normalizeH="0" baseline="0" dirty="0">
+                        <a:ln>
+                          <a:noFill/>
+                        </a:ln>
+                        <a:solidFill>
+                          <a:schemeClr val="tx1"/>
+                        </a:solidFill>
+                        <a:effectLst/>
+                        <a:latin typeface="Times New Roman" panose="02020603050405020304" pitchFamily="18" charset="0"/>
+                        <a:ea typeface="+mn-ea"/>
+                        <a:cs typeface="+mn-cs"/>
+                      </a:endParaRPr>
                     </a:p>
                   </a:txBody>
                   <a:tcPr marL="9525" marR="9525" marT="9525" marB="0" anchor="ctr">
@@ -10414,8 +13721,35 @@
                           <a:ea typeface="+mn-ea"/>
                           <a:cs typeface="+mn-cs"/>
                         </a:rPr>
-                        <a:t> : 0</a:t>
+                        <a:t> </a:t>
                       </a:r>
+                      <a:r>
+                        <a:rPr kumimoji="0" lang="en-US" altLang="ko-KR" sz="1600" b="0" i="0" u="none" strike="noStrike" kern="1200" cap="none" normalizeH="0" baseline="0">
+                          <a:ln>
+                            <a:noFill/>
+                          </a:ln>
+                          <a:solidFill>
+                            <a:schemeClr val="tx1"/>
+                          </a:solidFill>
+                          <a:effectLst/>
+                          <a:latin typeface="Times New Roman" panose="02020603050405020304" pitchFamily="18" charset="0"/>
+                          <a:ea typeface="+mn-ea"/>
+                          <a:cs typeface="+mn-cs"/>
+                        </a:rPr>
+                        <a:t>: c_W</a:t>
+                      </a:r>
+                      <a:endParaRPr kumimoji="0" lang="en-US" altLang="ko-KR" sz="1600" b="0" i="0" u="none" strike="noStrike" kern="1200" cap="none" normalizeH="0" baseline="0" dirty="0">
+                        <a:ln>
+                          <a:noFill/>
+                        </a:ln>
+                        <a:solidFill>
+                          <a:schemeClr val="tx1"/>
+                        </a:solidFill>
+                        <a:effectLst/>
+                        <a:latin typeface="Times New Roman" panose="02020603050405020304" pitchFamily="18" charset="0"/>
+                        <a:ea typeface="+mn-ea"/>
+                        <a:cs typeface="+mn-cs"/>
+                      </a:endParaRPr>
                     </a:p>
                   </a:txBody>
                   <a:tcPr marL="9525" marR="9525" marT="9525" marB="0" anchor="ctr">
@@ -10473,7 +13807,7 @@
                     <a:p>
                       <a:pPr algn="ctr"/>
                       <a:r>
-                        <a:rPr lang="en-US" sz="1800" b="0" kern="1200">
+                        <a:rPr lang="en-US" sz="1600" b="0" kern="1200">
                           <a:solidFill>
                             <a:schemeClr val="tx1"/>
                           </a:solidFill>
@@ -10482,7 +13816,75 @@
                           <a:ea typeface="+mn-ea"/>
                           <a:cs typeface="+mn-cs"/>
                         </a:rPr>
-                        <a:t> fWordGen ? {c_W[479:0], newWord} : c_W;</a:t>
+                        <a:t>  c_W[479:0], newWord</a:t>
+                      </a:r>
+                    </a:p>
+                  </a:txBody>
+                  <a:tcPr marL="9525" marR="9525" marT="9525" marB="0" anchor="ctr">
+                    <a:lnL w="3175" cap="flat" cmpd="sng" algn="ctr">
+                      <a:solidFill>
+                        <a:schemeClr val="tx1"/>
+                      </a:solidFill>
+                      <a:prstDash val="solid"/>
+                      <a:round/>
+                      <a:headEnd type="none" w="med" len="med"/>
+                      <a:tailEnd type="none" w="med" len="med"/>
+                    </a:lnL>
+                    <a:lnR w="3175" cap="flat" cmpd="sng" algn="ctr">
+                      <a:solidFill>
+                        <a:schemeClr val="tx1"/>
+                      </a:solidFill>
+                      <a:prstDash val="solid"/>
+                      <a:round/>
+                      <a:headEnd type="none" w="med" len="med"/>
+                      <a:tailEnd type="none" w="med" len="med"/>
+                    </a:lnR>
+                    <a:lnT w="3175" cap="flat" cmpd="sng" algn="ctr">
+                      <a:solidFill>
+                        <a:schemeClr val="tx1"/>
+                      </a:solidFill>
+                      <a:prstDash val="solid"/>
+                      <a:round/>
+                      <a:headEnd type="none" w="med" len="med"/>
+                      <a:tailEnd type="none" w="med" len="med"/>
+                    </a:lnT>
+                    <a:lnB w="3175" cap="flat" cmpd="sng" algn="ctr">
+                      <a:solidFill>
+                        <a:schemeClr val="tx1"/>
+                      </a:solidFill>
+                      <a:prstDash val="solid"/>
+                      <a:round/>
+                      <a:headEnd type="none" w="med" len="med"/>
+                      <a:tailEnd type="none" w="med" len="med"/>
+                    </a:lnB>
+                    <a:lnTlToBr>
+                      <a:noFill/>
+                    </a:lnTlToBr>
+                    <a:lnBlToTr>
+                      <a:noFill/>
+                    </a:lnBlToTr>
+                    <a:solidFill>
+                      <a:schemeClr val="bg1"/>
+                    </a:solidFill>
+                  </a:tcPr>
+                </a:tc>
+                <a:tc>
+                  <a:txBody>
+                    <a:bodyPr/>
+                    <a:lstStyle/>
+                    <a:p>
+                      <a:pPr algn="ctr"/>
+                      <a:r>
+                        <a:rPr lang="en-US" sz="1600" b="0" kern="1200">
+                          <a:solidFill>
+                            <a:schemeClr val="tx1"/>
+                          </a:solidFill>
+                          <a:effectLst/>
+                          <a:latin typeface="+mn-lt"/>
+                          <a:ea typeface="+mn-ea"/>
+                          <a:cs typeface="+mn-cs"/>
+                        </a:rPr>
+                        <a:t> c_W</a:t>
                       </a:r>
                     </a:p>
                   </a:txBody>
@@ -10779,15 +14181,105 @@
                         <a:defRPr/>
                       </a:pPr>
                       <a:r>
+                        <a:rPr lang="en-US" altLang="ko-KR" sz="1600" b="0">
+                          <a:latin typeface="+mn-lt"/>
+                          <a:ea typeface="+mn-ea"/>
+                        </a:rPr>
+                        <a:t>T1 + </a:t>
+                      </a:r>
+                      <a:r>
                         <a:rPr lang="en-US" altLang="ko-KR" sz="1600" b="0" dirty="0">
                           <a:latin typeface="+mn-lt"/>
                           <a:ea typeface="+mn-ea"/>
                         </a:rPr>
-                        <a:t>T1 ^ T2</a:t>
+                        <a:t>T2</a:t>
                       </a:r>
                       <a:endParaRPr lang="ko-KR" altLang="en-US" sz="1600" b="0" dirty="0">
                         <a:latin typeface="+mn-lt"/>
                         <a:ea typeface="+mn-ea"/>
+                      </a:endParaRPr>
+                    </a:p>
+                  </a:txBody>
+                  <a:tcPr marL="9525" marR="9525" marT="9525" marB="0" anchor="ctr">
+                    <a:lnL w="3175" cap="flat" cmpd="sng" algn="ctr">
+                      <a:solidFill>
+                        <a:schemeClr val="tx1"/>
+                      </a:solidFill>
+                      <a:prstDash val="solid"/>
+                      <a:round/>
+                      <a:headEnd type="none" w="med" len="med"/>
+                      <a:tailEnd type="none" w="med" len="med"/>
+                    </a:lnL>
+                    <a:lnR w="3175" cap="flat" cmpd="sng" algn="ctr">
+                      <a:solidFill>
+                        <a:schemeClr val="tx1"/>
+                      </a:solidFill>
+                      <a:prstDash val="solid"/>
+                      <a:round/>
+                      <a:headEnd type="none" w="med" len="med"/>
+                      <a:tailEnd type="none" w="med" len="med"/>
+                    </a:lnR>
+                    <a:lnT w="3175" cap="flat" cmpd="sng" algn="ctr">
+                      <a:solidFill>
+                        <a:schemeClr val="tx1"/>
+                      </a:solidFill>
+                      <a:prstDash val="solid"/>
+                      <a:round/>
+                      <a:headEnd type="none" w="med" len="med"/>
+                      <a:tailEnd type="none" w="med" len="med"/>
+                    </a:lnT>
+                    <a:lnB w="3175" cap="flat" cmpd="sng" algn="ctr">
+                      <a:solidFill>
+                        <a:schemeClr val="tx1"/>
+                      </a:solidFill>
+                      <a:prstDash val="solid"/>
+                      <a:round/>
+                      <a:headEnd type="none" w="med" len="med"/>
+                      <a:tailEnd type="none" w="med" len="med"/>
+                    </a:lnB>
+                    <a:lnTlToBr>
+                      <a:noFill/>
+                    </a:lnTlToBr>
+                    <a:lnBlToTr>
+                      <a:noFill/>
+                    </a:lnBlToTr>
+                    <a:solidFill>
+                      <a:schemeClr val="bg1"/>
+                    </a:solidFill>
+                  </a:tcPr>
+                </a:tc>
+                <a:tc>
+                  <a:txBody>
+                    <a:bodyPr/>
+                    <a:lstStyle/>
+                    <a:p>
+                      <a:pPr algn="ctr" fontAlgn="ctr"/>
+                      <a:r>
+                        <a:rPr kumimoji="0" lang="en-US" altLang="ko-KR" sz="1600" b="0" i="0" u="none" strike="noStrike" kern="1200" cap="none" normalizeH="0" baseline="0" dirty="0" err="1">
+                          <a:ln>
+                            <a:noFill/>
+                          </a:ln>
+                          <a:solidFill>
+                            <a:schemeClr val="tx1"/>
+                          </a:solidFill>
+                          <a:effectLst/>
+                          <a:latin typeface="Times New Roman" panose="02020603050405020304" pitchFamily="18" charset="0"/>
+                          <a:ea typeface="+mn-ea"/>
+                          <a:cs typeface="+mn-cs"/>
+                        </a:rPr>
+                        <a:t>c_a</a:t>
+                      </a:r>
+                      <a:endParaRPr kumimoji="0" lang="en-US" altLang="ko-KR" sz="1600" b="0" i="0" u="none" strike="noStrike" kern="1200" cap="none" normalizeH="0" baseline="0" dirty="0">
+                        <a:ln>
+                          <a:noFill/>
+                        </a:ln>
+                        <a:solidFill>
+                          <a:schemeClr val="tx1"/>
+                        </a:solidFill>
+                        <a:effectLst/>
+                        <a:latin typeface="Times New Roman" panose="02020603050405020304" pitchFamily="18" charset="0"/>
+                        <a:ea typeface="+mn-ea"/>
+                        <a:cs typeface="+mn-cs"/>
                       </a:endParaRPr>
                     </a:p>
                   </a:txBody>
@@ -11106,6 +14598,89 @@
                       <a:headEnd type="none" w="med" len="med"/>
                       <a:tailEnd type="none" w="med" len="med"/>
                     </a:lnL>
+                    <a:lnR w="3175" cap="flat" cmpd="sng" algn="ctr">
+                      <a:solidFill>
+                        <a:schemeClr val="tx1"/>
+                      </a:solidFill>
+                      <a:prstDash val="solid"/>
+                      <a:round/>
+                      <a:headEnd type="none" w="med" len="med"/>
+                      <a:tailEnd type="none" w="med" len="med"/>
+                    </a:lnR>
+                    <a:lnT w="3175" cap="flat" cmpd="sng" algn="ctr">
+                      <a:solidFill>
+                        <a:schemeClr val="tx1"/>
+                      </a:solidFill>
+                      <a:prstDash val="solid"/>
+                      <a:round/>
+                      <a:headEnd type="none" w="med" len="med"/>
+                      <a:tailEnd type="none" w="med" len="med"/>
+                    </a:lnT>
+                    <a:lnB w="3175" cap="flat" cmpd="sng" algn="ctr">
+                      <a:solidFill>
+                        <a:schemeClr val="tx1"/>
+                      </a:solidFill>
+                      <a:prstDash val="solid"/>
+                      <a:round/>
+                      <a:headEnd type="none" w="med" len="med"/>
+                      <a:tailEnd type="none" w="med" len="med"/>
+                    </a:lnB>
+                    <a:lnTlToBr>
+                      <a:noFill/>
+                    </a:lnTlToBr>
+                    <a:lnBlToTr>
+                      <a:noFill/>
+                    </a:lnBlToTr>
+                    <a:solidFill>
+                      <a:schemeClr val="bg1"/>
+                    </a:solidFill>
+                  </a:tcPr>
+                </a:tc>
+                <a:tc>
+                  <a:txBody>
+                    <a:bodyPr/>
+                    <a:lstStyle/>
+                    <a:p>
+                      <a:pPr algn="ctr" fontAlgn="ctr"/>
+                      <a:r>
+                        <a:rPr kumimoji="0" lang="en-US" altLang="ko-KR" sz="1600" b="0" i="0" u="none" strike="noStrike" kern="1200" cap="none" normalizeH="0" baseline="0" dirty="0" err="1">
+                          <a:ln>
+                            <a:noFill/>
+                          </a:ln>
+                          <a:solidFill>
+                            <a:schemeClr val="tx1"/>
+                          </a:solidFill>
+                          <a:effectLst/>
+                          <a:latin typeface="Times New Roman" panose="02020603050405020304" pitchFamily="18" charset="0"/>
+                          <a:ea typeface="+mn-ea"/>
+                          <a:cs typeface="+mn-cs"/>
+                        </a:rPr>
+                        <a:t>c_b</a:t>
+                      </a:r>
+                      <a:endParaRPr kumimoji="0" lang="en-US" altLang="ko-KR" sz="1600" b="0" i="0" u="none" strike="noStrike" kern="1200" cap="none" normalizeH="0" baseline="0" dirty="0">
+                        <a:ln>
+                          <a:noFill/>
+                        </a:ln>
+                        <a:solidFill>
+                          <a:schemeClr val="tx1"/>
+                        </a:solidFill>
+                        <a:effectLst/>
+                        <a:latin typeface="Times New Roman" panose="02020603050405020304" pitchFamily="18" charset="0"/>
+                        <a:ea typeface="+mn-ea"/>
+                        <a:cs typeface="+mn-cs"/>
+                      </a:endParaRPr>
+                    </a:p>
+                  </a:txBody>
+                  <a:tcPr marL="9525" marR="9525" marT="9525" marB="0" anchor="ctr">
+                    <a:lnL w="3175" cap="flat" cmpd="sng" algn="ctr">
+                      <a:solidFill>
+                        <a:schemeClr val="tx1"/>
+                      </a:solidFill>
+                      <a:prstDash val="solid"/>
+                      <a:round/>
+                      <a:headEnd type="none" w="med" len="med"/>
+                      <a:tailEnd type="none" w="med" len="med"/>
+                    </a:lnL>
                     <a:lnR w="19050" cap="flat" cmpd="sng" algn="ctr">
                       <a:solidFill>
                         <a:schemeClr val="tx1"/>
@@ -11411,6 +14986,89 @@
                       <a:headEnd type="none" w="med" len="med"/>
                       <a:tailEnd type="none" w="med" len="med"/>
                     </a:lnL>
+                    <a:lnR w="3175" cap="flat" cmpd="sng" algn="ctr">
+                      <a:solidFill>
+                        <a:schemeClr val="tx1"/>
+                      </a:solidFill>
+                      <a:prstDash val="solid"/>
+                      <a:round/>
+                      <a:headEnd type="none" w="med" len="med"/>
+                      <a:tailEnd type="none" w="med" len="med"/>
+                    </a:lnR>
+                    <a:lnT w="3175" cap="flat" cmpd="sng" algn="ctr">
+                      <a:solidFill>
+                        <a:schemeClr val="tx1"/>
+                      </a:solidFill>
+                      <a:prstDash val="solid"/>
+                      <a:round/>
+                      <a:headEnd type="none" w="med" len="med"/>
+                      <a:tailEnd type="none" w="med" len="med"/>
+                    </a:lnT>
+                    <a:lnB w="3175" cap="flat" cmpd="sng" algn="ctr">
+                      <a:solidFill>
+                        <a:schemeClr val="tx1"/>
+                      </a:solidFill>
+                      <a:prstDash val="solid"/>
+                      <a:round/>
+                      <a:headEnd type="none" w="med" len="med"/>
+                      <a:tailEnd type="none" w="med" len="med"/>
+                    </a:lnB>
+                    <a:lnTlToBr>
+                      <a:noFill/>
+                    </a:lnTlToBr>
+                    <a:lnBlToTr>
+                      <a:noFill/>
+                    </a:lnBlToTr>
+                    <a:solidFill>
+                      <a:schemeClr val="bg1"/>
+                    </a:solidFill>
+                  </a:tcPr>
+                </a:tc>
+                <a:tc>
+                  <a:txBody>
+                    <a:bodyPr/>
+                    <a:lstStyle/>
+                    <a:p>
+                      <a:pPr algn="ctr" fontAlgn="ctr"/>
+                      <a:r>
+                        <a:rPr kumimoji="0" lang="en-US" altLang="ko-KR" sz="1600" b="0" i="0" u="none" strike="noStrike" kern="1200" cap="none" normalizeH="0" baseline="0" dirty="0" err="1">
+                          <a:ln>
+                            <a:noFill/>
+                          </a:ln>
+                          <a:solidFill>
+                            <a:schemeClr val="tx1"/>
+                          </a:solidFill>
+                          <a:effectLst/>
+                          <a:latin typeface="Times New Roman" panose="02020603050405020304" pitchFamily="18" charset="0"/>
+                          <a:ea typeface="+mn-ea"/>
+                          <a:cs typeface="+mn-cs"/>
+                        </a:rPr>
+                        <a:t>c_c</a:t>
+                      </a:r>
+                      <a:endParaRPr kumimoji="0" lang="en-US" altLang="ko-KR" sz="1600" b="0" i="0" u="none" strike="noStrike" kern="1200" cap="none" normalizeH="0" baseline="0" dirty="0">
+                        <a:ln>
+                          <a:noFill/>
+                        </a:ln>
+                        <a:solidFill>
+                          <a:schemeClr val="tx1"/>
+                        </a:solidFill>
+                        <a:effectLst/>
+                        <a:latin typeface="Times New Roman" panose="02020603050405020304" pitchFamily="18" charset="0"/>
+                        <a:ea typeface="+mn-ea"/>
+                        <a:cs typeface="+mn-cs"/>
+                      </a:endParaRPr>
+                    </a:p>
+                  </a:txBody>
+                  <a:tcPr marL="9525" marR="9525" marT="9525" marB="0" anchor="ctr">
+                    <a:lnL w="3175" cap="flat" cmpd="sng" algn="ctr">
+                      <a:solidFill>
+                        <a:schemeClr val="tx1"/>
+                      </a:solidFill>
+                      <a:prstDash val="solid"/>
+                      <a:round/>
+                      <a:headEnd type="none" w="med" len="med"/>
+                      <a:tailEnd type="none" w="med" len="med"/>
+                    </a:lnL>
                     <a:lnR w="19050" cap="flat" cmpd="sng" algn="ctr">
                       <a:solidFill>
                         <a:schemeClr val="tx1"/>
@@ -11716,6 +15374,89 @@
                       <a:headEnd type="none" w="med" len="med"/>
                       <a:tailEnd type="none" w="med" len="med"/>
                     </a:lnL>
+                    <a:lnR w="3175" cap="flat" cmpd="sng" algn="ctr">
+                      <a:solidFill>
+                        <a:schemeClr val="tx1"/>
+                      </a:solidFill>
+                      <a:prstDash val="solid"/>
+                      <a:round/>
+                      <a:headEnd type="none" w="med" len="med"/>
+                      <a:tailEnd type="none" w="med" len="med"/>
+                    </a:lnR>
+                    <a:lnT w="3175" cap="flat" cmpd="sng" algn="ctr">
+                      <a:solidFill>
+                        <a:schemeClr val="tx1"/>
+                      </a:solidFill>
+                      <a:prstDash val="solid"/>
+                      <a:round/>
+                      <a:headEnd type="none" w="med" len="med"/>
+                      <a:tailEnd type="none" w="med" len="med"/>
+                    </a:lnT>
+                    <a:lnB w="3175" cap="flat" cmpd="sng" algn="ctr">
+                      <a:solidFill>
+                        <a:schemeClr val="tx1"/>
+                      </a:solidFill>
+                      <a:prstDash val="solid"/>
+                      <a:round/>
+                      <a:headEnd type="none" w="med" len="med"/>
+                      <a:tailEnd type="none" w="med" len="med"/>
+                    </a:lnB>
+                    <a:lnTlToBr>
+                      <a:noFill/>
+                    </a:lnTlToBr>
+                    <a:lnBlToTr>
+                      <a:noFill/>
+                    </a:lnBlToTr>
+                    <a:solidFill>
+                      <a:schemeClr val="bg1"/>
+                    </a:solidFill>
+                  </a:tcPr>
+                </a:tc>
+                <a:tc>
+                  <a:txBody>
+                    <a:bodyPr/>
+                    <a:lstStyle/>
+                    <a:p>
+                      <a:pPr algn="ctr" fontAlgn="ctr"/>
+                      <a:r>
+                        <a:rPr kumimoji="0" lang="en-US" altLang="ko-KR" sz="1600" b="0" i="0" u="none" strike="noStrike" kern="1200" cap="none" normalizeH="0" baseline="0" dirty="0" err="1">
+                          <a:ln>
+                            <a:noFill/>
+                          </a:ln>
+                          <a:solidFill>
+                            <a:schemeClr val="tx1"/>
+                          </a:solidFill>
+                          <a:effectLst/>
+                          <a:latin typeface="Times New Roman" panose="02020603050405020304" pitchFamily="18" charset="0"/>
+                          <a:ea typeface="+mn-ea"/>
+                          <a:cs typeface="+mn-cs"/>
+                        </a:rPr>
+                        <a:t>c_d</a:t>
+                      </a:r>
+                      <a:endParaRPr kumimoji="0" lang="en-US" altLang="ko-KR" sz="1600" b="0" i="0" u="none" strike="noStrike" kern="1200" cap="none" normalizeH="0" baseline="0" dirty="0">
+                        <a:ln>
+                          <a:noFill/>
+                        </a:ln>
+                        <a:solidFill>
+                          <a:schemeClr val="tx1"/>
+                        </a:solidFill>
+                        <a:effectLst/>
+                        <a:latin typeface="Times New Roman" panose="02020603050405020304" pitchFamily="18" charset="0"/>
+                        <a:ea typeface="+mn-ea"/>
+                        <a:cs typeface="+mn-cs"/>
+                      </a:endParaRPr>
+                    </a:p>
+                  </a:txBody>
+                  <a:tcPr marL="9525" marR="9525" marT="9525" marB="0" anchor="ctr">
+                    <a:lnL w="3175" cap="flat" cmpd="sng" algn="ctr">
+                      <a:solidFill>
+                        <a:schemeClr val="tx1"/>
+                      </a:solidFill>
+                      <a:prstDash val="solid"/>
+                      <a:round/>
+                      <a:headEnd type="none" w="med" len="med"/>
+                      <a:tailEnd type="none" w="med" len="med"/>
+                    </a:lnL>
                     <a:lnR w="19050" cap="flat" cmpd="sng" algn="ctr">
                       <a:solidFill>
                         <a:schemeClr val="tx1"/>
@@ -12003,18 +15744,115 @@
                           <a:latin typeface="+mn-lt"/>
                           <a:ea typeface="+mn-ea"/>
                         </a:rPr>
-                        <a:t>c_d</a:t>
+                        <a:t>c_</a:t>
+                      </a:r>
+                      <a:r>
+                        <a:rPr lang="en-US" altLang="ko-KR" sz="1600" b="0" err="1">
+                          <a:latin typeface="+mn-lt"/>
+                          <a:ea typeface="+mn-ea"/>
+                        </a:rPr>
+                        <a:t>d</a:t>
+                      </a:r>
+                      <a:r>
+                        <a:rPr lang="en-US" altLang="ko-KR" sz="1600" b="0">
+                          <a:latin typeface="+mn-lt"/>
+                          <a:ea typeface="+mn-ea"/>
+                        </a:rPr>
+                        <a:t> + </a:t>
                       </a:r>
                       <a:r>
                         <a:rPr lang="en-US" altLang="ko-KR" sz="1600" b="0" dirty="0">
                           <a:latin typeface="+mn-lt"/>
                           <a:ea typeface="+mn-ea"/>
                         </a:rPr>
-                        <a:t> ^ T1</a:t>
+                        <a:t>T1</a:t>
                       </a:r>
                       <a:endParaRPr lang="ko-KR" altLang="en-US" sz="1600" b="0" dirty="0">
                         <a:latin typeface="+mn-lt"/>
                         <a:ea typeface="+mn-ea"/>
+                      </a:endParaRPr>
+                    </a:p>
+                  </a:txBody>
+                  <a:tcPr marL="9525" marR="9525" marT="9525" marB="0" anchor="ctr">
+                    <a:lnL w="3175" cap="flat" cmpd="sng" algn="ctr">
+                      <a:solidFill>
+                        <a:schemeClr val="tx1"/>
+                      </a:solidFill>
+                      <a:prstDash val="solid"/>
+                      <a:round/>
+                      <a:headEnd type="none" w="med" len="med"/>
+                      <a:tailEnd type="none" w="med" len="med"/>
+                    </a:lnL>
+                    <a:lnR w="3175" cap="flat" cmpd="sng" algn="ctr">
+                      <a:solidFill>
+                        <a:schemeClr val="tx1"/>
+                      </a:solidFill>
+                      <a:prstDash val="solid"/>
+                      <a:round/>
+                      <a:headEnd type="none" w="med" len="med"/>
+                      <a:tailEnd type="none" w="med" len="med"/>
+                    </a:lnR>
+                    <a:lnT w="3175" cap="flat" cmpd="sng" algn="ctr">
+                      <a:solidFill>
+                        <a:schemeClr val="tx1"/>
+                      </a:solidFill>
+                      <a:prstDash val="solid"/>
+                      <a:round/>
+                      <a:headEnd type="none" w="med" len="med"/>
+                      <a:tailEnd type="none" w="med" len="med"/>
+                    </a:lnT>
+                    <a:lnB w="3175" cap="flat" cmpd="sng" algn="ctr">
+                      <a:solidFill>
+                        <a:schemeClr val="tx1"/>
+                      </a:solidFill>
+                      <a:prstDash val="solid"/>
+                      <a:round/>
+                      <a:headEnd type="none" w="med" len="med"/>
+                      <a:tailEnd type="none" w="med" len="med"/>
+                    </a:lnB>
+                    <a:lnTlToBr>
+                      <a:noFill/>
+                    </a:lnTlToBr>
+                    <a:lnBlToTr>
+                      <a:noFill/>
+                    </a:lnBlToTr>
+                    <a:solidFill>
+                      <a:schemeClr val="bg1"/>
+                    </a:solidFill>
+                  </a:tcPr>
+                </a:tc>
+                <a:tc>
+                  <a:txBody>
+                    <a:bodyPr/>
+                    <a:lstStyle/>
+                    <a:p>
+                      <a:pPr algn="ctr" fontAlgn="ctr"/>
+                      <a:r>
+                        <a:rPr kumimoji="0" lang="en-US" altLang="ko-KR" sz="1600" b="0" i="0" u="none" strike="noStrike" kern="1200" cap="none" normalizeH="0" baseline="0" dirty="0" err="1">
+                          <a:ln>
+                            <a:noFill/>
+                          </a:ln>
+                          <a:solidFill>
+                            <a:schemeClr val="tx1"/>
+                          </a:solidFill>
+                          <a:effectLst/>
+                          <a:latin typeface="Times New Roman" panose="02020603050405020304" pitchFamily="18" charset="0"/>
+                          <a:ea typeface="+mn-ea"/>
+                          <a:cs typeface="+mn-cs"/>
+                        </a:rPr>
+                        <a:t>c_e</a:t>
+                      </a:r>
+                      <a:endParaRPr kumimoji="0" lang="en-US" altLang="ko-KR" sz="1600" b="0" i="0" u="none" strike="noStrike" kern="1200" cap="none" normalizeH="0" baseline="0" dirty="0">
+                        <a:ln>
+                          <a:noFill/>
+                        </a:ln>
+                        <a:solidFill>
+                          <a:schemeClr val="tx1"/>
+                        </a:solidFill>
+                        <a:effectLst/>
+                        <a:latin typeface="Times New Roman" panose="02020603050405020304" pitchFamily="18" charset="0"/>
+                        <a:ea typeface="+mn-ea"/>
+                        <a:cs typeface="+mn-cs"/>
                       </a:endParaRPr>
                     </a:p>
                   </a:txBody>
@@ -12333,6 +16171,89 @@
                       <a:headEnd type="none" w="med" len="med"/>
                       <a:tailEnd type="none" w="med" len="med"/>
                     </a:lnL>
+                    <a:lnR w="3175" cap="flat" cmpd="sng" algn="ctr">
+                      <a:solidFill>
+                        <a:schemeClr val="tx1"/>
+                      </a:solidFill>
+                      <a:prstDash val="solid"/>
+                      <a:round/>
+                      <a:headEnd type="none" w="med" len="med"/>
+                      <a:tailEnd type="none" w="med" len="med"/>
+                    </a:lnR>
+                    <a:lnT w="3175" cap="flat" cmpd="sng" algn="ctr">
+                      <a:solidFill>
+                        <a:schemeClr val="tx1"/>
+                      </a:solidFill>
+                      <a:prstDash val="solid"/>
+                      <a:round/>
+                      <a:headEnd type="none" w="med" len="med"/>
+                      <a:tailEnd type="none" w="med" len="med"/>
+                    </a:lnT>
+                    <a:lnB w="3175" cap="flat" cmpd="sng" algn="ctr">
+                      <a:solidFill>
+                        <a:schemeClr val="tx1"/>
+                      </a:solidFill>
+                      <a:prstDash val="solid"/>
+                      <a:round/>
+                      <a:headEnd type="none" w="med" len="med"/>
+                      <a:tailEnd type="none" w="med" len="med"/>
+                    </a:lnB>
+                    <a:lnTlToBr>
+                      <a:noFill/>
+                    </a:lnTlToBr>
+                    <a:lnBlToTr>
+                      <a:noFill/>
+                    </a:lnBlToTr>
+                    <a:solidFill>
+                      <a:schemeClr val="bg1"/>
+                    </a:solidFill>
+                  </a:tcPr>
+                </a:tc>
+                <a:tc>
+                  <a:txBody>
+                    <a:bodyPr/>
+                    <a:lstStyle/>
+                    <a:p>
+                      <a:pPr algn="ctr" fontAlgn="ctr"/>
+                      <a:r>
+                        <a:rPr kumimoji="0" lang="en-US" altLang="ko-KR" sz="1600" b="0" i="0" u="none" strike="noStrike" kern="1200" cap="none" normalizeH="0" baseline="0" dirty="0" err="1">
+                          <a:ln>
+                            <a:noFill/>
+                          </a:ln>
+                          <a:solidFill>
+                            <a:schemeClr val="tx1"/>
+                          </a:solidFill>
+                          <a:effectLst/>
+                          <a:latin typeface="Times New Roman" panose="02020603050405020304" pitchFamily="18" charset="0"/>
+                          <a:ea typeface="+mn-ea"/>
+                          <a:cs typeface="+mn-cs"/>
+                        </a:rPr>
+                        <a:t>c_f</a:t>
+                      </a:r>
+                      <a:endParaRPr kumimoji="0" lang="en-US" altLang="ko-KR" sz="1600" b="0" i="0" u="none" strike="noStrike" kern="1200" cap="none" normalizeH="0" baseline="0" dirty="0">
+                        <a:ln>
+                          <a:noFill/>
+                        </a:ln>
+                        <a:solidFill>
+                          <a:schemeClr val="tx1"/>
+                        </a:solidFill>
+                        <a:effectLst/>
+                        <a:latin typeface="Times New Roman" panose="02020603050405020304" pitchFamily="18" charset="0"/>
+                        <a:ea typeface="+mn-ea"/>
+                        <a:cs typeface="+mn-cs"/>
+                      </a:endParaRPr>
+                    </a:p>
+                  </a:txBody>
+                  <a:tcPr marL="9525" marR="9525" marT="9525" marB="0" anchor="ctr">
+                    <a:lnL w="3175" cap="flat" cmpd="sng" algn="ctr">
+                      <a:solidFill>
+                        <a:schemeClr val="tx1"/>
+                      </a:solidFill>
+                      <a:prstDash val="solid"/>
+                      <a:round/>
+                      <a:headEnd type="none" w="med" len="med"/>
+                      <a:tailEnd type="none" w="med" len="med"/>
+                    </a:lnL>
                     <a:lnR w="19050" cap="flat" cmpd="sng" algn="ctr">
                       <a:solidFill>
                         <a:schemeClr val="tx1"/>
@@ -12625,6 +16546,89 @@
                       <a:endParaRPr lang="ko-KR" altLang="en-US" sz="1600" b="0" dirty="0">
                         <a:latin typeface="+mn-lt"/>
                         <a:ea typeface="+mn-ea"/>
+                      </a:endParaRPr>
+                    </a:p>
+                  </a:txBody>
+                  <a:tcPr marL="9525" marR="9525" marT="9525" marB="0" anchor="ctr">
+                    <a:lnL w="3175" cap="flat" cmpd="sng" algn="ctr">
+                      <a:solidFill>
+                        <a:schemeClr val="tx1"/>
+                      </a:solidFill>
+                      <a:prstDash val="solid"/>
+                      <a:round/>
+                      <a:headEnd type="none" w="med" len="med"/>
+                      <a:tailEnd type="none" w="med" len="med"/>
+                    </a:lnL>
+                    <a:lnR w="3175" cap="flat" cmpd="sng" algn="ctr">
+                      <a:solidFill>
+                        <a:schemeClr val="tx1"/>
+                      </a:solidFill>
+                      <a:prstDash val="solid"/>
+                      <a:round/>
+                      <a:headEnd type="none" w="med" len="med"/>
+                      <a:tailEnd type="none" w="med" len="med"/>
+                    </a:lnR>
+                    <a:lnT w="3175" cap="flat" cmpd="sng" algn="ctr">
+                      <a:solidFill>
+                        <a:schemeClr val="tx1"/>
+                      </a:solidFill>
+                      <a:prstDash val="solid"/>
+                      <a:round/>
+                      <a:headEnd type="none" w="med" len="med"/>
+                      <a:tailEnd type="none" w="med" len="med"/>
+                    </a:lnT>
+                    <a:lnB w="3175" cap="flat" cmpd="sng" algn="ctr">
+                      <a:solidFill>
+                        <a:schemeClr val="tx1"/>
+                      </a:solidFill>
+                      <a:prstDash val="solid"/>
+                      <a:round/>
+                      <a:headEnd type="none" w="med" len="med"/>
+                      <a:tailEnd type="none" w="med" len="med"/>
+                    </a:lnB>
+                    <a:lnTlToBr>
+                      <a:noFill/>
+                    </a:lnTlToBr>
+                    <a:lnBlToTr>
+                      <a:noFill/>
+                    </a:lnBlToTr>
+                    <a:solidFill>
+                      <a:schemeClr val="bg1"/>
+                    </a:solidFill>
+                  </a:tcPr>
+                </a:tc>
+                <a:tc>
+                  <a:txBody>
+                    <a:bodyPr/>
+                    <a:lstStyle/>
+                    <a:p>
+                      <a:pPr algn="ctr" fontAlgn="ctr"/>
+                      <a:r>
+                        <a:rPr kumimoji="0" lang="en-US" altLang="ko-KR" sz="1600" b="0" i="0" u="none" strike="noStrike" kern="1200" cap="none" normalizeH="0" baseline="0" dirty="0" err="1">
+                          <a:ln>
+                            <a:noFill/>
+                          </a:ln>
+                          <a:solidFill>
+                            <a:schemeClr val="tx1"/>
+                          </a:solidFill>
+                          <a:effectLst/>
+                          <a:latin typeface="Times New Roman" panose="02020603050405020304" pitchFamily="18" charset="0"/>
+                          <a:ea typeface="+mn-ea"/>
+                          <a:cs typeface="+mn-cs"/>
+                        </a:rPr>
+                        <a:t>c_g</a:t>
+                      </a:r>
+                      <a:endParaRPr kumimoji="0" lang="en-US" altLang="ko-KR" sz="1600" b="0" i="0" u="none" strike="noStrike" kern="1200" cap="none" normalizeH="0" baseline="0" dirty="0">
+                        <a:ln>
+                          <a:noFill/>
+                        </a:ln>
+                        <a:solidFill>
+                          <a:schemeClr val="tx1"/>
+                        </a:solidFill>
+                        <a:effectLst/>
+                        <a:latin typeface="Times New Roman" panose="02020603050405020304" pitchFamily="18" charset="0"/>
+                        <a:ea typeface="+mn-ea"/>
+                        <a:cs typeface="+mn-cs"/>
                       </a:endParaRPr>
                     </a:p>
                   </a:txBody>
@@ -12971,6 +16975,89 @@
                       <a:headEnd type="none" w="med" len="med"/>
                       <a:tailEnd type="none" w="med" len="med"/>
                     </a:lnL>
+                    <a:lnR w="3175" cap="flat" cmpd="sng" algn="ctr">
+                      <a:solidFill>
+                        <a:schemeClr val="tx1"/>
+                      </a:solidFill>
+                      <a:prstDash val="solid"/>
+                      <a:round/>
+                      <a:headEnd type="none" w="med" len="med"/>
+                      <a:tailEnd type="none" w="med" len="med"/>
+                    </a:lnR>
+                    <a:lnT w="3175" cap="flat" cmpd="sng" algn="ctr">
+                      <a:solidFill>
+                        <a:schemeClr val="tx1"/>
+                      </a:solidFill>
+                      <a:prstDash val="solid"/>
+                      <a:round/>
+                      <a:headEnd type="none" w="med" len="med"/>
+                      <a:tailEnd type="none" w="med" len="med"/>
+                    </a:lnT>
+                    <a:lnB w="3175" cap="flat" cmpd="sng" algn="ctr">
+                      <a:solidFill>
+                        <a:schemeClr val="tx1"/>
+                      </a:solidFill>
+                      <a:prstDash val="solid"/>
+                      <a:round/>
+                      <a:headEnd type="none" w="med" len="med"/>
+                      <a:tailEnd type="none" w="med" len="med"/>
+                    </a:lnB>
+                    <a:lnTlToBr>
+                      <a:noFill/>
+                    </a:lnTlToBr>
+                    <a:lnBlToTr>
+                      <a:noFill/>
+                    </a:lnBlToTr>
+                    <a:solidFill>
+                      <a:schemeClr val="bg1"/>
+                    </a:solidFill>
+                  </a:tcPr>
+                </a:tc>
+                <a:tc>
+                  <a:txBody>
+                    <a:bodyPr/>
+                    <a:lstStyle/>
+                    <a:p>
+                      <a:pPr algn="ctr" fontAlgn="ctr"/>
+                      <a:r>
+                        <a:rPr kumimoji="0" lang="en-US" altLang="ko-KR" sz="1600" b="0" i="0" u="none" strike="noStrike" kern="1200" cap="none" normalizeH="0" baseline="0" dirty="0" err="1">
+                          <a:ln>
+                            <a:noFill/>
+                          </a:ln>
+                          <a:solidFill>
+                            <a:schemeClr val="tx1"/>
+                          </a:solidFill>
+                          <a:effectLst/>
+                          <a:latin typeface="Times New Roman" panose="02020603050405020304" pitchFamily="18" charset="0"/>
+                          <a:ea typeface="+mn-ea"/>
+                          <a:cs typeface="+mn-cs"/>
+                        </a:rPr>
+                        <a:t>c_h</a:t>
+                      </a:r>
+                      <a:endParaRPr kumimoji="0" lang="en-US" altLang="ko-KR" sz="1600" b="0" i="0" u="none" strike="noStrike" kern="1200" cap="none" normalizeH="0" baseline="0" dirty="0">
+                        <a:ln>
+                          <a:noFill/>
+                        </a:ln>
+                        <a:solidFill>
+                          <a:schemeClr val="tx1"/>
+                        </a:solidFill>
+                        <a:effectLst/>
+                        <a:latin typeface="Times New Roman" panose="02020603050405020304" pitchFamily="18" charset="0"/>
+                        <a:ea typeface="+mn-ea"/>
+                        <a:cs typeface="+mn-cs"/>
+                      </a:endParaRPr>
+                    </a:p>
+                  </a:txBody>
+                  <a:tcPr marL="9525" marR="9525" marT="9525" marB="0" anchor="ctr">
+                    <a:lnL w="3175" cap="flat" cmpd="sng" algn="ctr">
+                      <a:solidFill>
+                        <a:schemeClr val="tx1"/>
+                      </a:solidFill>
+                      <a:prstDash val="solid"/>
+                      <a:round/>
+                      <a:headEnd type="none" w="med" len="med"/>
+                      <a:tailEnd type="none" w="med" len="med"/>
+                    </a:lnL>
                     <a:lnR w="19050" cap="flat" cmpd="sng" algn="ctr">
                       <a:solidFill>
                         <a:schemeClr val="tx1"/>
@@ -13042,84 +17129,13 @@
                       </a:pPr>
                       <a:r>
                         <a:rPr lang="en-US" altLang="ko-KR" sz="1600" b="0"/>
-                        <a:t>n_PrevWord [7:0]</a:t>
+                        <a:t>n_Digest</a:t>
                       </a:r>
                       <a:endParaRPr lang="ko-KR" altLang="en-US" sz="1600" b="0" dirty="0"/>
                     </a:p>
                   </a:txBody>
                   <a:tcPr marL="0" marR="0" marT="0" marB="0" anchor="ctr" horzOverflow="overflow">
                     <a:lnL w="19050" cap="flat" cmpd="sng" algn="ctr">
-                      <a:solidFill>
-                        <a:schemeClr val="tx1"/>
-                      </a:solidFill>
-                      <a:prstDash val="solid"/>
-                      <a:round/>
-                      <a:headEnd type="none" w="med" len="med"/>
-                      <a:tailEnd type="none" w="med" len="med"/>
-                    </a:lnL>
-                    <a:lnR w="3175" cap="flat" cmpd="sng" algn="ctr">
-                      <a:solidFill>
-                        <a:schemeClr val="tx1"/>
-                      </a:solidFill>
-                      <a:prstDash val="solid"/>
-                      <a:round/>
-                      <a:headEnd type="none" w="med" len="med"/>
-                      <a:tailEnd type="none" w="med" len="med"/>
-                    </a:lnR>
-                    <a:lnT w="3175" cap="flat" cmpd="sng" algn="ctr">
-                      <a:solidFill>
-                        <a:schemeClr val="tx1"/>
-                      </a:solidFill>
-                      <a:prstDash val="solid"/>
-                      <a:round/>
-                      <a:headEnd type="none" w="med" len="med"/>
-                      <a:tailEnd type="none" w="med" len="med"/>
-                    </a:lnT>
-                    <a:lnB w="19050" cap="flat" cmpd="sng" algn="ctr">
-                      <a:solidFill>
-                        <a:schemeClr val="tx1"/>
-                      </a:solidFill>
-                      <a:prstDash val="solid"/>
-                      <a:round/>
-                      <a:headEnd type="none" w="med" len="med"/>
-                      <a:tailEnd type="none" w="med" len="med"/>
-                    </a:lnB>
-                    <a:lnTlToBr>
-                      <a:noFill/>
-                    </a:lnTlToBr>
-                    <a:lnBlToTr>
-                      <a:noFill/>
-                    </a:lnBlToTr>
-                    <a:solidFill>
-                      <a:schemeClr val="bg1"/>
-                    </a:solidFill>
-                  </a:tcPr>
-                </a:tc>
-                <a:tc>
-                  <a:txBody>
-                    <a:bodyPr/>
-                    <a:lstStyle/>
-                    <a:p>
-                      <a:pPr algn="ctr" fontAlgn="ctr"/>
-                      <a:r>
-                        <a:rPr kumimoji="0" lang="en-US" altLang="ko-KR" sz="1600" b="0" i="0" u="none" strike="noStrike" kern="1200" cap="none" normalizeH="0" baseline="0" dirty="0">
-                          <a:ln>
-                            <a:noFill/>
-                          </a:ln>
-                          <a:solidFill>
-                            <a:schemeClr val="tx1"/>
-                          </a:solidFill>
-                          <a:effectLst/>
-                          <a:latin typeface="Times New Roman" panose="02020603050405020304" pitchFamily="18" charset="0"/>
-                          <a:ea typeface="+mn-ea"/>
-                          <a:cs typeface="+mn-cs"/>
-                        </a:rPr>
-                        <a:t>32</a:t>
-                      </a:r>
-                    </a:p>
-                  </a:txBody>
-                  <a:tcPr marL="9525" marR="9525" marT="9525" marB="0" anchor="ctr">
-                    <a:lnL w="3175" cap="flat" cmpd="sng" algn="ctr">
                       <a:solidFill>
                         <a:schemeClr val="tx1"/>
                       </a:solidFill>
@@ -13185,7 +17201,90 @@
                           <a:ea typeface="+mn-ea"/>
                           <a:cs typeface="+mn-cs"/>
                         </a:rPr>
-                        <a:t>IV[i]</a:t>
+                        <a:t>512</a:t>
+                      </a:r>
+                      <a:endParaRPr kumimoji="0" lang="en-US" altLang="ko-KR" sz="1600" b="0" i="0" u="none" strike="noStrike" kern="1200" cap="none" normalizeH="0" baseline="0" dirty="0">
+                        <a:ln>
+                          <a:noFill/>
+                        </a:ln>
+                        <a:solidFill>
+                          <a:schemeClr val="tx1"/>
+                        </a:solidFill>
+                        <a:effectLst/>
+                        <a:latin typeface="Times New Roman" panose="02020603050405020304" pitchFamily="18" charset="0"/>
+                        <a:ea typeface="+mn-ea"/>
+                        <a:cs typeface="+mn-cs"/>
+                      </a:endParaRPr>
+                    </a:p>
+                  </a:txBody>
+                  <a:tcPr marL="9525" marR="9525" marT="9525" marB="0" anchor="ctr">
+                    <a:lnL w="3175" cap="flat" cmpd="sng" algn="ctr">
+                      <a:solidFill>
+                        <a:schemeClr val="tx1"/>
+                      </a:solidFill>
+                      <a:prstDash val="solid"/>
+                      <a:round/>
+                      <a:headEnd type="none" w="med" len="med"/>
+                      <a:tailEnd type="none" w="med" len="med"/>
+                    </a:lnL>
+                    <a:lnR w="3175" cap="flat" cmpd="sng" algn="ctr">
+                      <a:solidFill>
+                        <a:schemeClr val="tx1"/>
+                      </a:solidFill>
+                      <a:prstDash val="solid"/>
+                      <a:round/>
+                      <a:headEnd type="none" w="med" len="med"/>
+                      <a:tailEnd type="none" w="med" len="med"/>
+                    </a:lnR>
+                    <a:lnT w="3175" cap="flat" cmpd="sng" algn="ctr">
+                      <a:solidFill>
+                        <a:schemeClr val="tx1"/>
+                      </a:solidFill>
+                      <a:prstDash val="solid"/>
+                      <a:round/>
+                      <a:headEnd type="none" w="med" len="med"/>
+                      <a:tailEnd type="none" w="med" len="med"/>
+                    </a:lnT>
+                    <a:lnB w="19050" cap="flat" cmpd="sng" algn="ctr">
+                      <a:solidFill>
+                        <a:schemeClr val="tx1"/>
+                      </a:solidFill>
+                      <a:prstDash val="solid"/>
+                      <a:round/>
+                      <a:headEnd type="none" w="med" len="med"/>
+                      <a:tailEnd type="none" w="med" len="med"/>
+                    </a:lnB>
+                    <a:lnTlToBr>
+                      <a:noFill/>
+                    </a:lnTlToBr>
+                    <a:lnBlToTr>
+                      <a:noFill/>
+                    </a:lnBlToTr>
+                    <a:solidFill>
+                      <a:schemeClr val="bg1"/>
+                    </a:solidFill>
+                  </a:tcPr>
+                </a:tc>
+                <a:tc>
+                  <a:txBody>
+                    <a:bodyPr/>
+                    <a:lstStyle/>
+                    <a:p>
+                      <a:pPr algn="ctr" fontAlgn="ctr"/>
+                      <a:r>
+                        <a:rPr kumimoji="0" lang="en-US" altLang="ko-KR" sz="1600" b="0" i="0" u="none" strike="noStrike" kern="1200" cap="none" normalizeH="0" baseline="0">
+                          <a:ln>
+                            <a:noFill/>
+                          </a:ln>
+                          <a:solidFill>
+                            <a:schemeClr val="tx1"/>
+                          </a:solidFill>
+                          <a:effectLst/>
+                          <a:latin typeface="Times New Roman" panose="02020603050405020304" pitchFamily="18" charset="0"/>
+                          <a:ea typeface="+mn-ea"/>
+                          <a:cs typeface="+mn-cs"/>
+                        </a:rPr>
+                        <a:t>i_fFirst ? IV : c_Digest</a:t>
                       </a:r>
                       <a:endParaRPr kumimoji="0" lang="en-US" altLang="ko-KR" sz="1600" b="0" i="0" u="none" strike="noStrike" kern="1200" cap="none" normalizeH="0" baseline="0" dirty="0">
                         <a:ln>
@@ -13272,7 +17371,7 @@
                         <a:defRPr/>
                       </a:pPr>
                       <a:r>
-                        <a:rPr lang="pt-BR" sz="1800" b="0" kern="1200">
+                        <a:rPr lang="pt-BR" sz="1600" b="0" kern="1200">
                           <a:solidFill>
                             <a:schemeClr val="tx1"/>
                           </a:solidFill>
@@ -13281,7 +17380,91 @@
                           <a:ea typeface="+mn-ea"/>
                           <a:cs typeface="+mn-cs"/>
                         </a:rPr>
-                        <a:t>o_fDone ? o_Text[i*32+:32] : c_PrevWord[i]</a:t>
+                        <a:t>o_fDone ? o_Text : c_Digest</a:t>
+                      </a:r>
+                    </a:p>
+                  </a:txBody>
+                  <a:tcPr marL="9525" marR="9525" marT="9525" marB="0" anchor="ctr">
+                    <a:lnL w="3175" cap="flat" cmpd="sng" algn="ctr">
+                      <a:solidFill>
+                        <a:schemeClr val="tx1"/>
+                      </a:solidFill>
+                      <a:prstDash val="solid"/>
+                      <a:round/>
+                      <a:headEnd type="none" w="med" len="med"/>
+                      <a:tailEnd type="none" w="med" len="med"/>
+                    </a:lnL>
+                    <a:lnR w="3175" cap="flat" cmpd="sng" algn="ctr">
+                      <a:solidFill>
+                        <a:schemeClr val="tx1"/>
+                      </a:solidFill>
+                      <a:prstDash val="solid"/>
+                      <a:round/>
+                      <a:headEnd type="none" w="med" len="med"/>
+                      <a:tailEnd type="none" w="med" len="med"/>
+                    </a:lnR>
+                    <a:lnT w="3175" cap="flat" cmpd="sng" algn="ctr">
+                      <a:solidFill>
+                        <a:schemeClr val="tx1"/>
+                      </a:solidFill>
+                      <a:prstDash val="solid"/>
+                      <a:round/>
+                      <a:headEnd type="none" w="med" len="med"/>
+                      <a:tailEnd type="none" w="med" len="med"/>
+                    </a:lnT>
+                    <a:lnB w="19050" cap="flat" cmpd="sng" algn="ctr">
+                      <a:solidFill>
+                        <a:schemeClr val="tx1"/>
+                      </a:solidFill>
+                      <a:prstDash val="solid"/>
+                      <a:round/>
+                      <a:headEnd type="none" w="med" len="med"/>
+                      <a:tailEnd type="none" w="med" len="med"/>
+                    </a:lnB>
+                    <a:lnTlToBr>
+                      <a:noFill/>
+                    </a:lnTlToBr>
+                    <a:lnBlToTr>
+                      <a:noFill/>
+                    </a:lnBlToTr>
+                    <a:solidFill>
+                      <a:schemeClr val="bg1"/>
+                    </a:solidFill>
+                  </a:tcPr>
+                </a:tc>
+                <a:tc>
+                  <a:txBody>
+                    <a:bodyPr/>
+                    <a:lstStyle/>
+                    <a:p>
+                      <a:pPr marL="0" marR="0" lvl="0" indent="0" algn="ctr" defTabSz="914400" rtl="0" eaLnBrk="1" fontAlgn="ctr" latinLnBrk="1" hangingPunct="1">
+                        <a:lnSpc>
+                          <a:spcPct val="100000"/>
+                        </a:lnSpc>
+                        <a:spcBef>
+                          <a:spcPts val="0"/>
+                        </a:spcBef>
+                        <a:spcAft>
+                          <a:spcPts val="0"/>
+                        </a:spcAft>
+                        <a:buClrTx/>
+                        <a:buSzTx/>
+                        <a:buFontTx/>
+                        <a:buNone/>
+                        <a:tabLst/>
+                        <a:defRPr/>
+                      </a:pPr>
+                      <a:r>
+                        <a:rPr lang="pt-BR" sz="1600" b="0" kern="1200">
+                          <a:solidFill>
+                            <a:schemeClr val="tx1"/>
+                          </a:solidFill>
+                          <a:effectLst/>
+                          <a:latin typeface="+mn-lt"/>
+                          <a:ea typeface="+mn-ea"/>
+                          <a:cs typeface="+mn-cs"/>
+                        </a:rPr>
+                        <a:t>c_Digest</a:t>
                       </a:r>
                     </a:p>
                   </a:txBody>
@@ -13372,45 +17555,12 @@
           <a:lstStyle/>
           <a:p>
             <a:r>
-              <a:rPr lang="en-US" altLang="ko-KR" dirty="0" err="1">
-                <a:latin typeface="Times New Roman" panose="02020603050405020304" pitchFamily="18" charset="0"/>
-                <a:ea typeface="맑은 고딕" panose="020B0503020000020004" pitchFamily="50" charset="-127"/>
-              </a:rPr>
-              <a:t>fWordGen</a:t>
-            </a:r>
-            <a:r>
-              <a:rPr lang="en-US" altLang="ko-KR" dirty="0">
-                <a:latin typeface="Times New Roman" panose="02020603050405020304" pitchFamily="18" charset="0"/>
-                <a:ea typeface="맑은 고딕" panose="020B0503020000020004" pitchFamily="50" charset="-127"/>
-              </a:rPr>
-              <a:t> </a:t>
-            </a:r>
-            <a:r>
               <a:rPr lang="en-US" altLang="ko-KR">
                 <a:latin typeface="Times New Roman" panose="02020603050405020304" pitchFamily="18" charset="0"/>
                 <a:ea typeface="맑은 고딕" panose="020B0503020000020004" pitchFamily="50" charset="-127"/>
               </a:rPr>
-              <a:t>= </a:t>
-            </a:r>
-            <a:r>
-              <a:rPr kumimoji="0" lang="en-US" altLang="ko-KR" sz="1800" b="0" i="0" u="none" strike="noStrike" kern="1200" cap="none" normalizeH="0" baseline="0">
-                <a:ln>
-                  <a:noFill/>
-                </a:ln>
-                <a:solidFill>
-                  <a:schemeClr val="tx1"/>
-                </a:solidFill>
-                <a:effectLst/>
-                <a:latin typeface="Times New Roman" panose="02020603050405020304" pitchFamily="18" charset="0"/>
-                <a:ea typeface="+mn-ea"/>
-                <a:cs typeface="+mn-cs"/>
-              </a:rPr>
-              <a:t>c_Round &gt; 14</a:t>
-            </a:r>
-            <a:endParaRPr lang="en-US" altLang="ko-KR">
-              <a:latin typeface="Times New Roman" panose="02020603050405020304" pitchFamily="18" charset="0"/>
-              <a:ea typeface="맑은 고딕" panose="020B0503020000020004" pitchFamily="50" charset="-127"/>
-            </a:endParaRPr>
+              <a:t>Key = KeySelect(c_Round)</a:t>
+            </a:r>
           </a:p>
           <a:p>
             <a:r>
@@ -13418,7 +17568,7 @@
                 <a:latin typeface="Times New Roman" panose="02020603050405020304" pitchFamily="18" charset="0"/>
                 <a:ea typeface="맑은 고딕" panose="020B0503020000020004" pitchFamily="50" charset="-127"/>
               </a:rPr>
-              <a:t>T1 = c_h ^ SIG1(c_e) ^ Ch(c_e, c_f, c_g) ^ c_Key ^ Msg</a:t>
+              <a:t>T1 = c_h + SIG1(c_e) + Ch(c_e, c_f, c_g) + Key + Word[0]</a:t>
             </a:r>
           </a:p>
           <a:p>
@@ -13444,11 +17594,18 @@
               <a:t>c_a</a:t>
             </a:r>
             <a:r>
+              <a:rPr lang="en-US" altLang="ko-KR">
+                <a:latin typeface="Times New Roman" panose="02020603050405020304" pitchFamily="18" charset="0"/>
+                <a:ea typeface="맑은 고딕" panose="020B0503020000020004" pitchFamily="50" charset="-127"/>
+              </a:rPr>
+              <a:t>) + </a:t>
+            </a:r>
+            <a:r>
               <a:rPr lang="en-US" altLang="ko-KR" dirty="0">
                 <a:latin typeface="Times New Roman" panose="02020603050405020304" pitchFamily="18" charset="0"/>
                 <a:ea typeface="맑은 고딕" panose="020B0503020000020004" pitchFamily="50" charset="-127"/>
               </a:rPr>
-              <a:t>) ^ Maj(</a:t>
+              <a:t>Maj(</a:t>
             </a:r>
             <a:r>
               <a:rPr lang="en-US" altLang="ko-KR" dirty="0" err="1">
@@ -13730,14 +17887,14 @@
           <p:nvPr>
             <p:extLst>
               <p:ext uri="{D42A27DB-BD31-4B8C-83A1-F6EECF244321}">
-                <p14:modId xmlns:p14="http://schemas.microsoft.com/office/powerpoint/2010/main" val="2941496118"/>
+                <p14:modId xmlns:p14="http://schemas.microsoft.com/office/powerpoint/2010/main" val="2040278920"/>
               </p:ext>
             </p:extLst>
           </p:nvPr>
         </p:nvGraphicFramePr>
         <p:xfrm>
           <a:off x="662865" y="1872943"/>
-          <a:ext cx="10866269" cy="1556057"/>
+          <a:ext cx="10866269" cy="1830377"/>
         </p:xfrm>
         <a:graphic>
           <a:graphicData uri="http://schemas.openxmlformats.org/drawingml/2006/table">
@@ -14222,7 +18379,7 @@
                           <a:ea typeface="+mn-ea"/>
                           <a:cs typeface="+mn-cs"/>
                         </a:rPr>
-                        <a:t>fLstRound</a:t>
+                        <a:t>c_State == DONE</a:t>
                       </a:r>
                     </a:p>
                   </a:txBody>
@@ -14430,8 +18587,9 @@
                     <a:bodyPr/>
                     <a:lstStyle/>
                     <a:p>
+                      <a:pPr algn="ctr"/>
                       <a:r>
-                        <a:rPr lang="en-US" sz="1800" b="0" kern="1200">
+                        <a:rPr lang="de-DE" sz="1800" b="0" kern="1200">
                           <a:solidFill>
                             <a:schemeClr val="tx1"/>
                           </a:solidFill>
@@ -14440,10 +18598,13 @@
                           <a:ea typeface="+mn-ea"/>
                           <a:cs typeface="+mn-cs"/>
                         </a:rPr>
-                        <a:t>o_fDone ? </a:t>
+                        <a:t>o_fDone ? {c_a + c_Digest[7*32+:32], c_b + c_Digest[6*32+:32], </a:t>
                       </a:r>
-                      <a:br>
-                        <a:rPr lang="en-US" sz="1800" b="0" kern="1200">
+                    </a:p>
+                    <a:p>
+                      <a:pPr algn="ctr"/>
+                      <a:r>
+                        <a:rPr lang="de-DE" sz="1800" b="0" kern="1200">
                           <a:solidFill>
                             <a:schemeClr val="tx1"/>
                           </a:solidFill>
@@ -14452,9 +18613,13 @@
                           <a:ea typeface="+mn-ea"/>
                           <a:cs typeface="+mn-cs"/>
                         </a:rPr>
-                      </a:br>
+                        <a:t>                    c_c + c_Digest[5*32+:32], c_d + c_Digest[4*32+:32], </a:t>
+                      </a:r>
+                    </a:p>
+                    <a:p>
+                      <a:pPr algn="ctr"/>
                       <a:r>
-                        <a:rPr lang="en-US" sz="1800" b="0" kern="1200">
+                        <a:rPr lang="de-DE" sz="1800" b="0" kern="1200">
                           <a:solidFill>
                             <a:schemeClr val="tx1"/>
                           </a:solidFill>
@@ -14463,12 +18628,13 @@
                           <a:ea typeface="+mn-ea"/>
                           <a:cs typeface="+mn-cs"/>
                         </a:rPr>
-                        <a:t>{(T1 + T2) + c_PrevWord[7], c_a + c_PrevWord[6], c_b + c_PrevWord[5], c_c + c_PrevWord[4], </a:t>
+                        <a:t>                   c_e + c_Digest[3*32+:32], c_f + c_Digest[2*32+:32], </a:t>
                       </a:r>
                     </a:p>
                     <a:p>
+                      <a:pPr algn="ctr"/>
                       <a:r>
-                        <a:rPr lang="en-US" sz="1800" b="0" kern="1200">
+                        <a:rPr lang="de-DE" sz="1800" b="0" kern="1200">
                           <a:solidFill>
                             <a:schemeClr val="tx1"/>
                           </a:solidFill>
@@ -14477,7 +18643,7 @@
                           <a:ea typeface="+mn-ea"/>
                           <a:cs typeface="+mn-cs"/>
                         </a:rPr>
-                        <a:t>   c_d + T1 + c_PrevWord[3], c_e + c_PrevWord[2], c_f + c_PrevWord[1], c_g + c_PrevWord[0]} : 0</a:t>
+                        <a:t>                          c_g + c_Digest[1*32+:32], c_h + c_Digest[0*32+:32]} : 0</a:t>
                       </a:r>
                     </a:p>
                   </a:txBody>
@@ -14553,8 +18719,8 @@
         </p:nvSpPr>
         <p:spPr>
           <a:xfrm>
-            <a:off x="753689" y="3668931"/>
-            <a:ext cx="4585294" cy="646331"/>
+            <a:off x="753689" y="3867051"/>
+            <a:ext cx="2584362" cy="369332"/>
           </a:xfrm>
           <a:prstGeom prst="rect">
             <a:avLst/>
@@ -14578,22 +18744,6 @@
                 <a:cs typeface="+mn-cs"/>
               </a:rPr>
               <a:t>fLstRound = &amp;(c_Round)</a:t>
-            </a:r>
-          </a:p>
-          <a:p>
-            <a:r>
-              <a:rPr lang="en-US" altLang="ko-KR">
-                <a:latin typeface="Times New Roman" panose="02020603050405020304" pitchFamily="18" charset="0"/>
-                <a:ea typeface="맑은 고딕" panose="020B0503020000020004" pitchFamily="50" charset="-127"/>
-              </a:rPr>
-              <a:t>Msg = </a:t>
-            </a:r>
-            <a:r>
-              <a:rPr lang="en-US" altLang="ko-KR" sz="1800">
-                <a:latin typeface="Times New Roman" panose="02020603050405020304" pitchFamily="18" charset="0"/>
-                <a:ea typeface="맑은 고딕" panose="020B0503020000020004" pitchFamily="50" charset="-127"/>
-              </a:rPr>
-              <a:t>fWordGen ? Word[15] : Word[c_Round]</a:t>
             </a:r>
           </a:p>
         </p:txBody>
